--- a/Presentation1.pptx
+++ b/Presentation1.pptx
@@ -6,13 +6,16 @@
   </p:sldMasterIdLst>
   <p:sldIdLst>
     <p:sldId id="256" r:id="rId2"/>
-    <p:sldId id="257" r:id="rId3"/>
-    <p:sldId id="258" r:id="rId4"/>
-    <p:sldId id="259" r:id="rId5"/>
-    <p:sldId id="260" r:id="rId6"/>
-    <p:sldId id="261" r:id="rId7"/>
-    <p:sldId id="262" r:id="rId8"/>
-    <p:sldId id="263" r:id="rId9"/>
+    <p:sldId id="265" r:id="rId3"/>
+    <p:sldId id="257" r:id="rId4"/>
+    <p:sldId id="266" r:id="rId5"/>
+    <p:sldId id="267" r:id="rId6"/>
+    <p:sldId id="259" r:id="rId7"/>
+    <p:sldId id="268" r:id="rId8"/>
+    <p:sldId id="261" r:id="rId9"/>
+    <p:sldId id="264" r:id="rId10"/>
+    <p:sldId id="262" r:id="rId11"/>
+    <p:sldId id="263" r:id="rId12"/>
   </p:sldIdLst>
   <p:sldSz cx="12192000" cy="6858000"/>
   <p:notesSz cx="6858000" cy="9144000"/>
@@ -149,7 +152,7 @@
           <inkml:channelProperty channel="OE" name="resolution" value="1000" units="1/deg"/>
         </inkml:channelProperties>
       </inkml:inkSource>
-      <inkml:timestamp xml:id="ts0" timeString="2025-02-13T02:06:29.402"/>
+      <inkml:timestamp xml:id="ts0" timeString="2025-02-14T14:01:14.927"/>
     </inkml:context>
     <inkml:brush xml:id="br0">
       <inkml:brushProperty name="width" value="0.1" units="cm"/>
@@ -181,7 +184,7 @@
           <inkml:channelProperty channel="OE" name="resolution" value="1000" units="1/deg"/>
         </inkml:channelProperties>
       </inkml:inkSource>
-      <inkml:timestamp xml:id="ts0" timeString="2025-02-13T02:06:29.411"/>
+      <inkml:timestamp xml:id="ts0" timeString="2025-02-14T14:01:14.936"/>
     </inkml:context>
     <inkml:brush xml:id="br0">
       <inkml:brushProperty name="width" value="0.1" units="cm"/>
@@ -213,7 +216,7 @@
           <inkml:channelProperty channel="OE" name="resolution" value="1000" units="1/deg"/>
         </inkml:channelProperties>
       </inkml:inkSource>
-      <inkml:timestamp xml:id="ts0" timeString="2025-02-13T02:06:29.412"/>
+      <inkml:timestamp xml:id="ts0" timeString="2025-02-14T14:01:14.937"/>
     </inkml:context>
     <inkml:brush xml:id="br0">
       <inkml:brushProperty name="width" value="0.1" units="cm"/>
@@ -245,7 +248,7 @@
           <inkml:channelProperty channel="OE" name="resolution" value="1000" units="1/deg"/>
         </inkml:channelProperties>
       </inkml:inkSource>
-      <inkml:timestamp xml:id="ts0" timeString="2025-02-13T02:06:29.413"/>
+      <inkml:timestamp xml:id="ts0" timeString="2025-02-14T14:01:14.938"/>
     </inkml:context>
     <inkml:brush xml:id="br0">
       <inkml:brushProperty name="width" value="0.1" units="cm"/>
@@ -277,7 +280,7 @@
           <inkml:channelProperty channel="OE" name="resolution" value="1000" units="1/deg"/>
         </inkml:channelProperties>
       </inkml:inkSource>
-      <inkml:timestamp xml:id="ts0" timeString="2025-02-13T02:06:29.414"/>
+      <inkml:timestamp xml:id="ts0" timeString="2025-02-14T14:01:14.939"/>
     </inkml:context>
     <inkml:brush xml:id="br0">
       <inkml:brushProperty name="width" value="0.1" units="cm"/>
@@ -309,7 +312,7 @@
           <inkml:channelProperty channel="OE" name="resolution" value="1000" units="1/deg"/>
         </inkml:channelProperties>
       </inkml:inkSource>
-      <inkml:timestamp xml:id="ts0" timeString="2025-02-13T02:06:29.415"/>
+      <inkml:timestamp xml:id="ts0" timeString="2025-02-14T14:01:14.940"/>
     </inkml:context>
     <inkml:brush xml:id="br0">
       <inkml:brushProperty name="width" value="0.1" units="cm"/>
@@ -341,7 +344,7 @@
           <inkml:channelProperty channel="OE" name="resolution" value="1000" units="1/deg"/>
         </inkml:channelProperties>
       </inkml:inkSource>
-      <inkml:timestamp xml:id="ts0" timeString="2025-02-13T02:06:29.416"/>
+      <inkml:timestamp xml:id="ts0" timeString="2025-02-14T14:01:14.941"/>
     </inkml:context>
     <inkml:brush xml:id="br0">
       <inkml:brushProperty name="width" value="0.1" units="cm"/>
@@ -373,7 +376,7 @@
           <inkml:channelProperty channel="OE" name="resolution" value="1000" units="1/deg"/>
         </inkml:channelProperties>
       </inkml:inkSource>
-      <inkml:timestamp xml:id="ts0" timeString="2025-02-13T02:06:29.417"/>
+      <inkml:timestamp xml:id="ts0" timeString="2025-02-14T14:01:14.942"/>
     </inkml:context>
     <inkml:brush xml:id="br0">
       <inkml:brushProperty name="width" value="0.1" units="cm"/>
@@ -405,6 +408,7 @@
           <inkml:channelProperty channel="OE" name="resolution" value="1000" units="1/deg"/>
         </inkml:channelProperties>
       </inkml:inkSource>
+      <inkml:timestamp xml:id="ts0" timeString="2025-02-13T02:14:48.464"/>
     </inkml:context>
     <inkml:brush xml:id="br0">
       <inkml:brushProperty name="width" value="0.1" units="cm"/>
@@ -497,7 +501,7 @@
           <inkml:channelProperty channel="OE" name="resolution" value="1000" units="1/deg"/>
         </inkml:channelProperties>
       </inkml:inkSource>
-      <inkml:timestamp xml:id="ts0" timeString="2025-02-13T02:06:29.403"/>
+      <inkml:timestamp xml:id="ts0" timeString="2025-02-14T14:01:14.928"/>
     </inkml:context>
     <inkml:brush xml:id="br0">
       <inkml:brushProperty name="width" value="0.1" units="cm"/>
@@ -506,68 +510,6 @@
     </inkml:brush>
   </inkml:definitions>
   <inkml:trace contextRef="#ctx0" brushRef="#br0">9965 4375 16383 0 0,'2'3'0'0'0,"7"5"0"0"0,3 5 0 0 0,3 1 0 0 0,1 2 0 0 0,0 1 0 0 0,-2-4 0 0 0,-2 0 0 0 0,1-1 0 0 0,-1 1 0 0 0,2 0 0 0 0,-1 1 0 0 0,1 0 0 0 0,3 3 0 0 0,1 1 0 0 0,0 0 0 0 0,0-1 0 0 0,-2 0 0 0 0,0-1 0 0 0,-1-1 0 0 0,0 0 0 0 0,0 0 0 0 0,0-1 0 0 0,-1 1 0 0 0,1-1 0 0 0,-1 1 0 0 0,1 0 0 0 0,0-1 0 0 0,-1 1 0 0 0,1 0 0 0 0,0-1 0 0 0,-3-2 0 0 0</inkml:trace>
-</inkml:ink>
-</file>
-
-<file path=ppt/ink/ink20.xml><?xml version="1.0" encoding="utf-8"?>
-<inkml:ink xmlns:inkml="http://www.w3.org/2003/InkML">
-  <inkml:definitions>
-    <inkml:context xml:id="ctx0">
-      <inkml:inkSource xml:id="inkSrc0">
-        <inkml:traceFormat>
-          <inkml:channel name="X" type="integer" min="-2.14748E9" max="2.14748E9" units="cm"/>
-          <inkml:channel name="Y" type="integer" min="-2.14748E9" max="2.14748E9" units="cm"/>
-          <inkml:channel name="F" type="integer" max="32767" units="dev"/>
-          <inkml:channel name="OA" type="integer" max="360" units="deg"/>
-          <inkml:channel name="OE" type="integer" max="90" units="deg"/>
-        </inkml:traceFormat>
-        <inkml:channelProperties>
-          <inkml:channelProperty channel="X" name="resolution" value="1000" units="1/cm"/>
-          <inkml:channelProperty channel="Y" name="resolution" value="1000" units="1/cm"/>
-          <inkml:channelProperty channel="F" name="resolution" value="0" units="1/dev"/>
-          <inkml:channelProperty channel="OA" name="resolution" value="1000" units="1/deg"/>
-          <inkml:channelProperty channel="OE" name="resolution" value="1000" units="1/deg"/>
-        </inkml:channelProperties>
-      </inkml:inkSource>
-      <inkml:timestamp xml:id="ts0" timeString="2025-02-13T02:14:48.464"/>
-    </inkml:context>
-    <inkml:brush xml:id="br0">
-      <inkml:brushProperty name="width" value="0.1" units="cm"/>
-      <inkml:brushProperty name="height" value="0.1" units="cm"/>
-    </inkml:brush>
-  </inkml:definitions>
-  <inkml:trace contextRef="#ctx0" brushRef="#br0">25559 13150 16383 0 0,'0'0'0'0'0</inkml:trace>
-</inkml:ink>
-</file>
-
-<file path=ppt/ink/ink21.xml><?xml version="1.0" encoding="utf-8"?>
-<inkml:ink xmlns:inkml="http://www.w3.org/2003/InkML">
-  <inkml:definitions>
-    <inkml:context xml:id="ctx0">
-      <inkml:inkSource xml:id="inkSrc0">
-        <inkml:traceFormat>
-          <inkml:channel name="X" type="integer" min="-2.14748E9" max="2.14748E9" units="cm"/>
-          <inkml:channel name="Y" type="integer" min="-2.14748E9" max="2.14748E9" units="cm"/>
-          <inkml:channel name="F" type="integer" max="32767" units="dev"/>
-          <inkml:channel name="OA" type="integer" max="360" units="deg"/>
-          <inkml:channel name="OE" type="integer" max="90" units="deg"/>
-        </inkml:traceFormat>
-        <inkml:channelProperties>
-          <inkml:channelProperty channel="X" name="resolution" value="1000" units="1/cm"/>
-          <inkml:channelProperty channel="Y" name="resolution" value="1000" units="1/cm"/>
-          <inkml:channelProperty channel="F" name="resolution" value="0" units="1/dev"/>
-          <inkml:channelProperty channel="OA" name="resolution" value="1000" units="1/deg"/>
-          <inkml:channelProperty channel="OE" name="resolution" value="1000" units="1/deg"/>
-        </inkml:channelProperties>
-      </inkml:inkSource>
-      <inkml:timestamp xml:id="ts0" timeString="2025-02-13T02:14:48.464"/>
-    </inkml:context>
-    <inkml:brush xml:id="br0">
-      <inkml:brushProperty name="width" value="0.1" units="cm"/>
-      <inkml:brushProperty name="height" value="0.1" units="cm"/>
-    </inkml:brush>
-  </inkml:definitions>
-  <inkml:trace contextRef="#ctx0" brushRef="#br0">25559 13150 16383 0 0,'0'0'0'0'0</inkml:trace>
 </inkml:ink>
 </file>
 
@@ -591,7 +533,7 @@
           <inkml:channelProperty channel="OE" name="resolution" value="1000" units="1/deg"/>
         </inkml:channelProperties>
       </inkml:inkSource>
-      <inkml:timestamp xml:id="ts0" timeString="2025-02-13T02:06:29.404"/>
+      <inkml:timestamp xml:id="ts0" timeString="2025-02-14T14:01:14.929"/>
     </inkml:context>
     <inkml:brush xml:id="br0">
       <inkml:brushProperty name="width" value="0.1" units="cm"/>
@@ -623,7 +565,7 @@
           <inkml:channelProperty channel="OE" name="resolution" value="1000" units="1/deg"/>
         </inkml:channelProperties>
       </inkml:inkSource>
-      <inkml:timestamp xml:id="ts0" timeString="2025-02-13T02:06:29.405"/>
+      <inkml:timestamp xml:id="ts0" timeString="2025-02-14T14:01:14.930"/>
     </inkml:context>
     <inkml:brush xml:id="br0">
       <inkml:brushProperty name="width" value="0.1" units="cm"/>
@@ -655,7 +597,7 @@
           <inkml:channelProperty channel="OE" name="resolution" value="1000" units="1/deg"/>
         </inkml:channelProperties>
       </inkml:inkSource>
-      <inkml:timestamp xml:id="ts0" timeString="2025-02-13T02:06:29.406"/>
+      <inkml:timestamp xml:id="ts0" timeString="2025-02-14T14:01:14.931"/>
     </inkml:context>
     <inkml:brush xml:id="br0">
       <inkml:brushProperty name="width" value="0.1" units="cm"/>
@@ -687,7 +629,7 @@
           <inkml:channelProperty channel="OE" name="resolution" value="1000" units="1/deg"/>
         </inkml:channelProperties>
       </inkml:inkSource>
-      <inkml:timestamp xml:id="ts0" timeString="2025-02-13T02:06:29.407"/>
+      <inkml:timestamp xml:id="ts0" timeString="2025-02-14T14:01:14.932"/>
     </inkml:context>
     <inkml:brush xml:id="br0">
       <inkml:brushProperty name="width" value="0.1" units="cm"/>
@@ -719,7 +661,7 @@
           <inkml:channelProperty channel="OE" name="resolution" value="1000" units="1/deg"/>
         </inkml:channelProperties>
       </inkml:inkSource>
-      <inkml:timestamp xml:id="ts0" timeString="2025-02-13T02:06:29.408"/>
+      <inkml:timestamp xml:id="ts0" timeString="2025-02-14T14:01:14.933"/>
     </inkml:context>
     <inkml:brush xml:id="br0">
       <inkml:brushProperty name="width" value="0.1" units="cm"/>
@@ -751,7 +693,7 @@
           <inkml:channelProperty channel="OE" name="resolution" value="1000" units="1/deg"/>
         </inkml:channelProperties>
       </inkml:inkSource>
-      <inkml:timestamp xml:id="ts0" timeString="2025-02-13T02:06:29.409"/>
+      <inkml:timestamp xml:id="ts0" timeString="2025-02-14T14:01:14.934"/>
     </inkml:context>
     <inkml:brush xml:id="br0">
       <inkml:brushProperty name="width" value="0.1" units="cm"/>
@@ -783,7 +725,7 @@
           <inkml:channelProperty channel="OE" name="resolution" value="1000" units="1/deg"/>
         </inkml:channelProperties>
       </inkml:inkSource>
-      <inkml:timestamp xml:id="ts0" timeString="2025-02-13T02:06:29.410"/>
+      <inkml:timestamp xml:id="ts0" timeString="2025-02-14T14:01:14.935"/>
     </inkml:context>
     <inkml:brush xml:id="br0">
       <inkml:brushProperty name="width" value="0.1" units="cm"/>
@@ -924,7 +866,7 @@
           <a:p>
             <a:fld id="{846CE7D5-CF57-46EF-B807-FDD0502418D4}" type="datetimeFigureOut">
               <a:rPr lang="en-US" smtClean="0"/>
-              <a:t>2/12/2025</a:t>
+              <a:t>2/14/2025</a:t>
             </a:fld>
             <a:endParaRPr lang="en-US"/>
           </a:p>
@@ -966,7 +908,7 @@
           <a:p>
             <a:fld id="{330EA680-D336-4FF7-8B7A-9848BB0A1C32}" type="slidenum">
               <a:rPr lang="en-US" smtClean="0"/>
-              <a:t>‹#›</a:t>
+              <a:t>‹nº›</a:t>
             </a:fld>
             <a:endParaRPr lang="en-US"/>
           </a:p>
@@ -1092,7 +1034,7 @@
           <a:p>
             <a:fld id="{846CE7D5-CF57-46EF-B807-FDD0502418D4}" type="datetimeFigureOut">
               <a:rPr lang="en-US" smtClean="0"/>
-              <a:t>2/12/2025</a:t>
+              <a:t>2/14/2025</a:t>
             </a:fld>
             <a:endParaRPr lang="en-US"/>
           </a:p>
@@ -1134,7 +1076,7 @@
           <a:p>
             <a:fld id="{330EA680-D336-4FF7-8B7A-9848BB0A1C32}" type="slidenum">
               <a:rPr lang="en-US" smtClean="0"/>
-              <a:t>‹#›</a:t>
+              <a:t>‹nº›</a:t>
             </a:fld>
             <a:endParaRPr lang="en-US"/>
           </a:p>
@@ -1270,7 +1212,7 @@
           <a:p>
             <a:fld id="{846CE7D5-CF57-46EF-B807-FDD0502418D4}" type="datetimeFigureOut">
               <a:rPr lang="en-US" smtClean="0"/>
-              <a:t>2/12/2025</a:t>
+              <a:t>2/14/2025</a:t>
             </a:fld>
             <a:endParaRPr lang="en-US"/>
           </a:p>
@@ -1312,7 +1254,7 @@
           <a:p>
             <a:fld id="{330EA680-D336-4FF7-8B7A-9848BB0A1C32}" type="slidenum">
               <a:rPr lang="en-US" smtClean="0"/>
-              <a:t>‹#›</a:t>
+              <a:t>‹nº›</a:t>
             </a:fld>
             <a:endParaRPr lang="en-US"/>
           </a:p>
@@ -1438,7 +1380,7 @@
           <a:p>
             <a:fld id="{846CE7D5-CF57-46EF-B807-FDD0502418D4}" type="datetimeFigureOut">
               <a:rPr lang="en-US" smtClean="0"/>
-              <a:t>2/12/2025</a:t>
+              <a:t>2/14/2025</a:t>
             </a:fld>
             <a:endParaRPr lang="en-US"/>
           </a:p>
@@ -1480,7 +1422,7 @@
           <a:p>
             <a:fld id="{330EA680-D336-4FF7-8B7A-9848BB0A1C32}" type="slidenum">
               <a:rPr lang="en-US" smtClean="0"/>
-              <a:t>‹#›</a:t>
+              <a:t>‹nº›</a:t>
             </a:fld>
             <a:endParaRPr lang="en-US"/>
           </a:p>
@@ -1683,7 +1625,7 @@
           <a:p>
             <a:fld id="{846CE7D5-CF57-46EF-B807-FDD0502418D4}" type="datetimeFigureOut">
               <a:rPr lang="en-US" smtClean="0"/>
-              <a:t>2/12/2025</a:t>
+              <a:t>2/14/2025</a:t>
             </a:fld>
             <a:endParaRPr lang="en-US"/>
           </a:p>
@@ -1725,7 +1667,7 @@
           <a:p>
             <a:fld id="{330EA680-D336-4FF7-8B7A-9848BB0A1C32}" type="slidenum">
               <a:rPr lang="en-US" smtClean="0"/>
-              <a:t>‹#›</a:t>
+              <a:t>‹nº›</a:t>
             </a:fld>
             <a:endParaRPr lang="en-US"/>
           </a:p>
@@ -1912,7 +1854,7 @@
           <a:p>
             <a:fld id="{846CE7D5-CF57-46EF-B807-FDD0502418D4}" type="datetimeFigureOut">
               <a:rPr lang="en-US" smtClean="0"/>
-              <a:t>2/12/2025</a:t>
+              <a:t>2/14/2025</a:t>
             </a:fld>
             <a:endParaRPr lang="en-US"/>
           </a:p>
@@ -1954,7 +1896,7 @@
           <a:p>
             <a:fld id="{330EA680-D336-4FF7-8B7A-9848BB0A1C32}" type="slidenum">
               <a:rPr lang="en-US" smtClean="0"/>
-              <a:t>‹#›</a:t>
+              <a:t>‹nº›</a:t>
             </a:fld>
             <a:endParaRPr lang="en-US"/>
           </a:p>
@@ -2276,7 +2218,7 @@
           <a:p>
             <a:fld id="{846CE7D5-CF57-46EF-B807-FDD0502418D4}" type="datetimeFigureOut">
               <a:rPr lang="en-US" smtClean="0"/>
-              <a:t>2/12/2025</a:t>
+              <a:t>2/14/2025</a:t>
             </a:fld>
             <a:endParaRPr lang="en-US"/>
           </a:p>
@@ -2318,7 +2260,7 @@
           <a:p>
             <a:fld id="{330EA680-D336-4FF7-8B7A-9848BB0A1C32}" type="slidenum">
               <a:rPr lang="en-US" smtClean="0"/>
-              <a:t>‹#›</a:t>
+              <a:t>‹nº›</a:t>
             </a:fld>
             <a:endParaRPr lang="en-US"/>
           </a:p>
@@ -2393,7 +2335,7 @@
           <a:p>
             <a:fld id="{846CE7D5-CF57-46EF-B807-FDD0502418D4}" type="datetimeFigureOut">
               <a:rPr lang="en-US" smtClean="0"/>
-              <a:t>2/12/2025</a:t>
+              <a:t>2/14/2025</a:t>
             </a:fld>
             <a:endParaRPr lang="en-US"/>
           </a:p>
@@ -2435,7 +2377,7 @@
           <a:p>
             <a:fld id="{330EA680-D336-4FF7-8B7A-9848BB0A1C32}" type="slidenum">
               <a:rPr lang="en-US" smtClean="0"/>
-              <a:t>‹#›</a:t>
+              <a:t>‹nº›</a:t>
             </a:fld>
             <a:endParaRPr lang="en-US"/>
           </a:p>
@@ -2488,7 +2430,7 @@
           <a:p>
             <a:fld id="{846CE7D5-CF57-46EF-B807-FDD0502418D4}" type="datetimeFigureOut">
               <a:rPr lang="en-US" smtClean="0"/>
-              <a:t>2/12/2025</a:t>
+              <a:t>2/14/2025</a:t>
             </a:fld>
             <a:endParaRPr lang="en-US"/>
           </a:p>
@@ -2530,7 +2472,7 @@
           <a:p>
             <a:fld id="{330EA680-D336-4FF7-8B7A-9848BB0A1C32}" type="slidenum">
               <a:rPr lang="en-US" smtClean="0"/>
-              <a:t>‹#›</a:t>
+              <a:t>‹nº›</a:t>
             </a:fld>
             <a:endParaRPr lang="en-US"/>
           </a:p>
@@ -2763,7 +2705,7 @@
           <a:p>
             <a:fld id="{846CE7D5-CF57-46EF-B807-FDD0502418D4}" type="datetimeFigureOut">
               <a:rPr lang="en-US" smtClean="0"/>
-              <a:t>2/12/2025</a:t>
+              <a:t>2/14/2025</a:t>
             </a:fld>
             <a:endParaRPr lang="en-US"/>
           </a:p>
@@ -2805,7 +2747,7 @@
           <a:p>
             <a:fld id="{330EA680-D336-4FF7-8B7A-9848BB0A1C32}" type="slidenum">
               <a:rPr lang="en-US" smtClean="0"/>
-              <a:t>‹#›</a:t>
+              <a:t>‹nº›</a:t>
             </a:fld>
             <a:endParaRPr lang="en-US"/>
           </a:p>
@@ -3018,7 +2960,7 @@
           <a:p>
             <a:fld id="{846CE7D5-CF57-46EF-B807-FDD0502418D4}" type="datetimeFigureOut">
               <a:rPr lang="en-US" smtClean="0"/>
-              <a:t>2/12/2025</a:t>
+              <a:t>2/14/2025</a:t>
             </a:fld>
             <a:endParaRPr lang="en-US"/>
           </a:p>
@@ -3060,7 +3002,7 @@
           <a:p>
             <a:fld id="{330EA680-D336-4FF7-8B7A-9848BB0A1C32}" type="slidenum">
               <a:rPr lang="en-US" smtClean="0"/>
-              <a:t>‹#›</a:t>
+              <a:t>‹nº›</a:t>
             </a:fld>
             <a:endParaRPr lang="en-US"/>
           </a:p>
@@ -3229,7 +3171,7 @@
           <a:p>
             <a:fld id="{846CE7D5-CF57-46EF-B807-FDD0502418D4}" type="datetimeFigureOut">
               <a:rPr lang="en-US" smtClean="0"/>
-              <a:t>2/12/2025</a:t>
+              <a:t>2/14/2025</a:t>
             </a:fld>
             <a:endParaRPr lang="en-US"/>
           </a:p>
@@ -3307,7 +3249,7 @@
           <a:p>
             <a:fld id="{330EA680-D336-4FF7-8B7A-9848BB0A1C32}" type="slidenum">
               <a:rPr lang="en-US" smtClean="0"/>
-              <a:t>‹#›</a:t>
+              <a:t>‹nº›</a:t>
             </a:fld>
             <a:endParaRPr lang="en-US"/>
           </a:p>
@@ -3685,1440 +3627,7 @@
 </p:sld>
 </file>
 
-<file path=ppt/slides/slide2.xml><?xml version="1.0" encoding="utf-8"?>
-<p:sld xmlns:a="http://schemas.openxmlformats.org/drawingml/2006/main" xmlns:r="http://schemas.openxmlformats.org/officeDocument/2006/relationships" xmlns:p="http://schemas.openxmlformats.org/presentationml/2006/main">
-  <p:cSld>
-    <p:spTree>
-      <p:nvGrpSpPr>
-        <p:cNvPr id="1" name=""/>
-        <p:cNvGrpSpPr/>
-        <p:nvPr/>
-      </p:nvGrpSpPr>
-      <p:grpSpPr>
-        <a:xfrm>
-          <a:off x="0" y="0"/>
-          <a:ext cx="0" cy="0"/>
-          <a:chOff x="0" y="0"/>
-          <a:chExt cx="0" cy="0"/>
-        </a:xfrm>
-      </p:grpSpPr>
-      <p:sp>
-        <p:nvSpPr>
-          <p:cNvPr id="2" name="Title 1">
-            <a:extLst>
-              <a:ext uri="{FF2B5EF4-FFF2-40B4-BE49-F238E27FC236}">
-                <a16:creationId xmlns:a16="http://schemas.microsoft.com/office/drawing/2014/main" id="{DCC3F936-D3E9-29D0-5895-D343E7665B3F}"/>
-              </a:ext>
-            </a:extLst>
-          </p:cNvPr>
-          <p:cNvSpPr>
-            <a:spLocks noGrp="1"/>
-          </p:cNvSpPr>
-          <p:nvPr>
-            <p:ph type="title"/>
-          </p:nvPr>
-        </p:nvSpPr>
-        <p:spPr/>
-        <p:txBody>
-          <a:bodyPr/>
-          <a:lstStyle/>
-          <a:p>
-            <a:endParaRPr lang="en-US"/>
-          </a:p>
-        </p:txBody>
-      </p:sp>
-      <p:pic>
-        <p:nvPicPr>
-          <p:cNvPr id="8" name="Content Placeholder 7" descr="A green outline of a map&#10;&#10;AI-generated content may be incorrect.">
-            <a:extLst>
-              <a:ext uri="{FF2B5EF4-FFF2-40B4-BE49-F238E27FC236}">
-                <a16:creationId xmlns:a16="http://schemas.microsoft.com/office/drawing/2014/main" id="{FA655FFB-C444-0BFE-5162-5223D40BEFAE}"/>
-              </a:ext>
-            </a:extLst>
-          </p:cNvPr>
-          <p:cNvPicPr>
-            <a:picLocks noGrp="1" noChangeAspect="1"/>
-          </p:cNvPicPr>
-          <p:nvPr>
-            <p:ph idx="1"/>
-          </p:nvPr>
-        </p:nvPicPr>
-        <p:blipFill>
-          <a:blip r:embed="rId2"/>
-          <a:stretch>
-            <a:fillRect/>
-          </a:stretch>
-        </p:blipFill>
-        <p:spPr>
-          <a:xfrm>
-            <a:off x="836583" y="2196396"/>
-            <a:ext cx="3905250" cy="3638550"/>
-          </a:xfrm>
-        </p:spPr>
-      </p:pic>
-    </p:spTree>
-    <p:extLst>
-      <p:ext uri="{BB962C8B-B14F-4D97-AF65-F5344CB8AC3E}">
-        <p14:creationId xmlns:p14="http://schemas.microsoft.com/office/powerpoint/2010/main" val="3770333388"/>
-      </p:ext>
-    </p:extLst>
-  </p:cSld>
-  <p:clrMapOvr>
-    <a:masterClrMapping/>
-  </p:clrMapOvr>
-</p:sld>
-</file>
-
-<file path=ppt/slides/slide3.xml><?xml version="1.0" encoding="utf-8"?>
-<p:sld xmlns:a="http://schemas.openxmlformats.org/drawingml/2006/main" xmlns:r="http://schemas.openxmlformats.org/officeDocument/2006/relationships" xmlns:p="http://schemas.openxmlformats.org/presentationml/2006/main">
-  <p:cSld>
-    <p:spTree>
-      <p:nvGrpSpPr>
-        <p:cNvPr id="1" name="">
-          <a:extLst>
-            <a:ext uri="{FF2B5EF4-FFF2-40B4-BE49-F238E27FC236}">
-              <a16:creationId xmlns:a16="http://schemas.microsoft.com/office/drawing/2014/main" id="{CF221B14-FA28-6FAE-860F-3F0DEB16F666}"/>
-            </a:ext>
-          </a:extLst>
-        </p:cNvPr>
-        <p:cNvGrpSpPr/>
-        <p:nvPr/>
-      </p:nvGrpSpPr>
-      <p:grpSpPr>
-        <a:xfrm>
-          <a:off x="0" y="0"/>
-          <a:ext cx="0" cy="0"/>
-          <a:chOff x="0" y="0"/>
-          <a:chExt cx="0" cy="0"/>
-        </a:xfrm>
-      </p:grpSpPr>
-      <p:sp>
-        <p:nvSpPr>
-          <p:cNvPr id="2" name="Title 1">
-            <a:extLst>
-              <a:ext uri="{FF2B5EF4-FFF2-40B4-BE49-F238E27FC236}">
-                <a16:creationId xmlns:a16="http://schemas.microsoft.com/office/drawing/2014/main" id="{43CAC96F-A463-5CC9-9DE7-6BFEE4F3B0D2}"/>
-              </a:ext>
-            </a:extLst>
-          </p:cNvPr>
-          <p:cNvSpPr>
-            <a:spLocks noGrp="1"/>
-          </p:cNvSpPr>
-          <p:nvPr>
-            <p:ph type="title"/>
-          </p:nvPr>
-        </p:nvSpPr>
-        <p:spPr/>
-        <p:txBody>
-          <a:bodyPr/>
-          <a:lstStyle/>
-          <a:p>
-            <a:endParaRPr lang="en-US"/>
-          </a:p>
-        </p:txBody>
-      </p:sp>
-      <p:pic>
-        <p:nvPicPr>
-          <p:cNvPr id="8" name="Content Placeholder 7" descr="A green outline of a map&#10;&#10;AI-generated content may be incorrect.">
-            <a:extLst>
-              <a:ext uri="{FF2B5EF4-FFF2-40B4-BE49-F238E27FC236}">
-                <a16:creationId xmlns:a16="http://schemas.microsoft.com/office/drawing/2014/main" id="{EA102E9D-5A2D-AE2F-1EEF-17D5EDBEA7D7}"/>
-              </a:ext>
-            </a:extLst>
-          </p:cNvPr>
-          <p:cNvPicPr>
-            <a:picLocks noGrp="1" noChangeAspect="1"/>
-          </p:cNvPicPr>
-          <p:nvPr>
-            <p:ph idx="1"/>
-          </p:nvPr>
-        </p:nvPicPr>
-        <p:blipFill>
-          <a:blip r:embed="rId2"/>
-          <a:stretch>
-            <a:fillRect/>
-          </a:stretch>
-        </p:blipFill>
-        <p:spPr>
-          <a:xfrm>
-            <a:off x="836583" y="2196396"/>
-            <a:ext cx="3905250" cy="3638550"/>
-          </a:xfrm>
-        </p:spPr>
-      </p:pic>
-      <mc:AlternateContent xmlns:mc="http://schemas.openxmlformats.org/markup-compatibility/2006" xmlns:p14="http://schemas.microsoft.com/office/powerpoint/2010/main">
-        <mc:Choice Requires="p14">
-          <p:contentPart p14:bwMode="auto" r:id="rId3">
-            <p14:nvContentPartPr>
-              <p14:cNvPr id="3" name="Ink 2">
-                <a:extLst>
-                  <a:ext uri="{FF2B5EF4-FFF2-40B4-BE49-F238E27FC236}">
-                    <a16:creationId xmlns:a16="http://schemas.microsoft.com/office/drawing/2014/main" id="{20D3B649-61B7-1604-5E0B-A960C622BBC3}"/>
-                  </a:ext>
-                </a:extLst>
-              </p14:cNvPr>
-              <p14:cNvContentPartPr/>
-              <p14:nvPr/>
-            </p14:nvContentPartPr>
-            <p14:xfrm>
-              <a:off x="1308407" y="2152342"/>
-              <a:ext cx="131834" cy="131834"/>
-            </p14:xfrm>
-          </p:contentPart>
-        </mc:Choice>
-        <mc:Fallback xmlns="">
-          <p:pic>
-            <p:nvPicPr>
-              <p:cNvPr id="3" name="Ink 2">
-                <a:extLst>
-                  <a:ext uri="{FF2B5EF4-FFF2-40B4-BE49-F238E27FC236}">
-                    <a16:creationId xmlns:a16="http://schemas.microsoft.com/office/drawing/2014/main" id="{20D3B649-61B7-1604-5E0B-A960C622BBC3}"/>
-                  </a:ext>
-                </a:extLst>
-              </p:cNvPr>
-              <p:cNvPicPr/>
-              <p:nvPr/>
-            </p:nvPicPr>
-            <p:blipFill>
-              <a:blip r:embed="rId4"/>
-              <a:stretch>
-                <a:fillRect/>
-              </a:stretch>
-            </p:blipFill>
-            <p:spPr>
-              <a:xfrm>
-                <a:off x="1290805" y="2134381"/>
-                <a:ext cx="167397" cy="167397"/>
-              </a:xfrm>
-              <a:prstGeom prst="rect">
-                <a:avLst/>
-              </a:prstGeom>
-            </p:spPr>
-          </p:pic>
-        </mc:Fallback>
-      </mc:AlternateContent>
-      <mc:AlternateContent xmlns:mc="http://schemas.openxmlformats.org/markup-compatibility/2006" xmlns:p14="http://schemas.microsoft.com/office/powerpoint/2010/main">
-        <mc:Choice Requires="p14">
-          <p:contentPart p14:bwMode="auto" r:id="rId5">
-            <p14:nvContentPartPr>
-              <p14:cNvPr id="6" name="Ink 5">
-                <a:extLst>
-                  <a:ext uri="{FF2B5EF4-FFF2-40B4-BE49-F238E27FC236}">
-                    <a16:creationId xmlns:a16="http://schemas.microsoft.com/office/drawing/2014/main" id="{FB7460FA-BEA9-2CFD-AADC-9EEB3F03DD5F}"/>
-                  </a:ext>
-                </a:extLst>
-              </p14:cNvPr>
-              <p14:cNvContentPartPr/>
-              <p14:nvPr/>
-            </p14:nvContentPartPr>
-            <p14:xfrm>
-              <a:off x="2991157" y="2088842"/>
-              <a:ext cx="163444" cy="163444"/>
-            </p14:xfrm>
-          </p:contentPart>
-        </mc:Choice>
-        <mc:Fallback xmlns="">
-          <p:pic>
-            <p:nvPicPr>
-              <p:cNvPr id="6" name="Ink 5">
-                <a:extLst>
-                  <a:ext uri="{FF2B5EF4-FFF2-40B4-BE49-F238E27FC236}">
-                    <a16:creationId xmlns:a16="http://schemas.microsoft.com/office/drawing/2014/main" id="{FB7460FA-BEA9-2CFD-AADC-9EEB3F03DD5F}"/>
-                  </a:ext>
-                </a:extLst>
-              </p:cNvPr>
-              <p:cNvPicPr/>
-              <p:nvPr/>
-            </p:nvPicPr>
-            <p:blipFill>
-              <a:blip r:embed="rId6"/>
-              <a:stretch>
-                <a:fillRect/>
-              </a:stretch>
-            </p:blipFill>
-            <p:spPr>
-              <a:xfrm>
-                <a:off x="2973555" y="2070881"/>
-                <a:ext cx="199007" cy="199007"/>
-              </a:xfrm>
-              <a:prstGeom prst="rect">
-                <a:avLst/>
-              </a:prstGeom>
-            </p:spPr>
-          </p:pic>
-        </mc:Fallback>
-      </mc:AlternateContent>
-      <mc:AlternateContent xmlns:mc="http://schemas.openxmlformats.org/markup-compatibility/2006" xmlns:p14="http://schemas.microsoft.com/office/powerpoint/2010/main">
-        <mc:Choice Requires="p14">
-          <p:contentPart p14:bwMode="auto" r:id="rId7">
-            <p14:nvContentPartPr>
-              <p14:cNvPr id="7" name="Ink 6">
-                <a:extLst>
-                  <a:ext uri="{FF2B5EF4-FFF2-40B4-BE49-F238E27FC236}">
-                    <a16:creationId xmlns:a16="http://schemas.microsoft.com/office/drawing/2014/main" id="{85AB64B4-AFE1-EB5E-CF10-3DC74ABA9EAA}"/>
-                  </a:ext>
-                </a:extLst>
-              </p14:cNvPr>
-              <p14:cNvContentPartPr/>
-              <p14:nvPr/>
-            </p14:nvContentPartPr>
-            <p14:xfrm>
-              <a:off x="705157" y="4046759"/>
-              <a:ext cx="216378" cy="216378"/>
-            </p14:xfrm>
-          </p:contentPart>
-        </mc:Choice>
-        <mc:Fallback xmlns="">
-          <p:pic>
-            <p:nvPicPr>
-              <p:cNvPr id="7" name="Ink 6">
-                <a:extLst>
-                  <a:ext uri="{FF2B5EF4-FFF2-40B4-BE49-F238E27FC236}">
-                    <a16:creationId xmlns:a16="http://schemas.microsoft.com/office/drawing/2014/main" id="{85AB64B4-AFE1-EB5E-CF10-3DC74ABA9EAA}"/>
-                  </a:ext>
-                </a:extLst>
-              </p:cNvPr>
-              <p:cNvPicPr/>
-              <p:nvPr/>
-            </p:nvPicPr>
-            <p:blipFill>
-              <a:blip r:embed="rId8"/>
-              <a:stretch>
-                <a:fillRect/>
-              </a:stretch>
-            </p:blipFill>
-            <p:spPr>
-              <a:xfrm>
-                <a:off x="687545" y="4028787"/>
-                <a:ext cx="251962" cy="251962"/>
-              </a:xfrm>
-              <a:prstGeom prst="rect">
-                <a:avLst/>
-              </a:prstGeom>
-            </p:spPr>
-          </p:pic>
-        </mc:Fallback>
-      </mc:AlternateContent>
-      <mc:AlternateContent xmlns:mc="http://schemas.openxmlformats.org/markup-compatibility/2006" xmlns:p14="http://schemas.microsoft.com/office/powerpoint/2010/main">
-        <mc:Choice Requires="p14">
-          <p:contentPart p14:bwMode="auto" r:id="rId9">
-            <p14:nvContentPartPr>
-              <p14:cNvPr id="9" name="Ink 8">
-                <a:extLst>
-                  <a:ext uri="{FF2B5EF4-FFF2-40B4-BE49-F238E27FC236}">
-                    <a16:creationId xmlns:a16="http://schemas.microsoft.com/office/drawing/2014/main" id="{7AC600C1-0158-BA7F-7DEA-6D233AA464C5}"/>
-                  </a:ext>
-                </a:extLst>
-              </p14:cNvPr>
-              <p14:cNvContentPartPr/>
-              <p14:nvPr/>
-            </p14:nvContentPartPr>
-            <p14:xfrm>
-              <a:off x="795115" y="2506883"/>
-              <a:ext cx="121261" cy="121261"/>
-            </p14:xfrm>
-          </p:contentPart>
-        </mc:Choice>
-        <mc:Fallback xmlns="">
-          <p:pic>
-            <p:nvPicPr>
-              <p:cNvPr id="9" name="Ink 8">
-                <a:extLst>
-                  <a:ext uri="{FF2B5EF4-FFF2-40B4-BE49-F238E27FC236}">
-                    <a16:creationId xmlns:a16="http://schemas.microsoft.com/office/drawing/2014/main" id="{7AC600C1-0158-BA7F-7DEA-6D233AA464C5}"/>
-                  </a:ext>
-                </a:extLst>
-              </p:cNvPr>
-              <p:cNvPicPr/>
-              <p:nvPr/>
-            </p:nvPicPr>
-            <p:blipFill>
-              <a:blip r:embed="rId10"/>
-              <a:stretch>
-                <a:fillRect/>
-              </a:stretch>
-            </p:blipFill>
-            <p:spPr>
-              <a:xfrm>
-                <a:off x="777536" y="2489304"/>
-                <a:ext cx="156778" cy="156778"/>
-              </a:xfrm>
-              <a:prstGeom prst="rect">
-                <a:avLst/>
-              </a:prstGeom>
-            </p:spPr>
-          </p:pic>
-        </mc:Fallback>
-      </mc:AlternateContent>
-      <mc:AlternateContent xmlns:mc="http://schemas.openxmlformats.org/markup-compatibility/2006" xmlns:p14="http://schemas.microsoft.com/office/powerpoint/2010/main">
-        <mc:Choice Requires="p14">
-          <p:contentPart p14:bwMode="auto" r:id="rId11">
-            <p14:nvContentPartPr>
-              <p14:cNvPr id="10" name="Ink 9">
-                <a:extLst>
-                  <a:ext uri="{FF2B5EF4-FFF2-40B4-BE49-F238E27FC236}">
-                    <a16:creationId xmlns:a16="http://schemas.microsoft.com/office/drawing/2014/main" id="{A74C63F9-BF3F-DD54-0C08-6B0FAF7D9B18}"/>
-                  </a:ext>
-                </a:extLst>
-              </p14:cNvPr>
-              <p14:cNvContentPartPr/>
-              <p14:nvPr/>
-            </p14:nvContentPartPr>
-            <p14:xfrm>
-              <a:off x="4673907" y="2988426"/>
-              <a:ext cx="147610" cy="147610"/>
-            </p14:xfrm>
-          </p:contentPart>
-        </mc:Choice>
-        <mc:Fallback xmlns="">
-          <p:pic>
-            <p:nvPicPr>
-              <p:cNvPr id="10" name="Ink 9">
-                <a:extLst>
-                  <a:ext uri="{FF2B5EF4-FFF2-40B4-BE49-F238E27FC236}">
-                    <a16:creationId xmlns:a16="http://schemas.microsoft.com/office/drawing/2014/main" id="{A74C63F9-BF3F-DD54-0C08-6B0FAF7D9B18}"/>
-                  </a:ext>
-                </a:extLst>
-              </p:cNvPr>
-              <p:cNvPicPr/>
-              <p:nvPr/>
-            </p:nvPicPr>
-            <p:blipFill>
-              <a:blip r:embed="rId12"/>
-              <a:stretch>
-                <a:fillRect/>
-              </a:stretch>
-            </p:blipFill>
-            <p:spPr>
-              <a:xfrm>
-                <a:off x="4656309" y="2970469"/>
-                <a:ext cx="183166" cy="183166"/>
-              </a:xfrm>
-              <a:prstGeom prst="rect">
-                <a:avLst/>
-              </a:prstGeom>
-            </p:spPr>
-          </p:pic>
-        </mc:Fallback>
-      </mc:AlternateContent>
-      <mc:AlternateContent xmlns:mc="http://schemas.openxmlformats.org/markup-compatibility/2006" xmlns:p14="http://schemas.microsoft.com/office/powerpoint/2010/main">
-        <mc:Choice Requires="p14">
-          <p:contentPart p14:bwMode="auto" r:id="rId13">
-            <p14:nvContentPartPr>
-              <p14:cNvPr id="11" name="Ink 10">
-                <a:extLst>
-                  <a:ext uri="{FF2B5EF4-FFF2-40B4-BE49-F238E27FC236}">
-                    <a16:creationId xmlns:a16="http://schemas.microsoft.com/office/drawing/2014/main" id="{AC3A9D31-DF34-94F0-0DCA-BC310B8F692D}"/>
-                  </a:ext>
-                </a:extLst>
-              </p14:cNvPr>
-              <p14:cNvContentPartPr/>
-              <p14:nvPr/>
-            </p14:nvContentPartPr>
-            <p14:xfrm>
-              <a:off x="4605115" y="5279717"/>
-              <a:ext cx="221661" cy="221661"/>
-            </p14:xfrm>
-          </p:contentPart>
-        </mc:Choice>
-        <mc:Fallback xmlns="">
-          <p:pic>
-            <p:nvPicPr>
-              <p:cNvPr id="11" name="Ink 10">
-                <a:extLst>
-                  <a:ext uri="{FF2B5EF4-FFF2-40B4-BE49-F238E27FC236}">
-                    <a16:creationId xmlns:a16="http://schemas.microsoft.com/office/drawing/2014/main" id="{AC3A9D31-DF34-94F0-0DCA-BC310B8F692D}"/>
-                  </a:ext>
-                </a:extLst>
-              </p:cNvPr>
-              <p:cNvPicPr/>
-              <p:nvPr/>
-            </p:nvPicPr>
-            <p:blipFill>
-              <a:blip r:embed="rId14"/>
-              <a:stretch>
-                <a:fillRect/>
-              </a:stretch>
-            </p:blipFill>
-            <p:spPr>
-              <a:xfrm>
-                <a:off x="4587511" y="5262113"/>
-                <a:ext cx="257227" cy="257227"/>
-              </a:xfrm>
-              <a:prstGeom prst="rect">
-                <a:avLst/>
-              </a:prstGeom>
-            </p:spPr>
-          </p:pic>
-        </mc:Fallback>
-      </mc:AlternateContent>
-      <mc:AlternateContent xmlns:mc="http://schemas.openxmlformats.org/markup-compatibility/2006" xmlns:p14="http://schemas.microsoft.com/office/powerpoint/2010/main">
-        <mc:Choice Requires="p14">
-          <p:contentPart p14:bwMode="auto" r:id="rId15">
-            <p14:nvContentPartPr>
-              <p14:cNvPr id="12" name="Ink 11">
-                <a:extLst>
-                  <a:ext uri="{FF2B5EF4-FFF2-40B4-BE49-F238E27FC236}">
-                    <a16:creationId xmlns:a16="http://schemas.microsoft.com/office/drawing/2014/main" id="{D25632F9-1864-3340-3B05-F0DF3DC51BC6}"/>
-                  </a:ext>
-                </a:extLst>
-              </p14:cNvPr>
-              <p14:cNvContentPartPr/>
-              <p14:nvPr/>
-            </p14:nvContentPartPr>
-            <p14:xfrm>
-              <a:off x="3954240" y="5750675"/>
-              <a:ext cx="157169" cy="157169"/>
-            </p14:xfrm>
-          </p:contentPart>
-        </mc:Choice>
-        <mc:Fallback xmlns="">
-          <p:pic>
-            <p:nvPicPr>
-              <p:cNvPr id="12" name="Ink 11">
-                <a:extLst>
-                  <a:ext uri="{FF2B5EF4-FFF2-40B4-BE49-F238E27FC236}">
-                    <a16:creationId xmlns:a16="http://schemas.microsoft.com/office/drawing/2014/main" id="{D25632F9-1864-3340-3B05-F0DF3DC51BC6}"/>
-                  </a:ext>
-                </a:extLst>
-              </p:cNvPr>
-              <p:cNvPicPr/>
-              <p:nvPr/>
-            </p:nvPicPr>
-            <p:blipFill>
-              <a:blip r:embed="rId16"/>
-              <a:stretch>
-                <a:fillRect/>
-              </a:stretch>
-            </p:blipFill>
-            <p:spPr>
-              <a:xfrm>
-                <a:off x="3936657" y="5732733"/>
-                <a:ext cx="192694" cy="192694"/>
-              </a:xfrm>
-              <a:prstGeom prst="rect">
-                <a:avLst/>
-              </a:prstGeom>
-            </p:spPr>
-          </p:pic>
-        </mc:Fallback>
-      </mc:AlternateContent>
-      <mc:AlternateContent xmlns:mc="http://schemas.openxmlformats.org/markup-compatibility/2006" xmlns:p14="http://schemas.microsoft.com/office/powerpoint/2010/main">
-        <mc:Choice Requires="p14">
-          <p:contentPart p14:bwMode="auto" r:id="rId17">
-            <p14:nvContentPartPr>
-              <p14:cNvPr id="13" name="Ink 12">
-                <a:extLst>
-                  <a:ext uri="{FF2B5EF4-FFF2-40B4-BE49-F238E27FC236}">
-                    <a16:creationId xmlns:a16="http://schemas.microsoft.com/office/drawing/2014/main" id="{A3385E9A-C95B-F2DD-B8C0-2F981CB23E0C}"/>
-                  </a:ext>
-                </a:extLst>
-              </p14:cNvPr>
-              <p14:cNvContentPartPr/>
-              <p14:nvPr/>
-            </p14:nvContentPartPr>
-            <p14:xfrm>
-              <a:off x="2816532" y="5766550"/>
-              <a:ext cx="142259" cy="142259"/>
-            </p14:xfrm>
-          </p:contentPart>
-        </mc:Choice>
-        <mc:Fallback xmlns="">
-          <p:pic>
-            <p:nvPicPr>
-              <p:cNvPr id="13" name="Ink 12">
-                <a:extLst>
-                  <a:ext uri="{FF2B5EF4-FFF2-40B4-BE49-F238E27FC236}">
-                    <a16:creationId xmlns:a16="http://schemas.microsoft.com/office/drawing/2014/main" id="{A3385E9A-C95B-F2DD-B8C0-2F981CB23E0C}"/>
-                  </a:ext>
-                </a:extLst>
-              </p:cNvPr>
-              <p:cNvPicPr/>
-              <p:nvPr/>
-            </p:nvPicPr>
-            <p:blipFill>
-              <a:blip r:embed="rId18"/>
-              <a:stretch>
-                <a:fillRect/>
-              </a:stretch>
-            </p:blipFill>
-            <p:spPr>
-              <a:xfrm>
-                <a:off x="2798570" y="5748947"/>
-                <a:ext cx="177824" cy="177824"/>
-              </a:xfrm>
-              <a:prstGeom prst="rect">
-                <a:avLst/>
-              </a:prstGeom>
-            </p:spPr>
-          </p:pic>
-        </mc:Fallback>
-      </mc:AlternateContent>
-      <mc:AlternateContent xmlns:mc="http://schemas.openxmlformats.org/markup-compatibility/2006" xmlns:p14="http://schemas.microsoft.com/office/powerpoint/2010/main">
-        <mc:Choice Requires="p14">
-          <p:contentPart p14:bwMode="auto" r:id="rId19">
-            <p14:nvContentPartPr>
-              <p14:cNvPr id="14" name="Ink 13">
-                <a:extLst>
-                  <a:ext uri="{FF2B5EF4-FFF2-40B4-BE49-F238E27FC236}">
-                    <a16:creationId xmlns:a16="http://schemas.microsoft.com/office/drawing/2014/main" id="{EBFD1BB5-C5AB-5C15-8767-D13CA4452BD8}"/>
-                  </a:ext>
-                </a:extLst>
-              </p14:cNvPr>
-              <p14:cNvContentPartPr/>
-              <p14:nvPr/>
-            </p14:nvContentPartPr>
-            <p14:xfrm>
-              <a:off x="4675499" y="2944865"/>
-              <a:ext cx="174366" cy="174366"/>
-            </p14:xfrm>
-          </p:contentPart>
-        </mc:Choice>
-        <mc:Fallback xmlns="">
-          <p:pic>
-            <p:nvPicPr>
-              <p:cNvPr id="14" name="Ink 13">
-                <a:extLst>
-                  <a:ext uri="{FF2B5EF4-FFF2-40B4-BE49-F238E27FC236}">
-                    <a16:creationId xmlns:a16="http://schemas.microsoft.com/office/drawing/2014/main" id="{EBFD1BB5-C5AB-5C15-8767-D13CA4452BD8}"/>
-                  </a:ext>
-                </a:extLst>
-              </p:cNvPr>
-              <p:cNvPicPr/>
-              <p:nvPr/>
-            </p:nvPicPr>
-            <p:blipFill>
-              <a:blip r:embed="rId20"/>
-              <a:stretch>
-                <a:fillRect/>
-              </a:stretch>
-            </p:blipFill>
-            <p:spPr>
-              <a:xfrm>
-                <a:off x="4657883" y="2926889"/>
-                <a:ext cx="209958" cy="209958"/>
-              </a:xfrm>
-              <a:prstGeom prst="rect">
-                <a:avLst/>
-              </a:prstGeom>
-            </p:spPr>
-          </p:pic>
-        </mc:Fallback>
-      </mc:AlternateContent>
-      <mc:AlternateContent xmlns:mc="http://schemas.openxmlformats.org/markup-compatibility/2006" xmlns:p14="http://schemas.microsoft.com/office/powerpoint/2010/main">
-        <mc:Choice Requires="p14">
-          <p:contentPart p14:bwMode="auto" r:id="rId21">
-            <p14:nvContentPartPr>
-              <p14:cNvPr id="15" name="Ink 14">
-                <a:extLst>
-                  <a:ext uri="{FF2B5EF4-FFF2-40B4-BE49-F238E27FC236}">
-                    <a16:creationId xmlns:a16="http://schemas.microsoft.com/office/drawing/2014/main" id="{3B6A50D4-85A3-153D-BACF-CF658C5AC5E3}"/>
-                  </a:ext>
-                </a:extLst>
-              </p14:cNvPr>
-              <p14:cNvContentPartPr/>
-              <p14:nvPr/>
-            </p14:nvContentPartPr>
-            <p14:xfrm>
-              <a:off x="4644094" y="5283782"/>
-              <a:ext cx="205771" cy="205771"/>
-            </p14:xfrm>
-          </p:contentPart>
-        </mc:Choice>
-        <mc:Fallback xmlns="">
-          <p:pic>
-            <p:nvPicPr>
-              <p:cNvPr id="15" name="Ink 14">
-                <a:extLst>
-                  <a:ext uri="{FF2B5EF4-FFF2-40B4-BE49-F238E27FC236}">
-                    <a16:creationId xmlns:a16="http://schemas.microsoft.com/office/drawing/2014/main" id="{3B6A50D4-85A3-153D-BACF-CF658C5AC5E3}"/>
-                  </a:ext>
-                </a:extLst>
-              </p:cNvPr>
-              <p:cNvPicPr/>
-              <p:nvPr/>
-            </p:nvPicPr>
-            <p:blipFill>
-              <a:blip r:embed="rId22"/>
-              <a:stretch>
-                <a:fillRect/>
-              </a:stretch>
-            </p:blipFill>
-            <p:spPr>
-              <a:xfrm>
-                <a:off x="4626138" y="5266186"/>
-                <a:ext cx="241323" cy="241323"/>
-              </a:xfrm>
-              <a:prstGeom prst="rect">
-                <a:avLst/>
-              </a:prstGeom>
-            </p:spPr>
-          </p:pic>
-        </mc:Fallback>
-      </mc:AlternateContent>
-      <mc:AlternateContent xmlns:mc="http://schemas.openxmlformats.org/markup-compatibility/2006" xmlns:p14="http://schemas.microsoft.com/office/powerpoint/2010/main">
-        <mc:Choice Requires="p14">
-          <p:contentPart p14:bwMode="auto" r:id="rId23">
-            <p14:nvContentPartPr>
-              <p14:cNvPr id="16" name="Ink 15">
-                <a:extLst>
-                  <a:ext uri="{FF2B5EF4-FFF2-40B4-BE49-F238E27FC236}">
-                    <a16:creationId xmlns:a16="http://schemas.microsoft.com/office/drawing/2014/main" id="{37779BF7-EE6B-0C78-9AF8-43737D81CE8C}"/>
-                  </a:ext>
-                </a:extLst>
-              </p14:cNvPr>
-              <p14:cNvContentPartPr/>
-              <p14:nvPr/>
-            </p14:nvContentPartPr>
-            <p14:xfrm>
-              <a:off x="3969862" y="5744157"/>
-              <a:ext cx="144462" cy="144462"/>
-            </p14:xfrm>
-          </p:contentPart>
-        </mc:Choice>
-        <mc:Fallback xmlns="">
-          <p:pic>
-            <p:nvPicPr>
-              <p:cNvPr id="16" name="Ink 15">
-                <a:extLst>
-                  <a:ext uri="{FF2B5EF4-FFF2-40B4-BE49-F238E27FC236}">
-                    <a16:creationId xmlns:a16="http://schemas.microsoft.com/office/drawing/2014/main" id="{37779BF7-EE6B-0C78-9AF8-43737D81CE8C}"/>
-                  </a:ext>
-                </a:extLst>
-              </p:cNvPr>
-              <p:cNvPicPr/>
-              <p:nvPr/>
-            </p:nvPicPr>
-            <p:blipFill>
-              <a:blip r:embed="rId24"/>
-              <a:stretch>
-                <a:fillRect/>
-              </a:stretch>
-            </p:blipFill>
-            <p:spPr>
-              <a:xfrm>
-                <a:off x="3952253" y="5726548"/>
-                <a:ext cx="180038" cy="180038"/>
-              </a:xfrm>
-              <a:prstGeom prst="rect">
-                <a:avLst/>
-              </a:prstGeom>
-            </p:spPr>
-          </p:pic>
-        </mc:Fallback>
-      </mc:AlternateContent>
-      <mc:AlternateContent xmlns:mc="http://schemas.openxmlformats.org/markup-compatibility/2006" xmlns:p14="http://schemas.microsoft.com/office/powerpoint/2010/main">
-        <mc:Choice Requires="p14">
-          <p:contentPart p14:bwMode="auto" r:id="rId25">
-            <p14:nvContentPartPr>
-              <p14:cNvPr id="17" name="Ink 16">
-                <a:extLst>
-                  <a:ext uri="{FF2B5EF4-FFF2-40B4-BE49-F238E27FC236}">
-                    <a16:creationId xmlns:a16="http://schemas.microsoft.com/office/drawing/2014/main" id="{8875D2D5-ED0C-131F-9671-72351A1F2476}"/>
-                  </a:ext>
-                </a:extLst>
-              </p14:cNvPr>
-              <p14:cNvContentPartPr/>
-              <p14:nvPr/>
-            </p14:nvContentPartPr>
-            <p14:xfrm>
-              <a:off x="2775827" y="5728282"/>
-              <a:ext cx="232538" cy="232538"/>
-            </p14:xfrm>
-          </p:contentPart>
-        </mc:Choice>
-        <mc:Fallback xmlns="">
-          <p:pic>
-            <p:nvPicPr>
-              <p:cNvPr id="17" name="Ink 16">
-                <a:extLst>
-                  <a:ext uri="{FF2B5EF4-FFF2-40B4-BE49-F238E27FC236}">
-                    <a16:creationId xmlns:a16="http://schemas.microsoft.com/office/drawing/2014/main" id="{8875D2D5-ED0C-131F-9671-72351A1F2476}"/>
-                  </a:ext>
-                </a:extLst>
-              </p:cNvPr>
-              <p:cNvPicPr/>
-              <p:nvPr/>
-            </p:nvPicPr>
-            <p:blipFill>
-              <a:blip r:embed="rId26"/>
-              <a:stretch>
-                <a:fillRect/>
-              </a:stretch>
-            </p:blipFill>
-            <p:spPr>
-              <a:xfrm>
-                <a:off x="2758216" y="5710312"/>
-                <a:ext cx="268120" cy="268120"/>
-              </a:xfrm>
-              <a:prstGeom prst="rect">
-                <a:avLst/>
-              </a:prstGeom>
-            </p:spPr>
-          </p:pic>
-        </mc:Fallback>
-      </mc:AlternateContent>
-      <mc:AlternateContent xmlns:mc="http://schemas.openxmlformats.org/markup-compatibility/2006" xmlns:p14="http://schemas.microsoft.com/office/powerpoint/2010/main">
-        <mc:Choice Requires="p14">
-          <p:contentPart p14:bwMode="auto" r:id="rId27">
-            <p14:nvContentPartPr>
-              <p14:cNvPr id="18" name="Ink 17">
-                <a:extLst>
-                  <a:ext uri="{FF2B5EF4-FFF2-40B4-BE49-F238E27FC236}">
-                    <a16:creationId xmlns:a16="http://schemas.microsoft.com/office/drawing/2014/main" id="{98AABDA7-B3C9-B5E7-6E5C-3E778F19A77A}"/>
-                  </a:ext>
-                </a:extLst>
-              </p14:cNvPr>
-              <p14:cNvContentPartPr/>
-              <p14:nvPr/>
-            </p14:nvContentPartPr>
-            <p14:xfrm>
-              <a:off x="3019857" y="2119366"/>
-              <a:ext cx="179008" cy="179008"/>
-            </p14:xfrm>
-          </p:contentPart>
-        </mc:Choice>
-        <mc:Fallback xmlns="">
-          <p:pic>
-            <p:nvPicPr>
-              <p:cNvPr id="18" name="Ink 17">
-                <a:extLst>
-                  <a:ext uri="{FF2B5EF4-FFF2-40B4-BE49-F238E27FC236}">
-                    <a16:creationId xmlns:a16="http://schemas.microsoft.com/office/drawing/2014/main" id="{98AABDA7-B3C9-B5E7-6E5C-3E778F19A77A}"/>
-                  </a:ext>
-                </a:extLst>
-              </p:cNvPr>
-              <p:cNvPicPr/>
-              <p:nvPr/>
-            </p:nvPicPr>
-            <p:blipFill>
-              <a:blip r:embed="rId28"/>
-              <a:stretch>
-                <a:fillRect/>
-              </a:stretch>
-            </p:blipFill>
-            <p:spPr>
-              <a:xfrm>
-                <a:off x="3002244" y="2101753"/>
-                <a:ext cx="214594" cy="214594"/>
-              </a:xfrm>
-              <a:prstGeom prst="rect">
-                <a:avLst/>
-              </a:prstGeom>
-            </p:spPr>
-          </p:pic>
-        </mc:Fallback>
-      </mc:AlternateContent>
-      <mc:AlternateContent xmlns:mc="http://schemas.openxmlformats.org/markup-compatibility/2006" xmlns:p14="http://schemas.microsoft.com/office/powerpoint/2010/main">
-        <mc:Choice Requires="p14">
-          <p:contentPart p14:bwMode="auto" r:id="rId29">
-            <p14:nvContentPartPr>
-              <p14:cNvPr id="19" name="Ink 18">
-                <a:extLst>
-                  <a:ext uri="{FF2B5EF4-FFF2-40B4-BE49-F238E27FC236}">
-                    <a16:creationId xmlns:a16="http://schemas.microsoft.com/office/drawing/2014/main" id="{04CC3CFD-6372-8343-866D-47165E822FB5}"/>
-                  </a:ext>
-                </a:extLst>
-              </p14:cNvPr>
-              <p14:cNvContentPartPr/>
-              <p14:nvPr/>
-            </p14:nvContentPartPr>
-            <p14:xfrm>
-              <a:off x="1329415" y="2140533"/>
-              <a:ext cx="123200" cy="123200"/>
-            </p14:xfrm>
-          </p:contentPart>
-        </mc:Choice>
-        <mc:Fallback xmlns="">
-          <p:pic>
-            <p:nvPicPr>
-              <p:cNvPr id="19" name="Ink 18">
-                <a:extLst>
-                  <a:ext uri="{FF2B5EF4-FFF2-40B4-BE49-F238E27FC236}">
-                    <a16:creationId xmlns:a16="http://schemas.microsoft.com/office/drawing/2014/main" id="{04CC3CFD-6372-8343-866D-47165E822FB5}"/>
-                  </a:ext>
-                </a:extLst>
-              </p:cNvPr>
-              <p:cNvPicPr/>
-              <p:nvPr/>
-            </p:nvPicPr>
-            <p:blipFill>
-              <a:blip r:embed="rId30"/>
-              <a:stretch>
-                <a:fillRect/>
-              </a:stretch>
-            </p:blipFill>
-            <p:spPr>
-              <a:xfrm>
-                <a:off x="1311815" y="2122933"/>
-                <a:ext cx="158759" cy="158759"/>
-              </a:xfrm>
-              <a:prstGeom prst="rect">
-                <a:avLst/>
-              </a:prstGeom>
-            </p:spPr>
-          </p:pic>
-        </mc:Fallback>
-      </mc:AlternateContent>
-      <mc:AlternateContent xmlns:mc="http://schemas.openxmlformats.org/markup-compatibility/2006" xmlns:p14="http://schemas.microsoft.com/office/powerpoint/2010/main">
-        <mc:Choice Requires="p14">
-          <p:contentPart p14:bwMode="auto" r:id="rId31">
-            <p14:nvContentPartPr>
-              <p14:cNvPr id="20" name="Ink 19">
-                <a:extLst>
-                  <a:ext uri="{FF2B5EF4-FFF2-40B4-BE49-F238E27FC236}">
-                    <a16:creationId xmlns:a16="http://schemas.microsoft.com/office/drawing/2014/main" id="{E7610ABB-7593-BBF7-9915-3C882D8DCB65}"/>
-                  </a:ext>
-                </a:extLst>
-              </p14:cNvPr>
-              <p14:cNvContentPartPr/>
-              <p14:nvPr/>
-            </p14:nvContentPartPr>
-            <p14:xfrm>
-              <a:off x="760009" y="2489782"/>
-              <a:ext cx="152856" cy="152856"/>
-            </p14:xfrm>
-          </p:contentPart>
-        </mc:Choice>
-        <mc:Fallback xmlns="">
-          <p:pic>
-            <p:nvPicPr>
-              <p:cNvPr id="20" name="Ink 19">
-                <a:extLst>
-                  <a:ext uri="{FF2B5EF4-FFF2-40B4-BE49-F238E27FC236}">
-                    <a16:creationId xmlns:a16="http://schemas.microsoft.com/office/drawing/2014/main" id="{E7610ABB-7593-BBF7-9915-3C882D8DCB65}"/>
-                  </a:ext>
-                </a:extLst>
-              </p:cNvPr>
-              <p:cNvPicPr/>
-              <p:nvPr/>
-            </p:nvPicPr>
-            <p:blipFill>
-              <a:blip r:embed="rId32"/>
-              <a:stretch>
-                <a:fillRect/>
-              </a:stretch>
-            </p:blipFill>
-            <p:spPr>
-              <a:xfrm>
-                <a:off x="742068" y="2472200"/>
-                <a:ext cx="188379" cy="188379"/>
-              </a:xfrm>
-              <a:prstGeom prst="rect">
-                <a:avLst/>
-              </a:prstGeom>
-            </p:spPr>
-          </p:pic>
-        </mc:Fallback>
-      </mc:AlternateContent>
-      <mc:AlternateContent xmlns:mc="http://schemas.openxmlformats.org/markup-compatibility/2006" xmlns:p14="http://schemas.microsoft.com/office/powerpoint/2010/main">
-        <mc:Choice Requires="p14">
-          <p:contentPart p14:bwMode="auto" r:id="rId33">
-            <p14:nvContentPartPr>
-              <p14:cNvPr id="21" name="Ink 20">
-                <a:extLst>
-                  <a:ext uri="{FF2B5EF4-FFF2-40B4-BE49-F238E27FC236}">
-                    <a16:creationId xmlns:a16="http://schemas.microsoft.com/office/drawing/2014/main" id="{61C26FA2-13A3-BF39-5824-73D7A6368F66}"/>
-                  </a:ext>
-                </a:extLst>
-              </p14:cNvPr>
-              <p14:cNvContentPartPr/>
-              <p14:nvPr/>
-            </p14:nvContentPartPr>
-            <p14:xfrm>
-              <a:off x="727656" y="4087866"/>
-              <a:ext cx="206376" cy="206376"/>
-            </p14:xfrm>
-          </p:contentPart>
-        </mc:Choice>
-        <mc:Fallback xmlns="">
-          <p:pic>
-            <p:nvPicPr>
-              <p:cNvPr id="21" name="Ink 20">
-                <a:extLst>
-                  <a:ext uri="{FF2B5EF4-FFF2-40B4-BE49-F238E27FC236}">
-                    <a16:creationId xmlns:a16="http://schemas.microsoft.com/office/drawing/2014/main" id="{61C26FA2-13A3-BF39-5824-73D7A6368F66}"/>
-                  </a:ext>
-                </a:extLst>
-              </p:cNvPr>
-              <p:cNvPicPr/>
-              <p:nvPr/>
-            </p:nvPicPr>
-            <p:blipFill>
-              <a:blip r:embed="rId34"/>
-              <a:stretch>
-                <a:fillRect/>
-              </a:stretch>
-            </p:blipFill>
-            <p:spPr>
-              <a:xfrm>
-                <a:off x="709679" y="4070249"/>
-                <a:ext cx="241970" cy="241970"/>
-              </a:xfrm>
-              <a:prstGeom prst="rect">
-                <a:avLst/>
-              </a:prstGeom>
-            </p:spPr>
-          </p:pic>
-        </mc:Fallback>
-      </mc:AlternateContent>
-    </p:spTree>
-    <p:extLst>
-      <p:ext uri="{BB962C8B-B14F-4D97-AF65-F5344CB8AC3E}">
-        <p14:creationId xmlns:p14="http://schemas.microsoft.com/office/powerpoint/2010/main" val="1843617580"/>
-      </p:ext>
-    </p:extLst>
-  </p:cSld>
-  <p:clrMapOvr>
-    <a:masterClrMapping/>
-  </p:clrMapOvr>
-</p:sld>
-</file>
-
-<file path=ppt/slides/slide4.xml><?xml version="1.0" encoding="utf-8"?>
-<p:sld xmlns:a="http://schemas.openxmlformats.org/drawingml/2006/main" xmlns:r="http://schemas.openxmlformats.org/officeDocument/2006/relationships" xmlns:p="http://schemas.openxmlformats.org/presentationml/2006/main">
-  <p:cSld>
-    <p:spTree>
-      <p:nvGrpSpPr>
-        <p:cNvPr id="1" name=""/>
-        <p:cNvGrpSpPr/>
-        <p:nvPr/>
-      </p:nvGrpSpPr>
-      <p:grpSpPr>
-        <a:xfrm>
-          <a:off x="0" y="0"/>
-          <a:ext cx="0" cy="0"/>
-          <a:chOff x="0" y="0"/>
-          <a:chExt cx="0" cy="0"/>
-        </a:xfrm>
-      </p:grpSpPr>
-      <p:sp>
-        <p:nvSpPr>
-          <p:cNvPr id="2" name="Title 1">
-            <a:extLst>
-              <a:ext uri="{FF2B5EF4-FFF2-40B4-BE49-F238E27FC236}">
-                <a16:creationId xmlns:a16="http://schemas.microsoft.com/office/drawing/2014/main" id="{DFFAC0F8-48B2-AD20-BEE9-D40DD33A627C}"/>
-              </a:ext>
-            </a:extLst>
-          </p:cNvPr>
-          <p:cNvSpPr>
-            <a:spLocks noGrp="1"/>
-          </p:cNvSpPr>
-          <p:nvPr>
-            <p:ph type="title"/>
-          </p:nvPr>
-        </p:nvSpPr>
-        <p:spPr/>
-        <p:txBody>
-          <a:bodyPr/>
-          <a:lstStyle/>
-          <a:p>
-            <a:endParaRPr lang="en-US"/>
-          </a:p>
-        </p:txBody>
-      </p:sp>
-      <p:pic>
-        <p:nvPicPr>
-          <p:cNvPr id="8" name="Content Placeholder 7" descr="A green and blue map with yellow lines&#10;&#10;AI-generated content may be incorrect.">
-            <a:extLst>
-              <a:ext uri="{FF2B5EF4-FFF2-40B4-BE49-F238E27FC236}">
-                <a16:creationId xmlns:a16="http://schemas.microsoft.com/office/drawing/2014/main" id="{27B567D2-52E2-A2E8-3C1D-15FE9F92E1E5}"/>
-              </a:ext>
-            </a:extLst>
-          </p:cNvPr>
-          <p:cNvPicPr>
-            <a:picLocks noGrp="1" noChangeAspect="1"/>
-          </p:cNvPicPr>
-          <p:nvPr>
-            <p:ph idx="1"/>
-          </p:nvPr>
-        </p:nvPicPr>
-        <p:blipFill>
-          <a:blip r:embed="rId2"/>
-          <a:stretch>
-            <a:fillRect/>
-          </a:stretch>
-        </p:blipFill>
-        <p:spPr>
-          <a:xfrm>
-            <a:off x="465882" y="2044611"/>
-            <a:ext cx="4946674" cy="4008438"/>
-          </a:xfrm>
-        </p:spPr>
-      </p:pic>
-      <mc:AlternateContent xmlns:mc="http://schemas.openxmlformats.org/markup-compatibility/2006">
-        <mc:Choice xmlns:p14="http://schemas.microsoft.com/office/powerpoint/2010/main" Requires="p14">
-          <p:contentPart p14:bwMode="auto" r:id="rId3">
-            <p14:nvContentPartPr>
-              <p14:cNvPr id="4" name="Ink 3">
-                <a:extLst>
-                  <a:ext uri="{FF2B5EF4-FFF2-40B4-BE49-F238E27FC236}">
-                    <a16:creationId xmlns:a16="http://schemas.microsoft.com/office/drawing/2014/main" id="{CB1CEA7B-DC83-FF95-D4F7-9F251D81AF82}"/>
-                  </a:ext>
-                </a:extLst>
-              </p14:cNvPr>
-              <p14:cNvContentPartPr/>
-              <p14:nvPr/>
-            </p14:nvContentPartPr>
-            <p14:xfrm>
-              <a:off x="7821083" y="4265083"/>
-              <a:ext cx="10583" cy="10583"/>
-            </p14:xfrm>
-          </p:contentPart>
-        </mc:Choice>
-        <mc:Fallback>
-          <p:pic>
-            <p:nvPicPr>
-              <p:cNvPr id="4" name="Ink 3">
-                <a:extLst>
-                  <a:ext uri="{FF2B5EF4-FFF2-40B4-BE49-F238E27FC236}">
-                    <a16:creationId xmlns:a16="http://schemas.microsoft.com/office/drawing/2014/main" id="{CB1CEA7B-DC83-FF95-D4F7-9F251D81AF82}"/>
-                  </a:ext>
-                </a:extLst>
-              </p:cNvPr>
-              <p:cNvPicPr/>
-              <p:nvPr/>
-            </p:nvPicPr>
-            <p:blipFill>
-              <a:blip r:embed="rId4"/>
-              <a:stretch>
-                <a:fillRect/>
-              </a:stretch>
-            </p:blipFill>
-            <p:spPr>
-              <a:xfrm>
-                <a:off x="7302516" y="3746516"/>
-                <a:ext cx="1058300" cy="1058300"/>
-              </a:xfrm>
-              <a:prstGeom prst="rect">
-                <a:avLst/>
-              </a:prstGeom>
-            </p:spPr>
-          </p:pic>
-        </mc:Fallback>
-      </mc:AlternateContent>
-    </p:spTree>
-    <p:extLst>
-      <p:ext uri="{BB962C8B-B14F-4D97-AF65-F5344CB8AC3E}">
-        <p14:creationId xmlns:p14="http://schemas.microsoft.com/office/powerpoint/2010/main" val="3738055581"/>
-      </p:ext>
-    </p:extLst>
-  </p:cSld>
-  <p:clrMapOvr>
-    <a:masterClrMapping/>
-  </p:clrMapOvr>
-</p:sld>
-</file>
-
-<file path=ppt/slides/slide5.xml><?xml version="1.0" encoding="utf-8"?>
-<p:sld xmlns:a="http://schemas.openxmlformats.org/drawingml/2006/main" xmlns:r="http://schemas.openxmlformats.org/officeDocument/2006/relationships" xmlns:p="http://schemas.openxmlformats.org/presentationml/2006/main">
-  <p:cSld>
-    <p:spTree>
-      <p:nvGrpSpPr>
-        <p:cNvPr id="1" name="">
-          <a:extLst>
-            <a:ext uri="{FF2B5EF4-FFF2-40B4-BE49-F238E27FC236}">
-              <a16:creationId xmlns:a16="http://schemas.microsoft.com/office/drawing/2014/main" id="{5401F687-887B-1298-BD84-47EDD4625181}"/>
-            </a:ext>
-          </a:extLst>
-        </p:cNvPr>
-        <p:cNvGrpSpPr/>
-        <p:nvPr/>
-      </p:nvGrpSpPr>
-      <p:grpSpPr>
-        <a:xfrm>
-          <a:off x="0" y="0"/>
-          <a:ext cx="0" cy="0"/>
-          <a:chOff x="0" y="0"/>
-          <a:chExt cx="0" cy="0"/>
-        </a:xfrm>
-      </p:grpSpPr>
-      <p:pic>
-        <p:nvPicPr>
-          <p:cNvPr id="3" name="Picture 2" descr="A map of a country&#10;&#10;AI-generated content may be incorrect.">
-            <a:extLst>
-              <a:ext uri="{FF2B5EF4-FFF2-40B4-BE49-F238E27FC236}">
-                <a16:creationId xmlns:a16="http://schemas.microsoft.com/office/drawing/2014/main" id="{6E0D3BDE-65B1-7BED-ABF9-153D66816D57}"/>
-              </a:ext>
-            </a:extLst>
-          </p:cNvPr>
-          <p:cNvPicPr>
-            <a:picLocks noChangeAspect="1"/>
-          </p:cNvPicPr>
-          <p:nvPr/>
-        </p:nvPicPr>
-        <p:blipFill>
-          <a:blip r:embed="rId2"/>
-          <a:stretch>
-            <a:fillRect/>
-          </a:stretch>
-        </p:blipFill>
-        <p:spPr>
-          <a:xfrm>
-            <a:off x="461925" y="2048955"/>
-            <a:ext cx="4942871" cy="4002743"/>
-          </a:xfrm>
-          <a:prstGeom prst="rect">
-            <a:avLst/>
-          </a:prstGeom>
-        </p:spPr>
-      </p:pic>
-      <p:sp>
-        <p:nvSpPr>
-          <p:cNvPr id="2" name="Title 1">
-            <a:extLst>
-              <a:ext uri="{FF2B5EF4-FFF2-40B4-BE49-F238E27FC236}">
-                <a16:creationId xmlns:a16="http://schemas.microsoft.com/office/drawing/2014/main" id="{367AF0AE-B346-4C9A-FB87-843DE48B88CA}"/>
-              </a:ext>
-            </a:extLst>
-          </p:cNvPr>
-          <p:cNvSpPr>
-            <a:spLocks noGrp="1"/>
-          </p:cNvSpPr>
-          <p:nvPr>
-            <p:ph type="title"/>
-          </p:nvPr>
-        </p:nvSpPr>
-        <p:spPr/>
-        <p:txBody>
-          <a:bodyPr/>
-          <a:lstStyle/>
-          <a:p>
-            <a:endParaRPr lang="en-US"/>
-          </a:p>
-        </p:txBody>
-      </p:sp>
-      <mc:AlternateContent xmlns:mc="http://schemas.openxmlformats.org/markup-compatibility/2006">
-        <mc:Choice xmlns:p14="http://schemas.microsoft.com/office/powerpoint/2010/main" Requires="p14">
-          <p:contentPart p14:bwMode="auto" r:id="rId3">
-            <p14:nvContentPartPr>
-              <p14:cNvPr id="4" name="Ink 3">
-                <a:extLst>
-                  <a:ext uri="{FF2B5EF4-FFF2-40B4-BE49-F238E27FC236}">
-                    <a16:creationId xmlns:a16="http://schemas.microsoft.com/office/drawing/2014/main" id="{112F8B92-E429-E9A7-B09B-C4A72288FCF7}"/>
-                  </a:ext>
-                </a:extLst>
-              </p14:cNvPr>
-              <p14:cNvContentPartPr/>
-              <p14:nvPr/>
-            </p14:nvContentPartPr>
-            <p14:xfrm>
-              <a:off x="7821083" y="4265083"/>
-              <a:ext cx="10583" cy="10583"/>
-            </p14:xfrm>
-          </p:contentPart>
-        </mc:Choice>
-        <mc:Fallback>
-          <p:pic>
-            <p:nvPicPr>
-              <p:cNvPr id="4" name="Ink 3">
-                <a:extLst>
-                  <a:ext uri="{FF2B5EF4-FFF2-40B4-BE49-F238E27FC236}">
-                    <a16:creationId xmlns:a16="http://schemas.microsoft.com/office/drawing/2014/main" id="{112F8B92-E429-E9A7-B09B-C4A72288FCF7}"/>
-                  </a:ext>
-                </a:extLst>
-              </p:cNvPr>
-              <p:cNvPicPr/>
-              <p:nvPr/>
-            </p:nvPicPr>
-            <p:blipFill>
-              <a:blip r:embed="rId4"/>
-              <a:stretch>
-                <a:fillRect/>
-              </a:stretch>
-            </p:blipFill>
-            <p:spPr>
-              <a:xfrm>
-                <a:off x="7291933" y="3735933"/>
-                <a:ext cx="1058300" cy="1058300"/>
-              </a:xfrm>
-              <a:prstGeom prst="rect">
-                <a:avLst/>
-              </a:prstGeom>
-            </p:spPr>
-          </p:pic>
-        </mc:Fallback>
-      </mc:AlternateContent>
-      <p:sp>
-        <p:nvSpPr>
-          <p:cNvPr id="6" name="Content Placeholder 5">
-            <a:extLst>
-              <a:ext uri="{FF2B5EF4-FFF2-40B4-BE49-F238E27FC236}">
-                <a16:creationId xmlns:a16="http://schemas.microsoft.com/office/drawing/2014/main" id="{F58C2A3F-9B2D-5215-4DC7-940DEA6881EB}"/>
-              </a:ext>
-            </a:extLst>
-          </p:cNvPr>
-          <p:cNvSpPr>
-            <a:spLocks noGrp="1"/>
-          </p:cNvSpPr>
-          <p:nvPr>
-            <p:ph idx="1"/>
-          </p:nvPr>
-        </p:nvSpPr>
-        <p:spPr/>
-        <p:txBody>
-          <a:bodyPr/>
-          <a:lstStyle/>
-          <a:p>
-            <a:endParaRPr lang="en-US"/>
-          </a:p>
-        </p:txBody>
-      </p:sp>
-    </p:spTree>
-    <p:extLst>
-      <p:ext uri="{BB962C8B-B14F-4D97-AF65-F5344CB8AC3E}">
-        <p14:creationId xmlns:p14="http://schemas.microsoft.com/office/powerpoint/2010/main" val="1828266319"/>
-      </p:ext>
-    </p:extLst>
-  </p:cSld>
-  <p:clrMapOvr>
-    <a:masterClrMapping/>
-  </p:clrMapOvr>
-</p:sld>
-</file>
-
-<file path=ppt/slides/slide6.xml><?xml version="1.0" encoding="utf-8"?>
-<p:sld xmlns:a="http://schemas.openxmlformats.org/drawingml/2006/main" xmlns:r="http://schemas.openxmlformats.org/officeDocument/2006/relationships" xmlns:p="http://schemas.openxmlformats.org/presentationml/2006/main">
-  <p:cSld>
-    <p:spTree>
-      <p:nvGrpSpPr>
-        <p:cNvPr id="1" name="">
-          <a:extLst>
-            <a:ext uri="{FF2B5EF4-FFF2-40B4-BE49-F238E27FC236}">
-              <a16:creationId xmlns:a16="http://schemas.microsoft.com/office/drawing/2014/main" id="{48A9F0ED-38E7-95CF-3608-2BDC1F95CDBE}"/>
-            </a:ext>
-          </a:extLst>
-        </p:cNvPr>
-        <p:cNvGrpSpPr/>
-        <p:nvPr/>
-      </p:nvGrpSpPr>
-      <p:grpSpPr>
-        <a:xfrm>
-          <a:off x="0" y="0"/>
-          <a:ext cx="0" cy="0"/>
-          <a:chOff x="0" y="0"/>
-          <a:chExt cx="0" cy="0"/>
-        </a:xfrm>
-      </p:grpSpPr>
-      <p:pic>
-        <p:nvPicPr>
-          <p:cNvPr id="5" name="Content Placeholder 4" descr="A map of a country&#10;&#10;AI-generated content may be incorrect.">
-            <a:extLst>
-              <a:ext uri="{FF2B5EF4-FFF2-40B4-BE49-F238E27FC236}">
-                <a16:creationId xmlns:a16="http://schemas.microsoft.com/office/drawing/2014/main" id="{93D94E48-FF2A-9BED-10D4-5E99066C3F10}"/>
-              </a:ext>
-            </a:extLst>
-          </p:cNvPr>
-          <p:cNvPicPr>
-            <a:picLocks noGrp="1" noChangeAspect="1"/>
-          </p:cNvPicPr>
-          <p:nvPr>
-            <p:ph idx="1"/>
-          </p:nvPr>
-        </p:nvPicPr>
-        <p:blipFill>
-          <a:blip r:embed="rId2"/>
-          <a:stretch>
-            <a:fillRect/>
-          </a:stretch>
-        </p:blipFill>
-        <p:spPr>
-          <a:xfrm>
-            <a:off x="461338" y="2047137"/>
-            <a:ext cx="4942954" cy="4005781"/>
-          </a:xfrm>
-        </p:spPr>
-      </p:pic>
-      <p:sp>
-        <p:nvSpPr>
-          <p:cNvPr id="2" name="Title 1">
-            <a:extLst>
-              <a:ext uri="{FF2B5EF4-FFF2-40B4-BE49-F238E27FC236}">
-                <a16:creationId xmlns:a16="http://schemas.microsoft.com/office/drawing/2014/main" id="{1C3DBE3C-FE2F-4763-7028-8AE6A1F4181D}"/>
-              </a:ext>
-            </a:extLst>
-          </p:cNvPr>
-          <p:cNvSpPr>
-            <a:spLocks noGrp="1"/>
-          </p:cNvSpPr>
-          <p:nvPr>
-            <p:ph type="title"/>
-          </p:nvPr>
-        </p:nvSpPr>
-        <p:spPr/>
-        <p:txBody>
-          <a:bodyPr/>
-          <a:lstStyle/>
-          <a:p>
-            <a:endParaRPr lang="en-US"/>
-          </a:p>
-        </p:txBody>
-      </p:sp>
-      <mc:AlternateContent xmlns:mc="http://schemas.openxmlformats.org/markup-compatibility/2006">
-        <mc:Choice xmlns:p14="http://schemas.microsoft.com/office/powerpoint/2010/main" Requires="p14">
-          <p:contentPart p14:bwMode="auto" r:id="rId3">
-            <p14:nvContentPartPr>
-              <p14:cNvPr id="4" name="Ink 3">
-                <a:extLst>
-                  <a:ext uri="{FF2B5EF4-FFF2-40B4-BE49-F238E27FC236}">
-                    <a16:creationId xmlns:a16="http://schemas.microsoft.com/office/drawing/2014/main" id="{87EB86C7-1A52-297A-F392-93E7EC8AE944}"/>
-                  </a:ext>
-                </a:extLst>
-              </p14:cNvPr>
-              <p14:cNvContentPartPr/>
-              <p14:nvPr/>
-            </p14:nvContentPartPr>
-            <p14:xfrm>
-              <a:off x="7821083" y="4265083"/>
-              <a:ext cx="10583" cy="10583"/>
-            </p14:xfrm>
-          </p:contentPart>
-        </mc:Choice>
-        <mc:Fallback>
-          <p:pic>
-            <p:nvPicPr>
-              <p:cNvPr id="4" name="Ink 3">
-                <a:extLst>
-                  <a:ext uri="{FF2B5EF4-FFF2-40B4-BE49-F238E27FC236}">
-                    <a16:creationId xmlns:a16="http://schemas.microsoft.com/office/drawing/2014/main" id="{87EB86C7-1A52-297A-F392-93E7EC8AE944}"/>
-                  </a:ext>
-                </a:extLst>
-              </p:cNvPr>
-              <p:cNvPicPr/>
-              <p:nvPr/>
-            </p:nvPicPr>
-            <p:blipFill>
-              <a:blip r:embed="rId4"/>
-              <a:stretch>
-                <a:fillRect/>
-              </a:stretch>
-            </p:blipFill>
-            <p:spPr>
-              <a:xfrm>
-                <a:off x="7291933" y="3735933"/>
-                <a:ext cx="1058300" cy="1058300"/>
-              </a:xfrm>
-              <a:prstGeom prst="rect">
-                <a:avLst/>
-              </a:prstGeom>
-            </p:spPr>
-          </p:pic>
-        </mc:Fallback>
-      </mc:AlternateContent>
-    </p:spTree>
-    <p:extLst>
-      <p:ext uri="{BB962C8B-B14F-4D97-AF65-F5344CB8AC3E}">
-        <p14:creationId xmlns:p14="http://schemas.microsoft.com/office/powerpoint/2010/main" val="3474479013"/>
-      </p:ext>
-    </p:extLst>
-  </p:cSld>
-  <p:clrMapOvr>
-    <a:masterClrMapping/>
-  </p:clrMapOvr>
-</p:sld>
-</file>
-
-<file path=ppt/slides/slide7.xml><?xml version="1.0" encoding="utf-8"?>
+<file path=ppt/slides/slide10.xml><?xml version="1.0" encoding="utf-8"?>
 <p:sld xmlns:a="http://schemas.openxmlformats.org/drawingml/2006/main" xmlns:r="http://schemas.openxmlformats.org/officeDocument/2006/relationships" xmlns:p="http://schemas.openxmlformats.org/presentationml/2006/main">
   <p:cSld>
     <p:spTree>
@@ -5192,12 +3701,24 @@
           <a:bodyPr/>
           <a:lstStyle/>
           <a:p>
-            <a:endParaRPr lang="en-US"/>
-          </a:p>
-        </p:txBody>
-      </p:sp>
-      <mc:AlternateContent xmlns:mc="http://schemas.openxmlformats.org/markup-compatibility/2006">
-        <mc:Choice xmlns:p14="http://schemas.microsoft.com/office/powerpoint/2010/main" Requires="p14">
+            <a:r>
+              <a:rPr lang="en-US" dirty="0" err="1"/>
+              <a:t>Esboçando</a:t>
+            </a:r>
+            <a:r>
+              <a:rPr lang="en-US" dirty="0"/>
+              <a:t> curvas de </a:t>
+            </a:r>
+            <a:r>
+              <a:rPr lang="en-US" dirty="0" err="1"/>
+              <a:t>nível</a:t>
+            </a:r>
+            <a:endParaRPr lang="en-US" dirty="0"/>
+          </a:p>
+        </p:txBody>
+      </p:sp>
+      <mc:AlternateContent xmlns:mc="http://schemas.openxmlformats.org/markup-compatibility/2006" xmlns:p14="http://schemas.microsoft.com/office/powerpoint/2010/main">
+        <mc:Choice Requires="p14">
           <p:contentPart p14:bwMode="auto" r:id="rId3">
             <p14:nvContentPartPr>
               <p14:cNvPr id="4" name="Ink 3">
@@ -5216,7 +3737,7 @@
             </p14:xfrm>
           </p:contentPart>
         </mc:Choice>
-        <mc:Fallback>
+        <mc:Fallback xmlns="">
           <p:pic>
             <p:nvPicPr>
               <p:cNvPr id="4" name="Ink 3">
@@ -5249,26 +3770,240 @@
       </mc:AlternateContent>
       <p:sp>
         <p:nvSpPr>
-          <p:cNvPr id="7" name="Content Placeholder 6">
+          <p:cNvPr id="5" name="Espaço Reservado para Conteúdo 5">
             <a:extLst>
               <a:ext uri="{FF2B5EF4-FFF2-40B4-BE49-F238E27FC236}">
-                <a16:creationId xmlns:a16="http://schemas.microsoft.com/office/drawing/2014/main" id="{F8859D65-5FE7-1765-E95A-83224CF0BE5F}"/>
+                <a16:creationId xmlns:a16="http://schemas.microsoft.com/office/drawing/2014/main" id="{7366BAEB-CDC9-40B0-D348-035977853CCA}"/>
               </a:ext>
             </a:extLst>
           </p:cNvPr>
-          <p:cNvSpPr>
-            <a:spLocks noGrp="1"/>
-          </p:cNvSpPr>
-          <p:nvPr>
-            <p:ph idx="1"/>
-          </p:nvPr>
-        </p:nvSpPr>
-        <p:spPr/>
-        <p:txBody>
-          <a:bodyPr/>
-          <a:lstStyle/>
-          <a:p>
-            <a:endParaRPr lang="en-US"/>
+          <p:cNvSpPr txBox="1">
+            <a:spLocks/>
+          </p:cNvSpPr>
+          <p:nvPr/>
+        </p:nvSpPr>
+        <p:spPr>
+          <a:xfrm>
+            <a:off x="5016500" y="1825625"/>
+            <a:ext cx="6337300" cy="4351338"/>
+          </a:xfrm>
+          <a:prstGeom prst="rect">
+            <a:avLst/>
+          </a:prstGeom>
+        </p:spPr>
+        <p:txBody>
+          <a:bodyPr vert="horz" lIns="91440" tIns="45720" rIns="91440" bIns="45720" rtlCol="0">
+            <a:normAutofit/>
+          </a:bodyPr>
+          <a:lstStyle>
+            <a:lvl1pPr marL="228600" indent="-228600" algn="l" defTabSz="914400" rtl="0" eaLnBrk="1" latinLnBrk="0" hangingPunct="1">
+              <a:lnSpc>
+                <a:spcPct val="90000"/>
+              </a:lnSpc>
+              <a:spcBef>
+                <a:spcPts val="1000"/>
+              </a:spcBef>
+              <a:buFont typeface="Arial" panose="020B0604020202020204" pitchFamily="34" charset="0"/>
+              <a:buChar char="•"/>
+              <a:defRPr sz="2800" kern="1200">
+                <a:solidFill>
+                  <a:schemeClr val="tx1"/>
+                </a:solidFill>
+                <a:latin typeface="+mn-lt"/>
+                <a:ea typeface="+mn-ea"/>
+                <a:cs typeface="+mn-cs"/>
+              </a:defRPr>
+            </a:lvl1pPr>
+            <a:lvl2pPr marL="685800" indent="-228600" algn="l" defTabSz="914400" rtl="0" eaLnBrk="1" latinLnBrk="0" hangingPunct="1">
+              <a:lnSpc>
+                <a:spcPct val="90000"/>
+              </a:lnSpc>
+              <a:spcBef>
+                <a:spcPts val="500"/>
+              </a:spcBef>
+              <a:buFont typeface="Arial" panose="020B0604020202020204" pitchFamily="34" charset="0"/>
+              <a:buChar char="•"/>
+              <a:defRPr sz="2400" kern="1200">
+                <a:solidFill>
+                  <a:schemeClr val="tx1"/>
+                </a:solidFill>
+                <a:latin typeface="+mn-lt"/>
+                <a:ea typeface="+mn-ea"/>
+                <a:cs typeface="+mn-cs"/>
+              </a:defRPr>
+            </a:lvl2pPr>
+            <a:lvl3pPr marL="1143000" indent="-228600" algn="l" defTabSz="914400" rtl="0" eaLnBrk="1" latinLnBrk="0" hangingPunct="1">
+              <a:lnSpc>
+                <a:spcPct val="90000"/>
+              </a:lnSpc>
+              <a:spcBef>
+                <a:spcPts val="500"/>
+              </a:spcBef>
+              <a:buFont typeface="Arial" panose="020B0604020202020204" pitchFamily="34" charset="0"/>
+              <a:buChar char="•"/>
+              <a:defRPr sz="2000" kern="1200">
+                <a:solidFill>
+                  <a:schemeClr val="tx1"/>
+                </a:solidFill>
+                <a:latin typeface="+mn-lt"/>
+                <a:ea typeface="+mn-ea"/>
+                <a:cs typeface="+mn-cs"/>
+              </a:defRPr>
+            </a:lvl3pPr>
+            <a:lvl4pPr marL="1600200" indent="-228600" algn="l" defTabSz="914400" rtl="0" eaLnBrk="1" latinLnBrk="0" hangingPunct="1">
+              <a:lnSpc>
+                <a:spcPct val="90000"/>
+              </a:lnSpc>
+              <a:spcBef>
+                <a:spcPts val="500"/>
+              </a:spcBef>
+              <a:buFont typeface="Arial" panose="020B0604020202020204" pitchFamily="34" charset="0"/>
+              <a:buChar char="•"/>
+              <a:defRPr sz="1800" kern="1200">
+                <a:solidFill>
+                  <a:schemeClr val="tx1"/>
+                </a:solidFill>
+                <a:latin typeface="+mn-lt"/>
+                <a:ea typeface="+mn-ea"/>
+                <a:cs typeface="+mn-cs"/>
+              </a:defRPr>
+            </a:lvl4pPr>
+            <a:lvl5pPr marL="2057400" indent="-228600" algn="l" defTabSz="914400" rtl="0" eaLnBrk="1" latinLnBrk="0" hangingPunct="1">
+              <a:lnSpc>
+                <a:spcPct val="90000"/>
+              </a:lnSpc>
+              <a:spcBef>
+                <a:spcPts val="500"/>
+              </a:spcBef>
+              <a:buFont typeface="Arial" panose="020B0604020202020204" pitchFamily="34" charset="0"/>
+              <a:buChar char="•"/>
+              <a:defRPr sz="1800" kern="1200">
+                <a:solidFill>
+                  <a:schemeClr val="tx1"/>
+                </a:solidFill>
+                <a:latin typeface="+mn-lt"/>
+                <a:ea typeface="+mn-ea"/>
+                <a:cs typeface="+mn-cs"/>
+              </a:defRPr>
+            </a:lvl5pPr>
+            <a:lvl6pPr marL="2514600" indent="-228600" algn="l" defTabSz="914400" rtl="0" eaLnBrk="1" latinLnBrk="0" hangingPunct="1">
+              <a:lnSpc>
+                <a:spcPct val="90000"/>
+              </a:lnSpc>
+              <a:spcBef>
+                <a:spcPts val="500"/>
+              </a:spcBef>
+              <a:buFont typeface="Arial" panose="020B0604020202020204" pitchFamily="34" charset="0"/>
+              <a:buChar char="•"/>
+              <a:defRPr sz="1800" kern="1200">
+                <a:solidFill>
+                  <a:schemeClr val="tx1"/>
+                </a:solidFill>
+                <a:latin typeface="+mn-lt"/>
+                <a:ea typeface="+mn-ea"/>
+                <a:cs typeface="+mn-cs"/>
+              </a:defRPr>
+            </a:lvl6pPr>
+            <a:lvl7pPr marL="2971800" indent="-228600" algn="l" defTabSz="914400" rtl="0" eaLnBrk="1" latinLnBrk="0" hangingPunct="1">
+              <a:lnSpc>
+                <a:spcPct val="90000"/>
+              </a:lnSpc>
+              <a:spcBef>
+                <a:spcPts val="500"/>
+              </a:spcBef>
+              <a:buFont typeface="Arial" panose="020B0604020202020204" pitchFamily="34" charset="0"/>
+              <a:buChar char="•"/>
+              <a:defRPr sz="1800" kern="1200">
+                <a:solidFill>
+                  <a:schemeClr val="tx1"/>
+                </a:solidFill>
+                <a:latin typeface="+mn-lt"/>
+                <a:ea typeface="+mn-ea"/>
+                <a:cs typeface="+mn-cs"/>
+              </a:defRPr>
+            </a:lvl7pPr>
+            <a:lvl8pPr marL="3429000" indent="-228600" algn="l" defTabSz="914400" rtl="0" eaLnBrk="1" latinLnBrk="0" hangingPunct="1">
+              <a:lnSpc>
+                <a:spcPct val="90000"/>
+              </a:lnSpc>
+              <a:spcBef>
+                <a:spcPts val="500"/>
+              </a:spcBef>
+              <a:buFont typeface="Arial" panose="020B0604020202020204" pitchFamily="34" charset="0"/>
+              <a:buChar char="•"/>
+              <a:defRPr sz="1800" kern="1200">
+                <a:solidFill>
+                  <a:schemeClr val="tx1"/>
+                </a:solidFill>
+                <a:latin typeface="+mn-lt"/>
+                <a:ea typeface="+mn-ea"/>
+                <a:cs typeface="+mn-cs"/>
+              </a:defRPr>
+            </a:lvl8pPr>
+            <a:lvl9pPr marL="3886200" indent="-228600" algn="l" defTabSz="914400" rtl="0" eaLnBrk="1" latinLnBrk="0" hangingPunct="1">
+              <a:lnSpc>
+                <a:spcPct val="90000"/>
+              </a:lnSpc>
+              <a:spcBef>
+                <a:spcPts val="500"/>
+              </a:spcBef>
+              <a:buFont typeface="Arial" panose="020B0604020202020204" pitchFamily="34" charset="0"/>
+              <a:buChar char="•"/>
+              <a:defRPr sz="1800" kern="1200">
+                <a:solidFill>
+                  <a:schemeClr val="tx1"/>
+                </a:solidFill>
+                <a:latin typeface="+mn-lt"/>
+                <a:ea typeface="+mn-ea"/>
+                <a:cs typeface="+mn-cs"/>
+              </a:defRPr>
+            </a:lvl9pPr>
+          </a:lstStyle>
+          <a:p>
+            <a:pPr marL="0" indent="0" algn="just">
+              <a:buFont typeface="Arial" panose="020B0604020202020204" pitchFamily="34" charset="0"/>
+              <a:buNone/>
+            </a:pPr>
+            <a:r>
+              <a:rPr lang="pt-BR" dirty="0"/>
+              <a:t>8) Ligar os pontos de desnível de cada rio em vários polígonos, seguindo a ordem </a:t>
+            </a:r>
+            <a:r>
+              <a:rPr lang="pt-BR"/>
+              <a:t>de hierarquia.</a:t>
+            </a:r>
+            <a:endParaRPr lang="pt-BR" dirty="0"/>
+          </a:p>
+          <a:p>
+            <a:pPr marL="0" indent="0" algn="just">
+              <a:buFont typeface="Arial" panose="020B0604020202020204" pitchFamily="34" charset="0"/>
+              <a:buNone/>
+            </a:pPr>
+            <a:endParaRPr lang="pt-BR" dirty="0">
+              <a:solidFill>
+                <a:schemeClr val="accent4">
+                  <a:lumMod val="60000"/>
+                  <a:lumOff val="40000"/>
+                </a:schemeClr>
+              </a:solidFill>
+            </a:endParaRPr>
+          </a:p>
+          <a:p>
+            <a:pPr marL="0" indent="0" algn="just">
+              <a:buFont typeface="Arial" panose="020B0604020202020204" pitchFamily="34" charset="0"/>
+              <a:buNone/>
+            </a:pPr>
+            <a:r>
+              <a:rPr lang="pt-BR" dirty="0">
+                <a:solidFill>
+                  <a:schemeClr val="accent4">
+                    <a:lumMod val="60000"/>
+                    <a:lumOff val="40000"/>
+                  </a:schemeClr>
+                </a:solidFill>
+              </a:rPr>
+              <a:t>(Utilizar as marcações em vermelho para decidir a ordem?)</a:t>
+            </a:r>
           </a:p>
         </p:txBody>
       </p:sp>
@@ -5285,7 +4020,7 @@
 </p:sld>
 </file>
 
-<file path=ppt/slides/slide8.xml><?xml version="1.0" encoding="utf-8"?>
+<file path=ppt/slides/slide11.xml><?xml version="1.0" encoding="utf-8"?>
 <p:sld xmlns:a="http://schemas.openxmlformats.org/drawingml/2006/main" xmlns:r="http://schemas.openxmlformats.org/officeDocument/2006/relationships" xmlns:p="http://schemas.openxmlformats.org/presentationml/2006/main">
   <p:cSld>
     <p:spTree>
@@ -5333,8 +4068,8 @@
           </a:p>
         </p:txBody>
       </p:sp>
-      <mc:AlternateContent xmlns:mc="http://schemas.openxmlformats.org/markup-compatibility/2006">
-        <mc:Choice xmlns:p14="http://schemas.microsoft.com/office/powerpoint/2010/main" Requires="p14">
+      <mc:AlternateContent xmlns:mc="http://schemas.openxmlformats.org/markup-compatibility/2006" xmlns:p14="http://schemas.microsoft.com/office/powerpoint/2010/main">
+        <mc:Choice Requires="p14">
           <p:contentPart p14:bwMode="auto" r:id="rId2">
             <p14:nvContentPartPr>
               <p14:cNvPr id="4" name="Ink 3">
@@ -5353,7 +4088,7 @@
             </p14:xfrm>
           </p:contentPart>
         </mc:Choice>
-        <mc:Fallback>
+        <mc:Fallback xmlns="">
           <p:pic>
             <p:nvPicPr>
               <p:cNvPr id="4" name="Ink 3">
@@ -5507,6 +4242,2573 @@
     <p:extLst>
       <p:ext uri="{BB962C8B-B14F-4D97-AF65-F5344CB8AC3E}">
         <p14:creationId xmlns:p14="http://schemas.microsoft.com/office/powerpoint/2010/main" val="1158822526"/>
+      </p:ext>
+    </p:extLst>
+  </p:cSld>
+  <p:clrMapOvr>
+    <a:masterClrMapping/>
+  </p:clrMapOvr>
+</p:sld>
+</file>
+
+<file path=ppt/slides/slide2.xml><?xml version="1.0" encoding="utf-8"?>
+<p:sld xmlns:a="http://schemas.openxmlformats.org/drawingml/2006/main" xmlns:r="http://schemas.openxmlformats.org/officeDocument/2006/relationships" xmlns:p="http://schemas.openxmlformats.org/presentationml/2006/main">
+  <p:cSld>
+    <p:spTree>
+      <p:nvGrpSpPr>
+        <p:cNvPr id="1" name=""/>
+        <p:cNvGrpSpPr/>
+        <p:nvPr/>
+      </p:nvGrpSpPr>
+      <p:grpSpPr>
+        <a:xfrm>
+          <a:off x="0" y="0"/>
+          <a:ext cx="0" cy="0"/>
+          <a:chOff x="0" y="0"/>
+          <a:chExt cx="0" cy="0"/>
+        </a:xfrm>
+      </p:grpSpPr>
+      <p:sp>
+        <p:nvSpPr>
+          <p:cNvPr id="2" name="Título 1">
+            <a:extLst>
+              <a:ext uri="{FF2B5EF4-FFF2-40B4-BE49-F238E27FC236}">
+                <a16:creationId xmlns:a16="http://schemas.microsoft.com/office/drawing/2014/main" id="{CA2B7123-6BD8-FA7F-0B4B-F49059B4D72A}"/>
+              </a:ext>
+            </a:extLst>
+          </p:cNvPr>
+          <p:cNvSpPr>
+            <a:spLocks noGrp="1"/>
+          </p:cNvSpPr>
+          <p:nvPr>
+            <p:ph type="title"/>
+          </p:nvPr>
+        </p:nvSpPr>
+        <p:spPr/>
+        <p:txBody>
+          <a:bodyPr/>
+          <a:lstStyle/>
+          <a:p>
+            <a:endParaRPr lang="pt-BR"/>
+          </a:p>
+        </p:txBody>
+      </p:sp>
+      <p:sp>
+        <p:nvSpPr>
+          <p:cNvPr id="3" name="Espaço Reservado para Conteúdo 2">
+            <a:extLst>
+              <a:ext uri="{FF2B5EF4-FFF2-40B4-BE49-F238E27FC236}">
+                <a16:creationId xmlns:a16="http://schemas.microsoft.com/office/drawing/2014/main" id="{40FF89C9-55E6-E5DD-0FB9-A5E3619D1128}"/>
+              </a:ext>
+            </a:extLst>
+          </p:cNvPr>
+          <p:cNvSpPr>
+            <a:spLocks noGrp="1"/>
+          </p:cNvSpPr>
+          <p:nvPr>
+            <p:ph idx="1"/>
+          </p:nvPr>
+        </p:nvSpPr>
+        <p:spPr/>
+        <p:txBody>
+          <a:bodyPr>
+            <a:normAutofit fontScale="92500"/>
+          </a:bodyPr>
+          <a:lstStyle/>
+          <a:p>
+            <a:pPr marL="514350" indent="-514350">
+              <a:buFont typeface="+mj-lt"/>
+              <a:buAutoNum type="arabicPeriod"/>
+            </a:pPr>
+            <a:r>
+              <a:rPr lang="pt-BR" dirty="0"/>
+              <a:t>Ler imagem de entrada onde em verde está representada a massa de terra, em azul massas de água e linhas em preto o nível do mar (altitude 0)</a:t>
+            </a:r>
+          </a:p>
+          <a:p>
+            <a:pPr marL="514350" indent="-514350">
+              <a:buFont typeface="+mj-lt"/>
+              <a:buAutoNum type="arabicPeriod"/>
+            </a:pPr>
+            <a:r>
+              <a:rPr lang="pt-BR" dirty="0"/>
+              <a:t>Gerar ruído a partir das caraterísticas dos pixels da imagem</a:t>
+            </a:r>
+          </a:p>
+          <a:p>
+            <a:pPr marL="514350" indent="-514350">
+              <a:buFont typeface="+mj-lt"/>
+              <a:buAutoNum type="arabicPeriod"/>
+            </a:pPr>
+            <a:r>
+              <a:rPr lang="pt-BR" dirty="0"/>
+              <a:t>Com base no ruído, selecionar X pares de pontos em extremidades diferentes da imagem, simulando seleção aleatória.</a:t>
+            </a:r>
+          </a:p>
+          <a:p>
+            <a:pPr marL="514350" indent="-514350">
+              <a:buFont typeface="+mj-lt"/>
+              <a:buAutoNum type="arabicPeriod"/>
+            </a:pPr>
+            <a:r>
+              <a:rPr lang="pt-BR" dirty="0"/>
+              <a:t>Para cada par de pontos traçados, traçar reta cruzando a imagem</a:t>
+            </a:r>
+          </a:p>
+          <a:p>
+            <a:pPr marL="514350" indent="-514350">
+              <a:buFont typeface="+mj-lt"/>
+              <a:buAutoNum type="arabicPeriod"/>
+            </a:pPr>
+            <a:r>
+              <a:rPr lang="pt-BR" dirty="0"/>
+              <a:t> Identificar as intersecções entre as retas que ocorrerem em trechos em verde e classifica-los como </a:t>
+            </a:r>
+            <a:r>
+              <a:rPr lang="pt-BR" b="1" dirty="0"/>
+              <a:t>nascentes</a:t>
+            </a:r>
+            <a:r>
+              <a:rPr lang="pt-BR" dirty="0"/>
+              <a:t>, e o cruzamento das retas com o nível do mar serão classificados como </a:t>
+            </a:r>
+            <a:r>
+              <a:rPr lang="pt-BR" b="1" dirty="0"/>
+              <a:t>deltas</a:t>
+            </a:r>
+          </a:p>
+          <a:p>
+            <a:pPr marL="514350" indent="-514350">
+              <a:buFont typeface="+mj-lt"/>
+              <a:buAutoNum type="arabicPeriod"/>
+            </a:pPr>
+            <a:endParaRPr lang="pt-BR" dirty="0"/>
+          </a:p>
+        </p:txBody>
+      </p:sp>
+    </p:spTree>
+    <p:extLst>
+      <p:ext uri="{BB962C8B-B14F-4D97-AF65-F5344CB8AC3E}">
+        <p14:creationId xmlns:p14="http://schemas.microsoft.com/office/powerpoint/2010/main" val="3877243534"/>
+      </p:ext>
+    </p:extLst>
+  </p:cSld>
+  <p:clrMapOvr>
+    <a:masterClrMapping/>
+  </p:clrMapOvr>
+</p:sld>
+</file>
+
+<file path=ppt/slides/slide3.xml><?xml version="1.0" encoding="utf-8"?>
+<p:sld xmlns:a="http://schemas.openxmlformats.org/drawingml/2006/main" xmlns:r="http://schemas.openxmlformats.org/officeDocument/2006/relationships" xmlns:p="http://schemas.openxmlformats.org/presentationml/2006/main">
+  <p:cSld>
+    <p:spTree>
+      <p:nvGrpSpPr>
+        <p:cNvPr id="1" name=""/>
+        <p:cNvGrpSpPr/>
+        <p:nvPr/>
+      </p:nvGrpSpPr>
+      <p:grpSpPr>
+        <a:xfrm>
+          <a:off x="0" y="0"/>
+          <a:ext cx="0" cy="0"/>
+          <a:chOff x="0" y="0"/>
+          <a:chExt cx="0" cy="0"/>
+        </a:xfrm>
+      </p:grpSpPr>
+      <p:sp>
+        <p:nvSpPr>
+          <p:cNvPr id="2" name="Title 1">
+            <a:extLst>
+              <a:ext uri="{FF2B5EF4-FFF2-40B4-BE49-F238E27FC236}">
+                <a16:creationId xmlns:a16="http://schemas.microsoft.com/office/drawing/2014/main" id="{DCC3F936-D3E9-29D0-5895-D343E7665B3F}"/>
+              </a:ext>
+            </a:extLst>
+          </p:cNvPr>
+          <p:cNvSpPr>
+            <a:spLocks noGrp="1"/>
+          </p:cNvSpPr>
+          <p:nvPr>
+            <p:ph type="title"/>
+          </p:nvPr>
+        </p:nvSpPr>
+        <p:spPr/>
+        <p:txBody>
+          <a:bodyPr/>
+          <a:lstStyle/>
+          <a:p>
+            <a:r>
+              <a:rPr lang="en-US" dirty="0"/>
+              <a:t>Entrada</a:t>
+            </a:r>
+          </a:p>
+        </p:txBody>
+      </p:sp>
+      <p:pic>
+        <p:nvPicPr>
+          <p:cNvPr id="4" name="Imagem 3">
+            <a:extLst>
+              <a:ext uri="{FF2B5EF4-FFF2-40B4-BE49-F238E27FC236}">
+                <a16:creationId xmlns:a16="http://schemas.microsoft.com/office/drawing/2014/main" id="{D537CB47-9A63-B3A4-3EB6-8952A9CFF597}"/>
+              </a:ext>
+            </a:extLst>
+          </p:cNvPr>
+          <p:cNvPicPr>
+            <a:picLocks noChangeAspect="1"/>
+          </p:cNvPicPr>
+          <p:nvPr/>
+        </p:nvPicPr>
+        <p:blipFill>
+          <a:blip r:embed="rId2"/>
+          <a:stretch>
+            <a:fillRect/>
+          </a:stretch>
+        </p:blipFill>
+        <p:spPr>
+          <a:xfrm>
+            <a:off x="836584" y="2196397"/>
+            <a:ext cx="3906718" cy="3638550"/>
+          </a:xfrm>
+          <a:prstGeom prst="rect">
+            <a:avLst/>
+          </a:prstGeom>
+        </p:spPr>
+      </p:pic>
+      <p:sp>
+        <p:nvSpPr>
+          <p:cNvPr id="6" name="Espaço Reservado para Conteúdo 5">
+            <a:extLst>
+              <a:ext uri="{FF2B5EF4-FFF2-40B4-BE49-F238E27FC236}">
+                <a16:creationId xmlns:a16="http://schemas.microsoft.com/office/drawing/2014/main" id="{377939DE-4A6D-BA54-D738-261998DEC745}"/>
+              </a:ext>
+            </a:extLst>
+          </p:cNvPr>
+          <p:cNvSpPr>
+            <a:spLocks noGrp="1"/>
+          </p:cNvSpPr>
+          <p:nvPr>
+            <p:ph idx="1"/>
+          </p:nvPr>
+        </p:nvSpPr>
+        <p:spPr>
+          <a:xfrm>
+            <a:off x="5016500" y="1825625"/>
+            <a:ext cx="6337300" cy="4351338"/>
+          </a:xfrm>
+        </p:spPr>
+        <p:txBody>
+          <a:bodyPr/>
+          <a:lstStyle/>
+          <a:p>
+            <a:pPr marL="0" indent="0" algn="just">
+              <a:buNone/>
+            </a:pPr>
+            <a:r>
+              <a:rPr lang="pt-BR" dirty="0"/>
+              <a:t>1) Ler imagem de entrada onde em verde está representada a massa de terra, em azul massas de água e linhas em preto o nível do mar (altitude 0)</a:t>
+            </a:r>
+          </a:p>
+        </p:txBody>
+      </p:sp>
+    </p:spTree>
+    <p:extLst>
+      <p:ext uri="{BB962C8B-B14F-4D97-AF65-F5344CB8AC3E}">
+        <p14:creationId xmlns:p14="http://schemas.microsoft.com/office/powerpoint/2010/main" val="3770333388"/>
+      </p:ext>
+    </p:extLst>
+  </p:cSld>
+  <p:clrMapOvr>
+    <a:masterClrMapping/>
+  </p:clrMapOvr>
+</p:sld>
+</file>
+
+<file path=ppt/slides/slide4.xml><?xml version="1.0" encoding="utf-8"?>
+<p:sld xmlns:a="http://schemas.openxmlformats.org/drawingml/2006/main" xmlns:r="http://schemas.openxmlformats.org/officeDocument/2006/relationships" xmlns:p="http://schemas.openxmlformats.org/presentationml/2006/main">
+  <p:cSld>
+    <p:spTree>
+      <p:nvGrpSpPr>
+        <p:cNvPr id="1" name="">
+          <a:extLst>
+            <a:ext uri="{FF2B5EF4-FFF2-40B4-BE49-F238E27FC236}">
+              <a16:creationId xmlns:a16="http://schemas.microsoft.com/office/drawing/2014/main" id="{F1BB4D16-040A-6132-7001-EB6A6ADFF23B}"/>
+            </a:ext>
+          </a:extLst>
+        </p:cNvPr>
+        <p:cNvGrpSpPr/>
+        <p:nvPr/>
+      </p:nvGrpSpPr>
+      <p:grpSpPr>
+        <a:xfrm>
+          <a:off x="0" y="0"/>
+          <a:ext cx="0" cy="0"/>
+          <a:chOff x="0" y="0"/>
+          <a:chExt cx="0" cy="0"/>
+        </a:xfrm>
+      </p:grpSpPr>
+      <p:sp>
+        <p:nvSpPr>
+          <p:cNvPr id="2" name="Title 1">
+            <a:extLst>
+              <a:ext uri="{FF2B5EF4-FFF2-40B4-BE49-F238E27FC236}">
+                <a16:creationId xmlns:a16="http://schemas.microsoft.com/office/drawing/2014/main" id="{C302A264-08F2-B3B8-898C-4232A0D1C725}"/>
+              </a:ext>
+            </a:extLst>
+          </p:cNvPr>
+          <p:cNvSpPr>
+            <a:spLocks noGrp="1"/>
+          </p:cNvSpPr>
+          <p:nvPr>
+            <p:ph type="title"/>
+          </p:nvPr>
+        </p:nvSpPr>
+        <p:spPr/>
+        <p:txBody>
+          <a:bodyPr/>
+          <a:lstStyle/>
+          <a:p>
+            <a:r>
+              <a:rPr lang="en-US" dirty="0" err="1"/>
+              <a:t>Ruído</a:t>
+            </a:r>
+            <a:endParaRPr lang="en-US" dirty="0"/>
+          </a:p>
+        </p:txBody>
+      </p:sp>
+      <p:pic>
+        <p:nvPicPr>
+          <p:cNvPr id="5" name="Imagem 4">
+            <a:extLst>
+              <a:ext uri="{FF2B5EF4-FFF2-40B4-BE49-F238E27FC236}">
+                <a16:creationId xmlns:a16="http://schemas.microsoft.com/office/drawing/2014/main" id="{08E88FE4-E162-CF12-9029-6AC90AE8DF31}"/>
+              </a:ext>
+            </a:extLst>
+          </p:cNvPr>
+          <p:cNvPicPr>
+            <a:picLocks noChangeAspect="1"/>
+          </p:cNvPicPr>
+          <p:nvPr/>
+        </p:nvPicPr>
+        <p:blipFill>
+          <a:blip r:embed="rId2"/>
+          <a:stretch>
+            <a:fillRect/>
+          </a:stretch>
+        </p:blipFill>
+        <p:spPr>
+          <a:xfrm>
+            <a:off x="836585" y="2196398"/>
+            <a:ext cx="3906718" cy="3638550"/>
+          </a:xfrm>
+          <a:prstGeom prst="rect">
+            <a:avLst/>
+          </a:prstGeom>
+        </p:spPr>
+      </p:pic>
+      <p:sp>
+        <p:nvSpPr>
+          <p:cNvPr id="6" name="Espaço Reservado para Conteúdo 5">
+            <a:extLst>
+              <a:ext uri="{FF2B5EF4-FFF2-40B4-BE49-F238E27FC236}">
+                <a16:creationId xmlns:a16="http://schemas.microsoft.com/office/drawing/2014/main" id="{6C81B519-8F5E-B4E2-C087-5734DF4A987F}"/>
+              </a:ext>
+            </a:extLst>
+          </p:cNvPr>
+          <p:cNvSpPr>
+            <a:spLocks noGrp="1"/>
+          </p:cNvSpPr>
+          <p:nvPr>
+            <p:ph idx="1"/>
+          </p:nvPr>
+        </p:nvSpPr>
+        <p:spPr>
+          <a:xfrm>
+            <a:off x="5016500" y="1825625"/>
+            <a:ext cx="6337300" cy="4351338"/>
+          </a:xfrm>
+        </p:spPr>
+        <p:txBody>
+          <a:bodyPr/>
+          <a:lstStyle/>
+          <a:p>
+            <a:pPr marL="0" indent="0">
+              <a:buNone/>
+            </a:pPr>
+            <a:r>
+              <a:rPr lang="pt-BR" dirty="0"/>
+              <a:t>2) Gerar ruído a partir das caraterísticas dos pixels da imagem</a:t>
+            </a:r>
+          </a:p>
+          <a:p>
+            <a:pPr marL="0" indent="0">
+              <a:buNone/>
+            </a:pPr>
+            <a:endParaRPr lang="pt-BR" dirty="0"/>
+          </a:p>
+        </p:txBody>
+      </p:sp>
+    </p:spTree>
+    <p:extLst>
+      <p:ext uri="{BB962C8B-B14F-4D97-AF65-F5344CB8AC3E}">
+        <p14:creationId xmlns:p14="http://schemas.microsoft.com/office/powerpoint/2010/main" val="2197418408"/>
+      </p:ext>
+    </p:extLst>
+  </p:cSld>
+  <p:clrMapOvr>
+    <a:masterClrMapping/>
+  </p:clrMapOvr>
+</p:sld>
+</file>
+
+<file path=ppt/slides/slide5.xml><?xml version="1.0" encoding="utf-8"?>
+<p:sld xmlns:a="http://schemas.openxmlformats.org/drawingml/2006/main" xmlns:r="http://schemas.openxmlformats.org/officeDocument/2006/relationships" xmlns:p="http://schemas.openxmlformats.org/presentationml/2006/main">
+  <p:cSld>
+    <p:spTree>
+      <p:nvGrpSpPr>
+        <p:cNvPr id="1" name="">
+          <a:extLst>
+            <a:ext uri="{FF2B5EF4-FFF2-40B4-BE49-F238E27FC236}">
+              <a16:creationId xmlns:a16="http://schemas.microsoft.com/office/drawing/2014/main" id="{31F31EA0-9461-B168-F530-14DAAB1F7132}"/>
+            </a:ext>
+          </a:extLst>
+        </p:cNvPr>
+        <p:cNvGrpSpPr/>
+        <p:nvPr/>
+      </p:nvGrpSpPr>
+      <p:grpSpPr>
+        <a:xfrm>
+          <a:off x="0" y="0"/>
+          <a:ext cx="0" cy="0"/>
+          <a:chOff x="0" y="0"/>
+          <a:chExt cx="0" cy="0"/>
+        </a:xfrm>
+      </p:grpSpPr>
+      <p:pic>
+        <p:nvPicPr>
+          <p:cNvPr id="3" name="Content Placeholder 7" descr="A green outline of a map&#10;&#10;AI-generated content may be incorrect.">
+            <a:extLst>
+              <a:ext uri="{FF2B5EF4-FFF2-40B4-BE49-F238E27FC236}">
+                <a16:creationId xmlns:a16="http://schemas.microsoft.com/office/drawing/2014/main" id="{724A7486-C91D-3EA1-4FCF-A690E1231B8C}"/>
+              </a:ext>
+            </a:extLst>
+          </p:cNvPr>
+          <p:cNvPicPr>
+            <a:picLocks noChangeAspect="1"/>
+          </p:cNvPicPr>
+          <p:nvPr/>
+        </p:nvPicPr>
+        <p:blipFill>
+          <a:blip r:embed="rId2"/>
+          <a:stretch>
+            <a:fillRect/>
+          </a:stretch>
+        </p:blipFill>
+        <p:spPr>
+          <a:xfrm>
+            <a:off x="836583" y="2196396"/>
+            <a:ext cx="3905250" cy="3638550"/>
+          </a:xfrm>
+          <a:prstGeom prst="rect">
+            <a:avLst/>
+          </a:prstGeom>
+        </p:spPr>
+      </p:pic>
+      <p:sp>
+        <p:nvSpPr>
+          <p:cNvPr id="2" name="Title 1">
+            <a:extLst>
+              <a:ext uri="{FF2B5EF4-FFF2-40B4-BE49-F238E27FC236}">
+                <a16:creationId xmlns:a16="http://schemas.microsoft.com/office/drawing/2014/main" id="{E7E92203-4ECF-4A67-E9D1-F2F505E29850}"/>
+              </a:ext>
+            </a:extLst>
+          </p:cNvPr>
+          <p:cNvSpPr>
+            <a:spLocks noGrp="1"/>
+          </p:cNvSpPr>
+          <p:nvPr>
+            <p:ph type="title"/>
+          </p:nvPr>
+        </p:nvSpPr>
+        <p:spPr/>
+        <p:txBody>
+          <a:bodyPr/>
+          <a:lstStyle/>
+          <a:p>
+            <a:r>
+              <a:rPr lang="en-US" dirty="0" err="1"/>
+              <a:t>Seleção</a:t>
+            </a:r>
+            <a:r>
+              <a:rPr lang="en-US" dirty="0"/>
+              <a:t> de </a:t>
+            </a:r>
+            <a:r>
+              <a:rPr lang="en-US" dirty="0" err="1"/>
+              <a:t>pontos</a:t>
+            </a:r>
+            <a:endParaRPr lang="en-US" dirty="0"/>
+          </a:p>
+        </p:txBody>
+      </p:sp>
+      <p:sp>
+        <p:nvSpPr>
+          <p:cNvPr id="6" name="Espaço Reservado para Conteúdo 5">
+            <a:extLst>
+              <a:ext uri="{FF2B5EF4-FFF2-40B4-BE49-F238E27FC236}">
+                <a16:creationId xmlns:a16="http://schemas.microsoft.com/office/drawing/2014/main" id="{2D3249A9-CF79-878D-A9F6-2EC22CCF4ACB}"/>
+              </a:ext>
+            </a:extLst>
+          </p:cNvPr>
+          <p:cNvSpPr>
+            <a:spLocks noGrp="1"/>
+          </p:cNvSpPr>
+          <p:nvPr>
+            <p:ph idx="1"/>
+          </p:nvPr>
+        </p:nvSpPr>
+        <p:spPr>
+          <a:xfrm>
+            <a:off x="5016500" y="1825625"/>
+            <a:ext cx="6337300" cy="4351338"/>
+          </a:xfrm>
+        </p:spPr>
+        <p:txBody>
+          <a:bodyPr/>
+          <a:lstStyle/>
+          <a:p>
+            <a:pPr marL="0" indent="0" algn="just">
+              <a:buNone/>
+            </a:pPr>
+            <a:r>
+              <a:rPr lang="pt-BR" dirty="0"/>
+              <a:t>3) Com base no ruído, selecionar X pares de pontos em extremidades diferentes da imagem, simulando seleção aleatória.</a:t>
+            </a:r>
+          </a:p>
+        </p:txBody>
+      </p:sp>
+      <mc:AlternateContent xmlns:mc="http://schemas.openxmlformats.org/markup-compatibility/2006">
+        <mc:Choice xmlns:p14="http://schemas.microsoft.com/office/powerpoint/2010/main" Requires="p14">
+          <p:contentPart p14:bwMode="auto" r:id="rId3">
+            <p14:nvContentPartPr>
+              <p14:cNvPr id="4" name="Ink 2">
+                <a:extLst>
+                  <a:ext uri="{FF2B5EF4-FFF2-40B4-BE49-F238E27FC236}">
+                    <a16:creationId xmlns:a16="http://schemas.microsoft.com/office/drawing/2014/main" id="{9B7F2DBD-7286-1F47-1E35-1DEFA5D046D5}"/>
+                  </a:ext>
+                </a:extLst>
+              </p14:cNvPr>
+              <p14:cNvContentPartPr/>
+              <p14:nvPr/>
+            </p14:nvContentPartPr>
+            <p14:xfrm>
+              <a:off x="1308407" y="2152342"/>
+              <a:ext cx="131834" cy="131834"/>
+            </p14:xfrm>
+          </p:contentPart>
+        </mc:Choice>
+        <mc:Fallback>
+          <p:pic>
+            <p:nvPicPr>
+              <p:cNvPr id="4" name="Ink 2">
+                <a:extLst>
+                  <a:ext uri="{FF2B5EF4-FFF2-40B4-BE49-F238E27FC236}">
+                    <a16:creationId xmlns:a16="http://schemas.microsoft.com/office/drawing/2014/main" id="{9B7F2DBD-7286-1F47-1E35-1DEFA5D046D5}"/>
+                  </a:ext>
+                </a:extLst>
+              </p:cNvPr>
+              <p:cNvPicPr/>
+              <p:nvPr/>
+            </p:nvPicPr>
+            <p:blipFill>
+              <a:blip r:embed="rId4"/>
+              <a:stretch>
+                <a:fillRect/>
+              </a:stretch>
+            </p:blipFill>
+            <p:spPr>
+              <a:xfrm>
+                <a:off x="1290446" y="2134381"/>
+                <a:ext cx="167397" cy="167397"/>
+              </a:xfrm>
+              <a:prstGeom prst="rect">
+                <a:avLst/>
+              </a:prstGeom>
+            </p:spPr>
+          </p:pic>
+        </mc:Fallback>
+      </mc:AlternateContent>
+      <mc:AlternateContent xmlns:mc="http://schemas.openxmlformats.org/markup-compatibility/2006">
+        <mc:Choice xmlns:p14="http://schemas.microsoft.com/office/powerpoint/2010/main" Requires="p14">
+          <p:contentPart p14:bwMode="auto" r:id="rId5">
+            <p14:nvContentPartPr>
+              <p14:cNvPr id="7" name="Ink 5">
+                <a:extLst>
+                  <a:ext uri="{FF2B5EF4-FFF2-40B4-BE49-F238E27FC236}">
+                    <a16:creationId xmlns:a16="http://schemas.microsoft.com/office/drawing/2014/main" id="{EA045644-0186-933F-3097-799E865B6933}"/>
+                  </a:ext>
+                </a:extLst>
+              </p14:cNvPr>
+              <p14:cNvContentPartPr/>
+              <p14:nvPr/>
+            </p14:nvContentPartPr>
+            <p14:xfrm>
+              <a:off x="2991157" y="2088842"/>
+              <a:ext cx="163444" cy="163444"/>
+            </p14:xfrm>
+          </p:contentPart>
+        </mc:Choice>
+        <mc:Fallback>
+          <p:pic>
+            <p:nvPicPr>
+              <p:cNvPr id="7" name="Ink 5">
+                <a:extLst>
+                  <a:ext uri="{FF2B5EF4-FFF2-40B4-BE49-F238E27FC236}">
+                    <a16:creationId xmlns:a16="http://schemas.microsoft.com/office/drawing/2014/main" id="{EA045644-0186-933F-3097-799E865B6933}"/>
+                  </a:ext>
+                </a:extLst>
+              </p:cNvPr>
+              <p:cNvPicPr/>
+              <p:nvPr/>
+            </p:nvPicPr>
+            <p:blipFill>
+              <a:blip r:embed="rId6"/>
+              <a:stretch>
+                <a:fillRect/>
+              </a:stretch>
+            </p:blipFill>
+            <p:spPr>
+              <a:xfrm>
+                <a:off x="2973196" y="2070881"/>
+                <a:ext cx="199007" cy="199007"/>
+              </a:xfrm>
+              <a:prstGeom prst="rect">
+                <a:avLst/>
+              </a:prstGeom>
+            </p:spPr>
+          </p:pic>
+        </mc:Fallback>
+      </mc:AlternateContent>
+      <mc:AlternateContent xmlns:mc="http://schemas.openxmlformats.org/markup-compatibility/2006">
+        <mc:Choice xmlns:p14="http://schemas.microsoft.com/office/powerpoint/2010/main" Requires="p14">
+          <p:contentPart p14:bwMode="auto" r:id="rId7">
+            <p14:nvContentPartPr>
+              <p14:cNvPr id="8" name="Ink 6">
+                <a:extLst>
+                  <a:ext uri="{FF2B5EF4-FFF2-40B4-BE49-F238E27FC236}">
+                    <a16:creationId xmlns:a16="http://schemas.microsoft.com/office/drawing/2014/main" id="{2A2B05A5-8CFB-1FC8-5947-77474AAEE1C9}"/>
+                  </a:ext>
+                </a:extLst>
+              </p14:cNvPr>
+              <p14:cNvContentPartPr/>
+              <p14:nvPr/>
+            </p14:nvContentPartPr>
+            <p14:xfrm>
+              <a:off x="705157" y="4046759"/>
+              <a:ext cx="216378" cy="216378"/>
+            </p14:xfrm>
+          </p:contentPart>
+        </mc:Choice>
+        <mc:Fallback>
+          <p:pic>
+            <p:nvPicPr>
+              <p:cNvPr id="8" name="Ink 6">
+                <a:extLst>
+                  <a:ext uri="{FF2B5EF4-FFF2-40B4-BE49-F238E27FC236}">
+                    <a16:creationId xmlns:a16="http://schemas.microsoft.com/office/drawing/2014/main" id="{2A2B05A5-8CFB-1FC8-5947-77474AAEE1C9}"/>
+                  </a:ext>
+                </a:extLst>
+              </p:cNvPr>
+              <p:cNvPicPr/>
+              <p:nvPr/>
+            </p:nvPicPr>
+            <p:blipFill>
+              <a:blip r:embed="rId8"/>
+              <a:stretch>
+                <a:fillRect/>
+              </a:stretch>
+            </p:blipFill>
+            <p:spPr>
+              <a:xfrm>
+                <a:off x="687185" y="4028787"/>
+                <a:ext cx="251962" cy="251962"/>
+              </a:xfrm>
+              <a:prstGeom prst="rect">
+                <a:avLst/>
+              </a:prstGeom>
+            </p:spPr>
+          </p:pic>
+        </mc:Fallback>
+      </mc:AlternateContent>
+      <mc:AlternateContent xmlns:mc="http://schemas.openxmlformats.org/markup-compatibility/2006">
+        <mc:Choice xmlns:p14="http://schemas.microsoft.com/office/powerpoint/2010/main" Requires="p14">
+          <p:contentPart p14:bwMode="auto" r:id="rId9">
+            <p14:nvContentPartPr>
+              <p14:cNvPr id="9" name="Ink 8">
+                <a:extLst>
+                  <a:ext uri="{FF2B5EF4-FFF2-40B4-BE49-F238E27FC236}">
+                    <a16:creationId xmlns:a16="http://schemas.microsoft.com/office/drawing/2014/main" id="{F1CF52CA-9EC1-4C10-39C1-20C225587D39}"/>
+                  </a:ext>
+                </a:extLst>
+              </p14:cNvPr>
+              <p14:cNvContentPartPr/>
+              <p14:nvPr/>
+            </p14:nvContentPartPr>
+            <p14:xfrm>
+              <a:off x="795115" y="2506883"/>
+              <a:ext cx="121261" cy="121261"/>
+            </p14:xfrm>
+          </p:contentPart>
+        </mc:Choice>
+        <mc:Fallback>
+          <p:pic>
+            <p:nvPicPr>
+              <p:cNvPr id="9" name="Ink 8">
+                <a:extLst>
+                  <a:ext uri="{FF2B5EF4-FFF2-40B4-BE49-F238E27FC236}">
+                    <a16:creationId xmlns:a16="http://schemas.microsoft.com/office/drawing/2014/main" id="{F1CF52CA-9EC1-4C10-39C1-20C225587D39}"/>
+                  </a:ext>
+                </a:extLst>
+              </p:cNvPr>
+              <p:cNvPicPr/>
+              <p:nvPr/>
+            </p:nvPicPr>
+            <p:blipFill>
+              <a:blip r:embed="rId10"/>
+              <a:stretch>
+                <a:fillRect/>
+              </a:stretch>
+            </p:blipFill>
+            <p:spPr>
+              <a:xfrm>
+                <a:off x="777177" y="2488892"/>
+                <a:ext cx="156778" cy="156884"/>
+              </a:xfrm>
+              <a:prstGeom prst="rect">
+                <a:avLst/>
+              </a:prstGeom>
+            </p:spPr>
+          </p:pic>
+        </mc:Fallback>
+      </mc:AlternateContent>
+      <mc:AlternateContent xmlns:mc="http://schemas.openxmlformats.org/markup-compatibility/2006">
+        <mc:Choice xmlns:p14="http://schemas.microsoft.com/office/powerpoint/2010/main" Requires="p14">
+          <p:contentPart p14:bwMode="auto" r:id="rId11">
+            <p14:nvContentPartPr>
+              <p14:cNvPr id="10" name="Ink 9">
+                <a:extLst>
+                  <a:ext uri="{FF2B5EF4-FFF2-40B4-BE49-F238E27FC236}">
+                    <a16:creationId xmlns:a16="http://schemas.microsoft.com/office/drawing/2014/main" id="{002025AD-D0B7-1799-FBD3-F5879628D86F}"/>
+                  </a:ext>
+                </a:extLst>
+              </p14:cNvPr>
+              <p14:cNvContentPartPr/>
+              <p14:nvPr/>
+            </p14:nvContentPartPr>
+            <p14:xfrm>
+              <a:off x="4673907" y="2988426"/>
+              <a:ext cx="147610" cy="147610"/>
+            </p14:xfrm>
+          </p:contentPart>
+        </mc:Choice>
+        <mc:Fallback>
+          <p:pic>
+            <p:nvPicPr>
+              <p:cNvPr id="10" name="Ink 9">
+                <a:extLst>
+                  <a:ext uri="{FF2B5EF4-FFF2-40B4-BE49-F238E27FC236}">
+                    <a16:creationId xmlns:a16="http://schemas.microsoft.com/office/drawing/2014/main" id="{002025AD-D0B7-1799-FBD3-F5879628D86F}"/>
+                  </a:ext>
+                </a:extLst>
+              </p:cNvPr>
+              <p:cNvPicPr/>
+              <p:nvPr/>
+            </p:nvPicPr>
+            <p:blipFill>
+              <a:blip r:embed="rId12"/>
+              <a:stretch>
+                <a:fillRect/>
+              </a:stretch>
+            </p:blipFill>
+            <p:spPr>
+              <a:xfrm>
+                <a:off x="4655950" y="2970469"/>
+                <a:ext cx="183166" cy="183166"/>
+              </a:xfrm>
+              <a:prstGeom prst="rect">
+                <a:avLst/>
+              </a:prstGeom>
+            </p:spPr>
+          </p:pic>
+        </mc:Fallback>
+      </mc:AlternateContent>
+      <mc:AlternateContent xmlns:mc="http://schemas.openxmlformats.org/markup-compatibility/2006">
+        <mc:Choice xmlns:p14="http://schemas.microsoft.com/office/powerpoint/2010/main" Requires="p14">
+          <p:contentPart p14:bwMode="auto" r:id="rId13">
+            <p14:nvContentPartPr>
+              <p14:cNvPr id="11" name="Ink 10">
+                <a:extLst>
+                  <a:ext uri="{FF2B5EF4-FFF2-40B4-BE49-F238E27FC236}">
+                    <a16:creationId xmlns:a16="http://schemas.microsoft.com/office/drawing/2014/main" id="{CDFF6163-374D-7D6E-5AC0-B59F8D60E88F}"/>
+                  </a:ext>
+                </a:extLst>
+              </p14:cNvPr>
+              <p14:cNvContentPartPr/>
+              <p14:nvPr/>
+            </p14:nvContentPartPr>
+            <p14:xfrm>
+              <a:off x="4605115" y="5279717"/>
+              <a:ext cx="221661" cy="221661"/>
+            </p14:xfrm>
+          </p:contentPart>
+        </mc:Choice>
+        <mc:Fallback>
+          <p:pic>
+            <p:nvPicPr>
+              <p:cNvPr id="11" name="Ink 10">
+                <a:extLst>
+                  <a:ext uri="{FF2B5EF4-FFF2-40B4-BE49-F238E27FC236}">
+                    <a16:creationId xmlns:a16="http://schemas.microsoft.com/office/drawing/2014/main" id="{CDFF6163-374D-7D6E-5AC0-B59F8D60E88F}"/>
+                  </a:ext>
+                </a:extLst>
+              </p:cNvPr>
+              <p:cNvPicPr/>
+              <p:nvPr/>
+            </p:nvPicPr>
+            <p:blipFill>
+              <a:blip r:embed="rId14"/>
+              <a:stretch>
+                <a:fillRect/>
+              </a:stretch>
+            </p:blipFill>
+            <p:spPr>
+              <a:xfrm>
+                <a:off x="4587152" y="5261725"/>
+                <a:ext cx="257227" cy="257285"/>
+              </a:xfrm>
+              <a:prstGeom prst="rect">
+                <a:avLst/>
+              </a:prstGeom>
+            </p:spPr>
+          </p:pic>
+        </mc:Fallback>
+      </mc:AlternateContent>
+      <mc:AlternateContent xmlns:mc="http://schemas.openxmlformats.org/markup-compatibility/2006">
+        <mc:Choice xmlns:p14="http://schemas.microsoft.com/office/powerpoint/2010/main" Requires="p14">
+          <p:contentPart p14:bwMode="auto" r:id="rId15">
+            <p14:nvContentPartPr>
+              <p14:cNvPr id="12" name="Ink 11">
+                <a:extLst>
+                  <a:ext uri="{FF2B5EF4-FFF2-40B4-BE49-F238E27FC236}">
+                    <a16:creationId xmlns:a16="http://schemas.microsoft.com/office/drawing/2014/main" id="{72019EF7-D994-D2E6-00BC-F95FBD7B1DF3}"/>
+                  </a:ext>
+                </a:extLst>
+              </p14:cNvPr>
+              <p14:cNvContentPartPr/>
+              <p14:nvPr/>
+            </p14:nvContentPartPr>
+            <p14:xfrm>
+              <a:off x="3954240" y="5750675"/>
+              <a:ext cx="157169" cy="157169"/>
+            </p14:xfrm>
+          </p:contentPart>
+        </mc:Choice>
+        <mc:Fallback>
+          <p:pic>
+            <p:nvPicPr>
+              <p:cNvPr id="12" name="Ink 11">
+                <a:extLst>
+                  <a:ext uri="{FF2B5EF4-FFF2-40B4-BE49-F238E27FC236}">
+                    <a16:creationId xmlns:a16="http://schemas.microsoft.com/office/drawing/2014/main" id="{72019EF7-D994-D2E6-00BC-F95FBD7B1DF3}"/>
+                  </a:ext>
+                </a:extLst>
+              </p:cNvPr>
+              <p:cNvPicPr/>
+              <p:nvPr/>
+            </p:nvPicPr>
+            <p:blipFill>
+              <a:blip r:embed="rId16"/>
+              <a:stretch>
+                <a:fillRect/>
+              </a:stretch>
+            </p:blipFill>
+            <p:spPr>
+              <a:xfrm>
+                <a:off x="3936257" y="5732733"/>
+                <a:ext cx="192775" cy="192694"/>
+              </a:xfrm>
+              <a:prstGeom prst="rect">
+                <a:avLst/>
+              </a:prstGeom>
+            </p:spPr>
+          </p:pic>
+        </mc:Fallback>
+      </mc:AlternateContent>
+      <mc:AlternateContent xmlns:mc="http://schemas.openxmlformats.org/markup-compatibility/2006">
+        <mc:Choice xmlns:p14="http://schemas.microsoft.com/office/powerpoint/2010/main" Requires="p14">
+          <p:contentPart p14:bwMode="auto" r:id="rId17">
+            <p14:nvContentPartPr>
+              <p14:cNvPr id="13" name="Ink 12">
+                <a:extLst>
+                  <a:ext uri="{FF2B5EF4-FFF2-40B4-BE49-F238E27FC236}">
+                    <a16:creationId xmlns:a16="http://schemas.microsoft.com/office/drawing/2014/main" id="{FCE1CA9D-7FFB-D6EE-9939-C063CC270D0F}"/>
+                  </a:ext>
+                </a:extLst>
+              </p14:cNvPr>
+              <p14:cNvContentPartPr/>
+              <p14:nvPr/>
+            </p14:nvContentPartPr>
+            <p14:xfrm>
+              <a:off x="2816532" y="5766550"/>
+              <a:ext cx="142259" cy="142259"/>
+            </p14:xfrm>
+          </p:contentPart>
+        </mc:Choice>
+        <mc:Fallback>
+          <p:pic>
+            <p:nvPicPr>
+              <p:cNvPr id="13" name="Ink 12">
+                <a:extLst>
+                  <a:ext uri="{FF2B5EF4-FFF2-40B4-BE49-F238E27FC236}">
+                    <a16:creationId xmlns:a16="http://schemas.microsoft.com/office/drawing/2014/main" id="{FCE1CA9D-7FFB-D6EE-9939-C063CC270D0F}"/>
+                  </a:ext>
+                </a:extLst>
+              </p:cNvPr>
+              <p:cNvPicPr/>
+              <p:nvPr/>
+            </p:nvPicPr>
+            <p:blipFill>
+              <a:blip r:embed="rId18"/>
+              <a:stretch>
+                <a:fillRect/>
+              </a:stretch>
+            </p:blipFill>
+            <p:spPr>
+              <a:xfrm>
+                <a:off x="2798615" y="5748588"/>
+                <a:ext cx="177734" cy="177824"/>
+              </a:xfrm>
+              <a:prstGeom prst="rect">
+                <a:avLst/>
+              </a:prstGeom>
+            </p:spPr>
+          </p:pic>
+        </mc:Fallback>
+      </mc:AlternateContent>
+      <mc:AlternateContent xmlns:mc="http://schemas.openxmlformats.org/markup-compatibility/2006">
+        <mc:Choice xmlns:p14="http://schemas.microsoft.com/office/powerpoint/2010/main" Requires="p14">
+          <p:contentPart p14:bwMode="auto" r:id="rId19">
+            <p14:nvContentPartPr>
+              <p14:cNvPr id="14" name="Ink 13">
+                <a:extLst>
+                  <a:ext uri="{FF2B5EF4-FFF2-40B4-BE49-F238E27FC236}">
+                    <a16:creationId xmlns:a16="http://schemas.microsoft.com/office/drawing/2014/main" id="{8858DC70-ED53-142A-B35A-A536BB53CE6A}"/>
+                  </a:ext>
+                </a:extLst>
+              </p14:cNvPr>
+              <p14:cNvContentPartPr/>
+              <p14:nvPr/>
+            </p14:nvContentPartPr>
+            <p14:xfrm>
+              <a:off x="4675499" y="2944865"/>
+              <a:ext cx="174366" cy="174366"/>
+            </p14:xfrm>
+          </p:contentPart>
+        </mc:Choice>
+        <mc:Fallback>
+          <p:pic>
+            <p:nvPicPr>
+              <p:cNvPr id="14" name="Ink 13">
+                <a:extLst>
+                  <a:ext uri="{FF2B5EF4-FFF2-40B4-BE49-F238E27FC236}">
+                    <a16:creationId xmlns:a16="http://schemas.microsoft.com/office/drawing/2014/main" id="{8858DC70-ED53-142A-B35A-A536BB53CE6A}"/>
+                  </a:ext>
+                </a:extLst>
+              </p:cNvPr>
+              <p:cNvPicPr/>
+              <p:nvPr/>
+            </p:nvPicPr>
+            <p:blipFill>
+              <a:blip r:embed="rId20"/>
+              <a:stretch>
+                <a:fillRect/>
+              </a:stretch>
+            </p:blipFill>
+            <p:spPr>
+              <a:xfrm>
+                <a:off x="4657523" y="2926926"/>
+                <a:ext cx="209958" cy="209885"/>
+              </a:xfrm>
+              <a:prstGeom prst="rect">
+                <a:avLst/>
+              </a:prstGeom>
+            </p:spPr>
+          </p:pic>
+        </mc:Fallback>
+      </mc:AlternateContent>
+      <mc:AlternateContent xmlns:mc="http://schemas.openxmlformats.org/markup-compatibility/2006">
+        <mc:Choice xmlns:p14="http://schemas.microsoft.com/office/powerpoint/2010/main" Requires="p14">
+          <p:contentPart p14:bwMode="auto" r:id="rId21">
+            <p14:nvContentPartPr>
+              <p14:cNvPr id="15" name="Ink 14">
+                <a:extLst>
+                  <a:ext uri="{FF2B5EF4-FFF2-40B4-BE49-F238E27FC236}">
+                    <a16:creationId xmlns:a16="http://schemas.microsoft.com/office/drawing/2014/main" id="{577966E4-5593-16E0-C097-AEF7345DFD9E}"/>
+                  </a:ext>
+                </a:extLst>
+              </p14:cNvPr>
+              <p14:cNvContentPartPr/>
+              <p14:nvPr/>
+            </p14:nvContentPartPr>
+            <p14:xfrm>
+              <a:off x="4644094" y="5283782"/>
+              <a:ext cx="205771" cy="205771"/>
+            </p14:xfrm>
+          </p:contentPart>
+        </mc:Choice>
+        <mc:Fallback>
+          <p:pic>
+            <p:nvPicPr>
+              <p:cNvPr id="15" name="Ink 14">
+                <a:extLst>
+                  <a:ext uri="{FF2B5EF4-FFF2-40B4-BE49-F238E27FC236}">
+                    <a16:creationId xmlns:a16="http://schemas.microsoft.com/office/drawing/2014/main" id="{577966E4-5593-16E0-C097-AEF7345DFD9E}"/>
+                  </a:ext>
+                </a:extLst>
+              </p:cNvPr>
+              <p:cNvPicPr/>
+              <p:nvPr/>
+            </p:nvPicPr>
+            <p:blipFill>
+              <a:blip r:embed="rId22"/>
+              <a:stretch>
+                <a:fillRect/>
+              </a:stretch>
+            </p:blipFill>
+            <p:spPr>
+              <a:xfrm>
+                <a:off x="4626138" y="5265795"/>
+                <a:ext cx="241323" cy="241385"/>
+              </a:xfrm>
+              <a:prstGeom prst="rect">
+                <a:avLst/>
+              </a:prstGeom>
+            </p:spPr>
+          </p:pic>
+        </mc:Fallback>
+      </mc:AlternateContent>
+      <mc:AlternateContent xmlns:mc="http://schemas.openxmlformats.org/markup-compatibility/2006">
+        <mc:Choice xmlns:p14="http://schemas.microsoft.com/office/powerpoint/2010/main" Requires="p14">
+          <p:contentPart p14:bwMode="auto" r:id="rId23">
+            <p14:nvContentPartPr>
+              <p14:cNvPr id="16" name="Ink 15">
+                <a:extLst>
+                  <a:ext uri="{FF2B5EF4-FFF2-40B4-BE49-F238E27FC236}">
+                    <a16:creationId xmlns:a16="http://schemas.microsoft.com/office/drawing/2014/main" id="{049114B2-C4E7-9A90-E7D4-6216A2E69F7E}"/>
+                  </a:ext>
+                </a:extLst>
+              </p14:cNvPr>
+              <p14:cNvContentPartPr/>
+              <p14:nvPr/>
+            </p14:nvContentPartPr>
+            <p14:xfrm>
+              <a:off x="3969862" y="5744157"/>
+              <a:ext cx="144462" cy="144462"/>
+            </p14:xfrm>
+          </p:contentPart>
+        </mc:Choice>
+        <mc:Fallback>
+          <p:pic>
+            <p:nvPicPr>
+              <p:cNvPr id="16" name="Ink 15">
+                <a:extLst>
+                  <a:ext uri="{FF2B5EF4-FFF2-40B4-BE49-F238E27FC236}">
+                    <a16:creationId xmlns:a16="http://schemas.microsoft.com/office/drawing/2014/main" id="{049114B2-C4E7-9A90-E7D4-6216A2E69F7E}"/>
+                  </a:ext>
+                </a:extLst>
+              </p:cNvPr>
+              <p:cNvPicPr/>
+              <p:nvPr/>
+            </p:nvPicPr>
+            <p:blipFill>
+              <a:blip r:embed="rId24"/>
+              <a:stretch>
+                <a:fillRect/>
+              </a:stretch>
+            </p:blipFill>
+            <p:spPr>
+              <a:xfrm>
+                <a:off x="3951894" y="5726189"/>
+                <a:ext cx="180038" cy="180038"/>
+              </a:xfrm>
+              <a:prstGeom prst="rect">
+                <a:avLst/>
+              </a:prstGeom>
+            </p:spPr>
+          </p:pic>
+        </mc:Fallback>
+      </mc:AlternateContent>
+      <mc:AlternateContent xmlns:mc="http://schemas.openxmlformats.org/markup-compatibility/2006">
+        <mc:Choice xmlns:p14="http://schemas.microsoft.com/office/powerpoint/2010/main" Requires="p14">
+          <p:contentPart p14:bwMode="auto" r:id="rId25">
+            <p14:nvContentPartPr>
+              <p14:cNvPr id="17" name="Ink 16">
+                <a:extLst>
+                  <a:ext uri="{FF2B5EF4-FFF2-40B4-BE49-F238E27FC236}">
+                    <a16:creationId xmlns:a16="http://schemas.microsoft.com/office/drawing/2014/main" id="{9C35BB0F-6BB9-65CE-4E16-4E846561342B}"/>
+                  </a:ext>
+                </a:extLst>
+              </p14:cNvPr>
+              <p14:cNvContentPartPr/>
+              <p14:nvPr/>
+            </p14:nvContentPartPr>
+            <p14:xfrm>
+              <a:off x="2775827" y="5728282"/>
+              <a:ext cx="232538" cy="232538"/>
+            </p14:xfrm>
+          </p:contentPart>
+        </mc:Choice>
+        <mc:Fallback>
+          <p:pic>
+            <p:nvPicPr>
+              <p:cNvPr id="17" name="Ink 16">
+                <a:extLst>
+                  <a:ext uri="{FF2B5EF4-FFF2-40B4-BE49-F238E27FC236}">
+                    <a16:creationId xmlns:a16="http://schemas.microsoft.com/office/drawing/2014/main" id="{9C35BB0F-6BB9-65CE-4E16-4E846561342B}"/>
+                  </a:ext>
+                </a:extLst>
+              </p:cNvPr>
+              <p:cNvPicPr/>
+              <p:nvPr/>
+            </p:nvPicPr>
+            <p:blipFill>
+              <a:blip r:embed="rId26"/>
+              <a:stretch>
+                <a:fillRect/>
+              </a:stretch>
+            </p:blipFill>
+            <p:spPr>
+              <a:xfrm>
+                <a:off x="2757857" y="5710312"/>
+                <a:ext cx="268120" cy="268120"/>
+              </a:xfrm>
+              <a:prstGeom prst="rect">
+                <a:avLst/>
+              </a:prstGeom>
+            </p:spPr>
+          </p:pic>
+        </mc:Fallback>
+      </mc:AlternateContent>
+      <mc:AlternateContent xmlns:mc="http://schemas.openxmlformats.org/markup-compatibility/2006">
+        <mc:Choice xmlns:p14="http://schemas.microsoft.com/office/powerpoint/2010/main" Requires="p14">
+          <p:contentPart p14:bwMode="auto" r:id="rId27">
+            <p14:nvContentPartPr>
+              <p14:cNvPr id="18" name="Ink 17">
+                <a:extLst>
+                  <a:ext uri="{FF2B5EF4-FFF2-40B4-BE49-F238E27FC236}">
+                    <a16:creationId xmlns:a16="http://schemas.microsoft.com/office/drawing/2014/main" id="{0BA358CB-0786-A300-D5D9-87C5240E3CCF}"/>
+                  </a:ext>
+                </a:extLst>
+              </p14:cNvPr>
+              <p14:cNvContentPartPr/>
+              <p14:nvPr/>
+            </p14:nvContentPartPr>
+            <p14:xfrm>
+              <a:off x="3019857" y="2119366"/>
+              <a:ext cx="179008" cy="179008"/>
+            </p14:xfrm>
+          </p:contentPart>
+        </mc:Choice>
+        <mc:Fallback>
+          <p:pic>
+            <p:nvPicPr>
+              <p:cNvPr id="18" name="Ink 17">
+                <a:extLst>
+                  <a:ext uri="{FF2B5EF4-FFF2-40B4-BE49-F238E27FC236}">
+                    <a16:creationId xmlns:a16="http://schemas.microsoft.com/office/drawing/2014/main" id="{0BA358CB-0786-A300-D5D9-87C5240E3CCF}"/>
+                  </a:ext>
+                </a:extLst>
+              </p:cNvPr>
+              <p:cNvPicPr/>
+              <p:nvPr/>
+            </p:nvPicPr>
+            <p:blipFill>
+              <a:blip r:embed="rId28"/>
+              <a:stretch>
+                <a:fillRect/>
+              </a:stretch>
+            </p:blipFill>
+            <p:spPr>
+              <a:xfrm>
+                <a:off x="3001884" y="2101393"/>
+                <a:ext cx="214594" cy="214594"/>
+              </a:xfrm>
+              <a:prstGeom prst="rect">
+                <a:avLst/>
+              </a:prstGeom>
+            </p:spPr>
+          </p:pic>
+        </mc:Fallback>
+      </mc:AlternateContent>
+      <mc:AlternateContent xmlns:mc="http://schemas.openxmlformats.org/markup-compatibility/2006">
+        <mc:Choice xmlns:p14="http://schemas.microsoft.com/office/powerpoint/2010/main" Requires="p14">
+          <p:contentPart p14:bwMode="auto" r:id="rId29">
+            <p14:nvContentPartPr>
+              <p14:cNvPr id="19" name="Ink 18">
+                <a:extLst>
+                  <a:ext uri="{FF2B5EF4-FFF2-40B4-BE49-F238E27FC236}">
+                    <a16:creationId xmlns:a16="http://schemas.microsoft.com/office/drawing/2014/main" id="{C72E936D-6F92-409D-42AE-7BA47BFE77F4}"/>
+                  </a:ext>
+                </a:extLst>
+              </p14:cNvPr>
+              <p14:cNvContentPartPr/>
+              <p14:nvPr/>
+            </p14:nvContentPartPr>
+            <p14:xfrm>
+              <a:off x="1329415" y="2140533"/>
+              <a:ext cx="123200" cy="123200"/>
+            </p14:xfrm>
+          </p:contentPart>
+        </mc:Choice>
+        <mc:Fallback>
+          <p:pic>
+            <p:nvPicPr>
+              <p:cNvPr id="19" name="Ink 18">
+                <a:extLst>
+                  <a:ext uri="{FF2B5EF4-FFF2-40B4-BE49-F238E27FC236}">
+                    <a16:creationId xmlns:a16="http://schemas.microsoft.com/office/drawing/2014/main" id="{C72E936D-6F92-409D-42AE-7BA47BFE77F4}"/>
+                  </a:ext>
+                </a:extLst>
+              </p:cNvPr>
+              <p:cNvPicPr/>
+              <p:nvPr/>
+            </p:nvPicPr>
+            <p:blipFill>
+              <a:blip r:embed="rId30"/>
+              <a:stretch>
+                <a:fillRect/>
+              </a:stretch>
+            </p:blipFill>
+            <p:spPr>
+              <a:xfrm>
+                <a:off x="1311456" y="2122574"/>
+                <a:ext cx="158759" cy="158759"/>
+              </a:xfrm>
+              <a:prstGeom prst="rect">
+                <a:avLst/>
+              </a:prstGeom>
+            </p:spPr>
+          </p:pic>
+        </mc:Fallback>
+      </mc:AlternateContent>
+      <mc:AlternateContent xmlns:mc="http://schemas.openxmlformats.org/markup-compatibility/2006">
+        <mc:Choice xmlns:p14="http://schemas.microsoft.com/office/powerpoint/2010/main" Requires="p14">
+          <p:contentPart p14:bwMode="auto" r:id="rId31">
+            <p14:nvContentPartPr>
+              <p14:cNvPr id="20" name="Ink 19">
+                <a:extLst>
+                  <a:ext uri="{FF2B5EF4-FFF2-40B4-BE49-F238E27FC236}">
+                    <a16:creationId xmlns:a16="http://schemas.microsoft.com/office/drawing/2014/main" id="{A10D1A17-4857-D18D-14B8-48060D9956D8}"/>
+                  </a:ext>
+                </a:extLst>
+              </p14:cNvPr>
+              <p14:cNvContentPartPr/>
+              <p14:nvPr/>
+            </p14:nvContentPartPr>
+            <p14:xfrm>
+              <a:off x="760009" y="2489782"/>
+              <a:ext cx="152856" cy="152856"/>
+            </p14:xfrm>
+          </p:contentPart>
+        </mc:Choice>
+        <mc:Fallback>
+          <p:pic>
+            <p:nvPicPr>
+              <p:cNvPr id="20" name="Ink 19">
+                <a:extLst>
+                  <a:ext uri="{FF2B5EF4-FFF2-40B4-BE49-F238E27FC236}">
+                    <a16:creationId xmlns:a16="http://schemas.microsoft.com/office/drawing/2014/main" id="{A10D1A17-4857-D18D-14B8-48060D9956D8}"/>
+                  </a:ext>
+                </a:extLst>
+              </p:cNvPr>
+              <p:cNvPicPr/>
+              <p:nvPr/>
+            </p:nvPicPr>
+            <p:blipFill>
+              <a:blip r:embed="rId32"/>
+              <a:stretch>
+                <a:fillRect/>
+              </a:stretch>
+            </p:blipFill>
+            <p:spPr>
+              <a:xfrm>
+                <a:off x="742068" y="2471799"/>
+                <a:ext cx="188379" cy="188462"/>
+              </a:xfrm>
+              <a:prstGeom prst="rect">
+                <a:avLst/>
+              </a:prstGeom>
+            </p:spPr>
+          </p:pic>
+        </mc:Fallback>
+      </mc:AlternateContent>
+      <mc:AlternateContent xmlns:mc="http://schemas.openxmlformats.org/markup-compatibility/2006">
+        <mc:Choice xmlns:p14="http://schemas.microsoft.com/office/powerpoint/2010/main" Requires="p14">
+          <p:contentPart p14:bwMode="auto" r:id="rId33">
+            <p14:nvContentPartPr>
+              <p14:cNvPr id="21" name="Ink 20">
+                <a:extLst>
+                  <a:ext uri="{FF2B5EF4-FFF2-40B4-BE49-F238E27FC236}">
+                    <a16:creationId xmlns:a16="http://schemas.microsoft.com/office/drawing/2014/main" id="{F84A5336-C566-8542-3D0D-2E2843B70B41}"/>
+                  </a:ext>
+                </a:extLst>
+              </p14:cNvPr>
+              <p14:cNvContentPartPr/>
+              <p14:nvPr/>
+            </p14:nvContentPartPr>
+            <p14:xfrm>
+              <a:off x="727656" y="4087866"/>
+              <a:ext cx="206376" cy="206376"/>
+            </p14:xfrm>
+          </p:contentPart>
+        </mc:Choice>
+        <mc:Fallback>
+          <p:pic>
+            <p:nvPicPr>
+              <p:cNvPr id="21" name="Ink 20">
+                <a:extLst>
+                  <a:ext uri="{FF2B5EF4-FFF2-40B4-BE49-F238E27FC236}">
+                    <a16:creationId xmlns:a16="http://schemas.microsoft.com/office/drawing/2014/main" id="{F84A5336-C566-8542-3D0D-2E2843B70B41}"/>
+                  </a:ext>
+                </a:extLst>
+              </p:cNvPr>
+              <p:cNvPicPr/>
+              <p:nvPr/>
+            </p:nvPicPr>
+            <p:blipFill>
+              <a:blip r:embed="rId34"/>
+              <a:stretch>
+                <a:fillRect/>
+              </a:stretch>
+            </p:blipFill>
+            <p:spPr>
+              <a:xfrm>
+                <a:off x="709679" y="4069889"/>
+                <a:ext cx="241970" cy="241970"/>
+              </a:xfrm>
+              <a:prstGeom prst="rect">
+                <a:avLst/>
+              </a:prstGeom>
+            </p:spPr>
+          </p:pic>
+        </mc:Fallback>
+      </mc:AlternateContent>
+    </p:spTree>
+    <p:extLst>
+      <p:ext uri="{BB962C8B-B14F-4D97-AF65-F5344CB8AC3E}">
+        <p14:creationId xmlns:p14="http://schemas.microsoft.com/office/powerpoint/2010/main" val="3059647838"/>
+      </p:ext>
+    </p:extLst>
+  </p:cSld>
+  <p:clrMapOvr>
+    <a:masterClrMapping/>
+  </p:clrMapOvr>
+</p:sld>
+</file>
+
+<file path=ppt/slides/slide6.xml><?xml version="1.0" encoding="utf-8"?>
+<p:sld xmlns:a="http://schemas.openxmlformats.org/drawingml/2006/main" xmlns:r="http://schemas.openxmlformats.org/officeDocument/2006/relationships" xmlns:p="http://schemas.openxmlformats.org/presentationml/2006/main">
+  <p:cSld>
+    <p:spTree>
+      <p:nvGrpSpPr>
+        <p:cNvPr id="1" name=""/>
+        <p:cNvGrpSpPr/>
+        <p:nvPr/>
+      </p:nvGrpSpPr>
+      <p:grpSpPr>
+        <a:xfrm>
+          <a:off x="0" y="0"/>
+          <a:ext cx="0" cy="0"/>
+          <a:chOff x="0" y="0"/>
+          <a:chExt cx="0" cy="0"/>
+        </a:xfrm>
+      </p:grpSpPr>
+      <p:sp>
+        <p:nvSpPr>
+          <p:cNvPr id="2" name="Title 1">
+            <a:extLst>
+              <a:ext uri="{FF2B5EF4-FFF2-40B4-BE49-F238E27FC236}">
+                <a16:creationId xmlns:a16="http://schemas.microsoft.com/office/drawing/2014/main" id="{DFFAC0F8-48B2-AD20-BEE9-D40DD33A627C}"/>
+              </a:ext>
+            </a:extLst>
+          </p:cNvPr>
+          <p:cNvSpPr>
+            <a:spLocks noGrp="1"/>
+          </p:cNvSpPr>
+          <p:nvPr>
+            <p:ph type="title"/>
+          </p:nvPr>
+        </p:nvSpPr>
+        <p:spPr>
+          <a:xfrm>
+            <a:off x="838200" y="336097"/>
+            <a:ext cx="10515600" cy="1325563"/>
+          </a:xfrm>
+        </p:spPr>
+        <p:txBody>
+          <a:bodyPr/>
+          <a:lstStyle/>
+          <a:p>
+            <a:r>
+              <a:rPr lang="en-US" dirty="0" err="1"/>
+              <a:t>Retas</a:t>
+            </a:r>
+            <a:r>
+              <a:rPr lang="en-US" dirty="0"/>
+              <a:t> </a:t>
+            </a:r>
+            <a:r>
+              <a:rPr lang="en-US" dirty="0" err="1"/>
+              <a:t>guia</a:t>
+            </a:r>
+            <a:endParaRPr lang="en-US" dirty="0"/>
+          </a:p>
+        </p:txBody>
+      </p:sp>
+      <p:pic>
+        <p:nvPicPr>
+          <p:cNvPr id="8" name="Content Placeholder 7" descr="A green and blue map with yellow lines&#10;&#10;AI-generated content may be incorrect.">
+            <a:extLst>
+              <a:ext uri="{FF2B5EF4-FFF2-40B4-BE49-F238E27FC236}">
+                <a16:creationId xmlns:a16="http://schemas.microsoft.com/office/drawing/2014/main" id="{27B567D2-52E2-A2E8-3C1D-15FE9F92E1E5}"/>
+              </a:ext>
+            </a:extLst>
+          </p:cNvPr>
+          <p:cNvPicPr>
+            <a:picLocks noGrp="1" noChangeAspect="1"/>
+          </p:cNvPicPr>
+          <p:nvPr>
+            <p:ph idx="1"/>
+          </p:nvPr>
+        </p:nvPicPr>
+        <p:blipFill>
+          <a:blip r:embed="rId2"/>
+          <a:stretch>
+            <a:fillRect/>
+          </a:stretch>
+        </p:blipFill>
+        <p:spPr>
+          <a:xfrm>
+            <a:off x="465882" y="2044611"/>
+            <a:ext cx="4946674" cy="4008438"/>
+          </a:xfrm>
+        </p:spPr>
+      </p:pic>
+      <p:sp>
+        <p:nvSpPr>
+          <p:cNvPr id="3" name="Espaço Reservado para Conteúdo 5">
+            <a:extLst>
+              <a:ext uri="{FF2B5EF4-FFF2-40B4-BE49-F238E27FC236}">
+                <a16:creationId xmlns:a16="http://schemas.microsoft.com/office/drawing/2014/main" id="{A5707E04-8539-A9C4-6D82-7A76D9F94E6B}"/>
+              </a:ext>
+            </a:extLst>
+          </p:cNvPr>
+          <p:cNvSpPr txBox="1">
+            <a:spLocks/>
+          </p:cNvSpPr>
+          <p:nvPr/>
+        </p:nvSpPr>
+        <p:spPr>
+          <a:xfrm>
+            <a:off x="5016500" y="1825625"/>
+            <a:ext cx="6337300" cy="4351338"/>
+          </a:xfrm>
+          <a:prstGeom prst="rect">
+            <a:avLst/>
+          </a:prstGeom>
+        </p:spPr>
+        <p:txBody>
+          <a:bodyPr vert="horz" lIns="91440" tIns="45720" rIns="91440" bIns="45720" rtlCol="0">
+            <a:normAutofit/>
+          </a:bodyPr>
+          <a:lstStyle>
+            <a:lvl1pPr marL="228600" indent="-228600" algn="l" defTabSz="914400" rtl="0" eaLnBrk="1" latinLnBrk="0" hangingPunct="1">
+              <a:lnSpc>
+                <a:spcPct val="90000"/>
+              </a:lnSpc>
+              <a:spcBef>
+                <a:spcPts val="1000"/>
+              </a:spcBef>
+              <a:buFont typeface="Arial" panose="020B0604020202020204" pitchFamily="34" charset="0"/>
+              <a:buChar char="•"/>
+              <a:defRPr sz="2800" kern="1200">
+                <a:solidFill>
+                  <a:schemeClr val="tx1"/>
+                </a:solidFill>
+                <a:latin typeface="+mn-lt"/>
+                <a:ea typeface="+mn-ea"/>
+                <a:cs typeface="+mn-cs"/>
+              </a:defRPr>
+            </a:lvl1pPr>
+            <a:lvl2pPr marL="685800" indent="-228600" algn="l" defTabSz="914400" rtl="0" eaLnBrk="1" latinLnBrk="0" hangingPunct="1">
+              <a:lnSpc>
+                <a:spcPct val="90000"/>
+              </a:lnSpc>
+              <a:spcBef>
+                <a:spcPts val="500"/>
+              </a:spcBef>
+              <a:buFont typeface="Arial" panose="020B0604020202020204" pitchFamily="34" charset="0"/>
+              <a:buChar char="•"/>
+              <a:defRPr sz="2400" kern="1200">
+                <a:solidFill>
+                  <a:schemeClr val="tx1"/>
+                </a:solidFill>
+                <a:latin typeface="+mn-lt"/>
+                <a:ea typeface="+mn-ea"/>
+                <a:cs typeface="+mn-cs"/>
+              </a:defRPr>
+            </a:lvl2pPr>
+            <a:lvl3pPr marL="1143000" indent="-228600" algn="l" defTabSz="914400" rtl="0" eaLnBrk="1" latinLnBrk="0" hangingPunct="1">
+              <a:lnSpc>
+                <a:spcPct val="90000"/>
+              </a:lnSpc>
+              <a:spcBef>
+                <a:spcPts val="500"/>
+              </a:spcBef>
+              <a:buFont typeface="Arial" panose="020B0604020202020204" pitchFamily="34" charset="0"/>
+              <a:buChar char="•"/>
+              <a:defRPr sz="2000" kern="1200">
+                <a:solidFill>
+                  <a:schemeClr val="tx1"/>
+                </a:solidFill>
+                <a:latin typeface="+mn-lt"/>
+                <a:ea typeface="+mn-ea"/>
+                <a:cs typeface="+mn-cs"/>
+              </a:defRPr>
+            </a:lvl3pPr>
+            <a:lvl4pPr marL="1600200" indent="-228600" algn="l" defTabSz="914400" rtl="0" eaLnBrk="1" latinLnBrk="0" hangingPunct="1">
+              <a:lnSpc>
+                <a:spcPct val="90000"/>
+              </a:lnSpc>
+              <a:spcBef>
+                <a:spcPts val="500"/>
+              </a:spcBef>
+              <a:buFont typeface="Arial" panose="020B0604020202020204" pitchFamily="34" charset="0"/>
+              <a:buChar char="•"/>
+              <a:defRPr sz="1800" kern="1200">
+                <a:solidFill>
+                  <a:schemeClr val="tx1"/>
+                </a:solidFill>
+                <a:latin typeface="+mn-lt"/>
+                <a:ea typeface="+mn-ea"/>
+                <a:cs typeface="+mn-cs"/>
+              </a:defRPr>
+            </a:lvl4pPr>
+            <a:lvl5pPr marL="2057400" indent="-228600" algn="l" defTabSz="914400" rtl="0" eaLnBrk="1" latinLnBrk="0" hangingPunct="1">
+              <a:lnSpc>
+                <a:spcPct val="90000"/>
+              </a:lnSpc>
+              <a:spcBef>
+                <a:spcPts val="500"/>
+              </a:spcBef>
+              <a:buFont typeface="Arial" panose="020B0604020202020204" pitchFamily="34" charset="0"/>
+              <a:buChar char="•"/>
+              <a:defRPr sz="1800" kern="1200">
+                <a:solidFill>
+                  <a:schemeClr val="tx1"/>
+                </a:solidFill>
+                <a:latin typeface="+mn-lt"/>
+                <a:ea typeface="+mn-ea"/>
+                <a:cs typeface="+mn-cs"/>
+              </a:defRPr>
+            </a:lvl5pPr>
+            <a:lvl6pPr marL="2514600" indent="-228600" algn="l" defTabSz="914400" rtl="0" eaLnBrk="1" latinLnBrk="0" hangingPunct="1">
+              <a:lnSpc>
+                <a:spcPct val="90000"/>
+              </a:lnSpc>
+              <a:spcBef>
+                <a:spcPts val="500"/>
+              </a:spcBef>
+              <a:buFont typeface="Arial" panose="020B0604020202020204" pitchFamily="34" charset="0"/>
+              <a:buChar char="•"/>
+              <a:defRPr sz="1800" kern="1200">
+                <a:solidFill>
+                  <a:schemeClr val="tx1"/>
+                </a:solidFill>
+                <a:latin typeface="+mn-lt"/>
+                <a:ea typeface="+mn-ea"/>
+                <a:cs typeface="+mn-cs"/>
+              </a:defRPr>
+            </a:lvl6pPr>
+            <a:lvl7pPr marL="2971800" indent="-228600" algn="l" defTabSz="914400" rtl="0" eaLnBrk="1" latinLnBrk="0" hangingPunct="1">
+              <a:lnSpc>
+                <a:spcPct val="90000"/>
+              </a:lnSpc>
+              <a:spcBef>
+                <a:spcPts val="500"/>
+              </a:spcBef>
+              <a:buFont typeface="Arial" panose="020B0604020202020204" pitchFamily="34" charset="0"/>
+              <a:buChar char="•"/>
+              <a:defRPr sz="1800" kern="1200">
+                <a:solidFill>
+                  <a:schemeClr val="tx1"/>
+                </a:solidFill>
+                <a:latin typeface="+mn-lt"/>
+                <a:ea typeface="+mn-ea"/>
+                <a:cs typeface="+mn-cs"/>
+              </a:defRPr>
+            </a:lvl7pPr>
+            <a:lvl8pPr marL="3429000" indent="-228600" algn="l" defTabSz="914400" rtl="0" eaLnBrk="1" latinLnBrk="0" hangingPunct="1">
+              <a:lnSpc>
+                <a:spcPct val="90000"/>
+              </a:lnSpc>
+              <a:spcBef>
+                <a:spcPts val="500"/>
+              </a:spcBef>
+              <a:buFont typeface="Arial" panose="020B0604020202020204" pitchFamily="34" charset="0"/>
+              <a:buChar char="•"/>
+              <a:defRPr sz="1800" kern="1200">
+                <a:solidFill>
+                  <a:schemeClr val="tx1"/>
+                </a:solidFill>
+                <a:latin typeface="+mn-lt"/>
+                <a:ea typeface="+mn-ea"/>
+                <a:cs typeface="+mn-cs"/>
+              </a:defRPr>
+            </a:lvl8pPr>
+            <a:lvl9pPr marL="3886200" indent="-228600" algn="l" defTabSz="914400" rtl="0" eaLnBrk="1" latinLnBrk="0" hangingPunct="1">
+              <a:lnSpc>
+                <a:spcPct val="90000"/>
+              </a:lnSpc>
+              <a:spcBef>
+                <a:spcPts val="500"/>
+              </a:spcBef>
+              <a:buFont typeface="Arial" panose="020B0604020202020204" pitchFamily="34" charset="0"/>
+              <a:buChar char="•"/>
+              <a:defRPr sz="1800" kern="1200">
+                <a:solidFill>
+                  <a:schemeClr val="tx1"/>
+                </a:solidFill>
+                <a:latin typeface="+mn-lt"/>
+                <a:ea typeface="+mn-ea"/>
+                <a:cs typeface="+mn-cs"/>
+              </a:defRPr>
+            </a:lvl9pPr>
+          </a:lstStyle>
+          <a:p>
+            <a:pPr marL="0" indent="0" algn="just">
+              <a:buNone/>
+            </a:pPr>
+            <a:r>
+              <a:rPr lang="pt-BR" dirty="0"/>
+              <a:t>4) Para cada par de pontos traçados, traçar reta cruzando a imagem</a:t>
+            </a:r>
+          </a:p>
+        </p:txBody>
+      </p:sp>
+    </p:spTree>
+    <p:extLst>
+      <p:ext uri="{BB962C8B-B14F-4D97-AF65-F5344CB8AC3E}">
+        <p14:creationId xmlns:p14="http://schemas.microsoft.com/office/powerpoint/2010/main" val="3738055581"/>
+      </p:ext>
+    </p:extLst>
+  </p:cSld>
+  <p:clrMapOvr>
+    <a:masterClrMapping/>
+  </p:clrMapOvr>
+</p:sld>
+</file>
+
+<file path=ppt/slides/slide7.xml><?xml version="1.0" encoding="utf-8"?>
+<p:sld xmlns:a="http://schemas.openxmlformats.org/drawingml/2006/main" xmlns:r="http://schemas.openxmlformats.org/officeDocument/2006/relationships" xmlns:p="http://schemas.openxmlformats.org/presentationml/2006/main">
+  <p:cSld>
+    <p:spTree>
+      <p:nvGrpSpPr>
+        <p:cNvPr id="1" name="">
+          <a:extLst>
+            <a:ext uri="{FF2B5EF4-FFF2-40B4-BE49-F238E27FC236}">
+              <a16:creationId xmlns:a16="http://schemas.microsoft.com/office/drawing/2014/main" id="{AF580068-3123-65AA-E297-043B38910936}"/>
+            </a:ext>
+          </a:extLst>
+        </p:cNvPr>
+        <p:cNvGrpSpPr/>
+        <p:nvPr/>
+      </p:nvGrpSpPr>
+      <p:grpSpPr>
+        <a:xfrm>
+          <a:off x="0" y="0"/>
+          <a:ext cx="0" cy="0"/>
+          <a:chOff x="0" y="0"/>
+          <a:chExt cx="0" cy="0"/>
+        </a:xfrm>
+      </p:grpSpPr>
+      <p:pic>
+        <p:nvPicPr>
+          <p:cNvPr id="5" name="Picture 2" descr="A map of a country&#10;&#10;AI-generated content may be incorrect.">
+            <a:extLst>
+              <a:ext uri="{FF2B5EF4-FFF2-40B4-BE49-F238E27FC236}">
+                <a16:creationId xmlns:a16="http://schemas.microsoft.com/office/drawing/2014/main" id="{699B0256-D74E-220B-2FAB-61A2E9254E7C}"/>
+              </a:ext>
+            </a:extLst>
+          </p:cNvPr>
+          <p:cNvPicPr>
+            <a:picLocks noChangeAspect="1"/>
+          </p:cNvPicPr>
+          <p:nvPr/>
+        </p:nvPicPr>
+        <p:blipFill>
+          <a:blip r:embed="rId2"/>
+          <a:stretch>
+            <a:fillRect/>
+          </a:stretch>
+        </p:blipFill>
+        <p:spPr>
+          <a:xfrm>
+            <a:off x="487355" y="2045387"/>
+            <a:ext cx="4942871" cy="4002743"/>
+          </a:xfrm>
+          <a:prstGeom prst="rect">
+            <a:avLst/>
+          </a:prstGeom>
+        </p:spPr>
+      </p:pic>
+      <p:sp>
+        <p:nvSpPr>
+          <p:cNvPr id="2" name="Title 1">
+            <a:extLst>
+              <a:ext uri="{FF2B5EF4-FFF2-40B4-BE49-F238E27FC236}">
+                <a16:creationId xmlns:a16="http://schemas.microsoft.com/office/drawing/2014/main" id="{BE8DE10C-EDFE-E682-7694-C4A16EB987A1}"/>
+              </a:ext>
+            </a:extLst>
+          </p:cNvPr>
+          <p:cNvSpPr>
+            <a:spLocks noGrp="1"/>
+          </p:cNvSpPr>
+          <p:nvPr>
+            <p:ph type="title"/>
+          </p:nvPr>
+        </p:nvSpPr>
+        <p:spPr/>
+        <p:txBody>
+          <a:bodyPr/>
+          <a:lstStyle/>
+          <a:p>
+            <a:r>
+              <a:rPr lang="en-US" dirty="0" err="1"/>
+              <a:t>Candidatos</a:t>
+            </a:r>
+            <a:r>
+              <a:rPr lang="en-US" dirty="0"/>
+              <a:t> a deltas e </a:t>
+            </a:r>
+            <a:r>
+              <a:rPr lang="en-US" dirty="0" err="1"/>
+              <a:t>nascentes</a:t>
+            </a:r>
+            <a:endParaRPr lang="en-US" dirty="0"/>
+          </a:p>
+        </p:txBody>
+      </p:sp>
+      <p:sp>
+        <p:nvSpPr>
+          <p:cNvPr id="6" name="Espaço Reservado para Conteúdo 5">
+            <a:extLst>
+              <a:ext uri="{FF2B5EF4-FFF2-40B4-BE49-F238E27FC236}">
+                <a16:creationId xmlns:a16="http://schemas.microsoft.com/office/drawing/2014/main" id="{E714A6D3-453C-A3E2-86CB-D450D9E336B7}"/>
+              </a:ext>
+            </a:extLst>
+          </p:cNvPr>
+          <p:cNvSpPr>
+            <a:spLocks noGrp="1"/>
+          </p:cNvSpPr>
+          <p:nvPr>
+            <p:ph idx="1"/>
+          </p:nvPr>
+        </p:nvSpPr>
+        <p:spPr>
+          <a:xfrm>
+            <a:off x="5016500" y="1825625"/>
+            <a:ext cx="6337300" cy="4351338"/>
+          </a:xfrm>
+        </p:spPr>
+        <p:txBody>
+          <a:bodyPr/>
+          <a:lstStyle/>
+          <a:p>
+            <a:pPr marL="0" indent="0" algn="just">
+              <a:buNone/>
+            </a:pPr>
+            <a:r>
+              <a:rPr lang="pt-BR" dirty="0"/>
+              <a:t>5) Identificar as intersecções entre as retas que ocorrerem em trechos em verde e classifica-los como candidatos a </a:t>
+            </a:r>
+            <a:r>
+              <a:rPr lang="pt-BR" b="1" dirty="0">
+                <a:solidFill>
+                  <a:srgbClr val="CC6600"/>
+                </a:solidFill>
+              </a:rPr>
+              <a:t>nascentes</a:t>
+            </a:r>
+            <a:r>
+              <a:rPr lang="pt-BR" dirty="0"/>
+              <a:t>, e o cruzamento das retas com o nível do mar serão classificados como candidatos a </a:t>
+            </a:r>
+            <a:r>
+              <a:rPr lang="pt-BR" b="1" dirty="0">
+                <a:solidFill>
+                  <a:schemeClr val="accent4">
+                    <a:lumMod val="60000"/>
+                    <a:lumOff val="40000"/>
+                  </a:schemeClr>
+                </a:solidFill>
+              </a:rPr>
+              <a:t>deltas</a:t>
+            </a:r>
+            <a:endParaRPr lang="pt-BR" dirty="0">
+              <a:solidFill>
+                <a:schemeClr val="accent4">
+                  <a:lumMod val="60000"/>
+                  <a:lumOff val="40000"/>
+                </a:schemeClr>
+              </a:solidFill>
+            </a:endParaRPr>
+          </a:p>
+        </p:txBody>
+      </p:sp>
+    </p:spTree>
+    <p:extLst>
+      <p:ext uri="{BB962C8B-B14F-4D97-AF65-F5344CB8AC3E}">
+        <p14:creationId xmlns:p14="http://schemas.microsoft.com/office/powerpoint/2010/main" val="4263348729"/>
+      </p:ext>
+    </p:extLst>
+  </p:cSld>
+  <p:clrMapOvr>
+    <a:masterClrMapping/>
+  </p:clrMapOvr>
+</p:sld>
+</file>
+
+<file path=ppt/slides/slide8.xml><?xml version="1.0" encoding="utf-8"?>
+<p:sld xmlns:a="http://schemas.openxmlformats.org/drawingml/2006/main" xmlns:r="http://schemas.openxmlformats.org/officeDocument/2006/relationships" xmlns:p="http://schemas.openxmlformats.org/presentationml/2006/main">
+  <p:cSld>
+    <p:spTree>
+      <p:nvGrpSpPr>
+        <p:cNvPr id="1" name="">
+          <a:extLst>
+            <a:ext uri="{FF2B5EF4-FFF2-40B4-BE49-F238E27FC236}">
+              <a16:creationId xmlns:a16="http://schemas.microsoft.com/office/drawing/2014/main" id="{48A9F0ED-38E7-95CF-3608-2BDC1F95CDBE}"/>
+            </a:ext>
+          </a:extLst>
+        </p:cNvPr>
+        <p:cNvGrpSpPr/>
+        <p:nvPr/>
+      </p:nvGrpSpPr>
+      <p:grpSpPr>
+        <a:xfrm>
+          <a:off x="0" y="0"/>
+          <a:ext cx="0" cy="0"/>
+          <a:chOff x="0" y="0"/>
+          <a:chExt cx="0" cy="0"/>
+        </a:xfrm>
+      </p:grpSpPr>
+      <p:pic>
+        <p:nvPicPr>
+          <p:cNvPr id="5" name="Content Placeholder 4" descr="A map of a country&#10;&#10;AI-generated content may be incorrect.">
+            <a:extLst>
+              <a:ext uri="{FF2B5EF4-FFF2-40B4-BE49-F238E27FC236}">
+                <a16:creationId xmlns:a16="http://schemas.microsoft.com/office/drawing/2014/main" id="{93D94E48-FF2A-9BED-10D4-5E99066C3F10}"/>
+              </a:ext>
+            </a:extLst>
+          </p:cNvPr>
+          <p:cNvPicPr>
+            <a:picLocks noGrp="1" noChangeAspect="1"/>
+          </p:cNvPicPr>
+          <p:nvPr>
+            <p:ph idx="1"/>
+          </p:nvPr>
+        </p:nvPicPr>
+        <p:blipFill>
+          <a:blip r:embed="rId2"/>
+          <a:stretch>
+            <a:fillRect/>
+          </a:stretch>
+        </p:blipFill>
+        <p:spPr>
+          <a:xfrm>
+            <a:off x="461338" y="2047137"/>
+            <a:ext cx="4942954" cy="4005781"/>
+          </a:xfrm>
+        </p:spPr>
+      </p:pic>
+      <p:sp>
+        <p:nvSpPr>
+          <p:cNvPr id="2" name="Title 1">
+            <a:extLst>
+              <a:ext uri="{FF2B5EF4-FFF2-40B4-BE49-F238E27FC236}">
+                <a16:creationId xmlns:a16="http://schemas.microsoft.com/office/drawing/2014/main" id="{1C3DBE3C-FE2F-4763-7028-8AE6A1F4181D}"/>
+              </a:ext>
+            </a:extLst>
+          </p:cNvPr>
+          <p:cNvSpPr>
+            <a:spLocks noGrp="1"/>
+          </p:cNvSpPr>
+          <p:nvPr>
+            <p:ph type="title"/>
+          </p:nvPr>
+        </p:nvSpPr>
+        <p:spPr/>
+        <p:txBody>
+          <a:bodyPr/>
+          <a:lstStyle/>
+          <a:p>
+            <a:r>
+              <a:rPr lang="en-US" dirty="0" err="1"/>
+              <a:t>Definindo</a:t>
+            </a:r>
+            <a:r>
+              <a:rPr lang="en-US" dirty="0"/>
+              <a:t> </a:t>
+            </a:r>
+            <a:r>
+              <a:rPr lang="en-US" dirty="0" err="1"/>
+              <a:t>rios</a:t>
+            </a:r>
+            <a:endParaRPr lang="en-US" dirty="0"/>
+          </a:p>
+        </p:txBody>
+      </p:sp>
+      <mc:AlternateContent xmlns:mc="http://schemas.openxmlformats.org/markup-compatibility/2006" xmlns:p14="http://schemas.microsoft.com/office/powerpoint/2010/main">
+        <mc:Choice Requires="p14">
+          <p:contentPart p14:bwMode="auto" r:id="rId3">
+            <p14:nvContentPartPr>
+              <p14:cNvPr id="4" name="Ink 3">
+                <a:extLst>
+                  <a:ext uri="{FF2B5EF4-FFF2-40B4-BE49-F238E27FC236}">
+                    <a16:creationId xmlns:a16="http://schemas.microsoft.com/office/drawing/2014/main" id="{87EB86C7-1A52-297A-F392-93E7EC8AE944}"/>
+                  </a:ext>
+                </a:extLst>
+              </p14:cNvPr>
+              <p14:cNvContentPartPr/>
+              <p14:nvPr/>
+            </p14:nvContentPartPr>
+            <p14:xfrm>
+              <a:off x="7821083" y="4265083"/>
+              <a:ext cx="10583" cy="10583"/>
+            </p14:xfrm>
+          </p:contentPart>
+        </mc:Choice>
+        <mc:Fallback xmlns="">
+          <p:pic>
+            <p:nvPicPr>
+              <p:cNvPr id="4" name="Ink 3">
+                <a:extLst>
+                  <a:ext uri="{FF2B5EF4-FFF2-40B4-BE49-F238E27FC236}">
+                    <a16:creationId xmlns:a16="http://schemas.microsoft.com/office/drawing/2014/main" id="{87EB86C7-1A52-297A-F392-93E7EC8AE944}"/>
+                  </a:ext>
+                </a:extLst>
+              </p:cNvPr>
+              <p:cNvPicPr/>
+              <p:nvPr/>
+            </p:nvPicPr>
+            <p:blipFill>
+              <a:blip r:embed="rId4"/>
+              <a:stretch>
+                <a:fillRect/>
+              </a:stretch>
+            </p:blipFill>
+            <p:spPr>
+              <a:xfrm>
+                <a:off x="7291933" y="3735933"/>
+                <a:ext cx="1058300" cy="1058300"/>
+              </a:xfrm>
+              <a:prstGeom prst="rect">
+                <a:avLst/>
+              </a:prstGeom>
+            </p:spPr>
+          </p:pic>
+        </mc:Fallback>
+      </mc:AlternateContent>
+      <p:sp>
+        <p:nvSpPr>
+          <p:cNvPr id="3" name="Espaço Reservado para Conteúdo 5">
+            <a:extLst>
+              <a:ext uri="{FF2B5EF4-FFF2-40B4-BE49-F238E27FC236}">
+                <a16:creationId xmlns:a16="http://schemas.microsoft.com/office/drawing/2014/main" id="{8D4E15DC-B8C9-728B-AB4E-1DB2FA958A39}"/>
+              </a:ext>
+            </a:extLst>
+          </p:cNvPr>
+          <p:cNvSpPr txBox="1">
+            <a:spLocks/>
+          </p:cNvSpPr>
+          <p:nvPr/>
+        </p:nvSpPr>
+        <p:spPr>
+          <a:xfrm>
+            <a:off x="5016500" y="1825625"/>
+            <a:ext cx="6337300" cy="4351338"/>
+          </a:xfrm>
+          <a:prstGeom prst="rect">
+            <a:avLst/>
+          </a:prstGeom>
+        </p:spPr>
+        <p:txBody>
+          <a:bodyPr vert="horz" lIns="91440" tIns="45720" rIns="91440" bIns="45720" rtlCol="0">
+            <a:normAutofit/>
+          </a:bodyPr>
+          <a:lstStyle>
+            <a:lvl1pPr marL="228600" indent="-228600" algn="l" defTabSz="914400" rtl="0" eaLnBrk="1" latinLnBrk="0" hangingPunct="1">
+              <a:lnSpc>
+                <a:spcPct val="90000"/>
+              </a:lnSpc>
+              <a:spcBef>
+                <a:spcPts val="1000"/>
+              </a:spcBef>
+              <a:buFont typeface="Arial" panose="020B0604020202020204" pitchFamily="34" charset="0"/>
+              <a:buChar char="•"/>
+              <a:defRPr sz="2800" kern="1200">
+                <a:solidFill>
+                  <a:schemeClr val="tx1"/>
+                </a:solidFill>
+                <a:latin typeface="+mn-lt"/>
+                <a:ea typeface="+mn-ea"/>
+                <a:cs typeface="+mn-cs"/>
+              </a:defRPr>
+            </a:lvl1pPr>
+            <a:lvl2pPr marL="685800" indent="-228600" algn="l" defTabSz="914400" rtl="0" eaLnBrk="1" latinLnBrk="0" hangingPunct="1">
+              <a:lnSpc>
+                <a:spcPct val="90000"/>
+              </a:lnSpc>
+              <a:spcBef>
+                <a:spcPts val="500"/>
+              </a:spcBef>
+              <a:buFont typeface="Arial" panose="020B0604020202020204" pitchFamily="34" charset="0"/>
+              <a:buChar char="•"/>
+              <a:defRPr sz="2400" kern="1200">
+                <a:solidFill>
+                  <a:schemeClr val="tx1"/>
+                </a:solidFill>
+                <a:latin typeface="+mn-lt"/>
+                <a:ea typeface="+mn-ea"/>
+                <a:cs typeface="+mn-cs"/>
+              </a:defRPr>
+            </a:lvl2pPr>
+            <a:lvl3pPr marL="1143000" indent="-228600" algn="l" defTabSz="914400" rtl="0" eaLnBrk="1" latinLnBrk="0" hangingPunct="1">
+              <a:lnSpc>
+                <a:spcPct val="90000"/>
+              </a:lnSpc>
+              <a:spcBef>
+                <a:spcPts val="500"/>
+              </a:spcBef>
+              <a:buFont typeface="Arial" panose="020B0604020202020204" pitchFamily="34" charset="0"/>
+              <a:buChar char="•"/>
+              <a:defRPr sz="2000" kern="1200">
+                <a:solidFill>
+                  <a:schemeClr val="tx1"/>
+                </a:solidFill>
+                <a:latin typeface="+mn-lt"/>
+                <a:ea typeface="+mn-ea"/>
+                <a:cs typeface="+mn-cs"/>
+              </a:defRPr>
+            </a:lvl3pPr>
+            <a:lvl4pPr marL="1600200" indent="-228600" algn="l" defTabSz="914400" rtl="0" eaLnBrk="1" latinLnBrk="0" hangingPunct="1">
+              <a:lnSpc>
+                <a:spcPct val="90000"/>
+              </a:lnSpc>
+              <a:spcBef>
+                <a:spcPts val="500"/>
+              </a:spcBef>
+              <a:buFont typeface="Arial" panose="020B0604020202020204" pitchFamily="34" charset="0"/>
+              <a:buChar char="•"/>
+              <a:defRPr sz="1800" kern="1200">
+                <a:solidFill>
+                  <a:schemeClr val="tx1"/>
+                </a:solidFill>
+                <a:latin typeface="+mn-lt"/>
+                <a:ea typeface="+mn-ea"/>
+                <a:cs typeface="+mn-cs"/>
+              </a:defRPr>
+            </a:lvl4pPr>
+            <a:lvl5pPr marL="2057400" indent="-228600" algn="l" defTabSz="914400" rtl="0" eaLnBrk="1" latinLnBrk="0" hangingPunct="1">
+              <a:lnSpc>
+                <a:spcPct val="90000"/>
+              </a:lnSpc>
+              <a:spcBef>
+                <a:spcPts val="500"/>
+              </a:spcBef>
+              <a:buFont typeface="Arial" panose="020B0604020202020204" pitchFamily="34" charset="0"/>
+              <a:buChar char="•"/>
+              <a:defRPr sz="1800" kern="1200">
+                <a:solidFill>
+                  <a:schemeClr val="tx1"/>
+                </a:solidFill>
+                <a:latin typeface="+mn-lt"/>
+                <a:ea typeface="+mn-ea"/>
+                <a:cs typeface="+mn-cs"/>
+              </a:defRPr>
+            </a:lvl5pPr>
+            <a:lvl6pPr marL="2514600" indent="-228600" algn="l" defTabSz="914400" rtl="0" eaLnBrk="1" latinLnBrk="0" hangingPunct="1">
+              <a:lnSpc>
+                <a:spcPct val="90000"/>
+              </a:lnSpc>
+              <a:spcBef>
+                <a:spcPts val="500"/>
+              </a:spcBef>
+              <a:buFont typeface="Arial" panose="020B0604020202020204" pitchFamily="34" charset="0"/>
+              <a:buChar char="•"/>
+              <a:defRPr sz="1800" kern="1200">
+                <a:solidFill>
+                  <a:schemeClr val="tx1"/>
+                </a:solidFill>
+                <a:latin typeface="+mn-lt"/>
+                <a:ea typeface="+mn-ea"/>
+                <a:cs typeface="+mn-cs"/>
+              </a:defRPr>
+            </a:lvl6pPr>
+            <a:lvl7pPr marL="2971800" indent="-228600" algn="l" defTabSz="914400" rtl="0" eaLnBrk="1" latinLnBrk="0" hangingPunct="1">
+              <a:lnSpc>
+                <a:spcPct val="90000"/>
+              </a:lnSpc>
+              <a:spcBef>
+                <a:spcPts val="500"/>
+              </a:spcBef>
+              <a:buFont typeface="Arial" panose="020B0604020202020204" pitchFamily="34" charset="0"/>
+              <a:buChar char="•"/>
+              <a:defRPr sz="1800" kern="1200">
+                <a:solidFill>
+                  <a:schemeClr val="tx1"/>
+                </a:solidFill>
+                <a:latin typeface="+mn-lt"/>
+                <a:ea typeface="+mn-ea"/>
+                <a:cs typeface="+mn-cs"/>
+              </a:defRPr>
+            </a:lvl7pPr>
+            <a:lvl8pPr marL="3429000" indent="-228600" algn="l" defTabSz="914400" rtl="0" eaLnBrk="1" latinLnBrk="0" hangingPunct="1">
+              <a:lnSpc>
+                <a:spcPct val="90000"/>
+              </a:lnSpc>
+              <a:spcBef>
+                <a:spcPts val="500"/>
+              </a:spcBef>
+              <a:buFont typeface="Arial" panose="020B0604020202020204" pitchFamily="34" charset="0"/>
+              <a:buChar char="•"/>
+              <a:defRPr sz="1800" kern="1200">
+                <a:solidFill>
+                  <a:schemeClr val="tx1"/>
+                </a:solidFill>
+                <a:latin typeface="+mn-lt"/>
+                <a:ea typeface="+mn-ea"/>
+                <a:cs typeface="+mn-cs"/>
+              </a:defRPr>
+            </a:lvl8pPr>
+            <a:lvl9pPr marL="3886200" indent="-228600" algn="l" defTabSz="914400" rtl="0" eaLnBrk="1" latinLnBrk="0" hangingPunct="1">
+              <a:lnSpc>
+                <a:spcPct val="90000"/>
+              </a:lnSpc>
+              <a:spcBef>
+                <a:spcPts val="500"/>
+              </a:spcBef>
+              <a:buFont typeface="Arial" panose="020B0604020202020204" pitchFamily="34" charset="0"/>
+              <a:buChar char="•"/>
+              <a:defRPr sz="1800" kern="1200">
+                <a:solidFill>
+                  <a:schemeClr val="tx1"/>
+                </a:solidFill>
+                <a:latin typeface="+mn-lt"/>
+                <a:ea typeface="+mn-ea"/>
+                <a:cs typeface="+mn-cs"/>
+              </a:defRPr>
+            </a:lvl9pPr>
+          </a:lstStyle>
+          <a:p>
+            <a:pPr marL="0" indent="0" algn="just">
+              <a:buFont typeface="Arial" panose="020B0604020202020204" pitchFamily="34" charset="0"/>
+              <a:buNone/>
+            </a:pPr>
+            <a:r>
+              <a:rPr lang="pt-BR" dirty="0"/>
+              <a:t>6) Considerando as retas de referencia como vetores de pontos de referencia (candidatos a nascentes ou deltas), são selecionados deltas e nascentes que sejam consecutivos dentro do conjunto de retas de referencia.</a:t>
+            </a:r>
+          </a:p>
+          <a:p>
+            <a:pPr marL="0" indent="0" algn="just">
+              <a:buFont typeface="Arial" panose="020B0604020202020204" pitchFamily="34" charset="0"/>
+              <a:buNone/>
+            </a:pPr>
+            <a:r>
+              <a:rPr lang="pt-BR" dirty="0"/>
+              <a:t>A partir desse par é definido o começo e o fim de um </a:t>
+            </a:r>
+            <a:r>
+              <a:rPr lang="pt-BR" b="1" dirty="0">
+                <a:solidFill>
+                  <a:srgbClr val="2D03B5"/>
+                </a:solidFill>
+              </a:rPr>
+              <a:t>rio</a:t>
+            </a:r>
+            <a:r>
+              <a:rPr lang="pt-BR" dirty="0"/>
+              <a:t> </a:t>
+            </a:r>
+            <a:endParaRPr lang="pt-BR" dirty="0">
+              <a:solidFill>
+                <a:schemeClr val="accent4">
+                  <a:lumMod val="60000"/>
+                  <a:lumOff val="40000"/>
+                </a:schemeClr>
+              </a:solidFill>
+            </a:endParaRPr>
+          </a:p>
+        </p:txBody>
+      </p:sp>
+    </p:spTree>
+    <p:extLst>
+      <p:ext uri="{BB962C8B-B14F-4D97-AF65-F5344CB8AC3E}">
+        <p14:creationId xmlns:p14="http://schemas.microsoft.com/office/powerpoint/2010/main" val="3474479013"/>
+      </p:ext>
+    </p:extLst>
+  </p:cSld>
+  <p:clrMapOvr>
+    <a:masterClrMapping/>
+  </p:clrMapOvr>
+</p:sld>
+</file>
+
+<file path=ppt/slides/slide9.xml><?xml version="1.0" encoding="utf-8"?>
+<p:sld xmlns:a="http://schemas.openxmlformats.org/drawingml/2006/main" xmlns:r="http://schemas.openxmlformats.org/officeDocument/2006/relationships" xmlns:p="http://schemas.openxmlformats.org/presentationml/2006/main">
+  <p:cSld>
+    <p:spTree>
+      <p:nvGrpSpPr>
+        <p:cNvPr id="1" name="">
+          <a:extLst>
+            <a:ext uri="{FF2B5EF4-FFF2-40B4-BE49-F238E27FC236}">
+              <a16:creationId xmlns:a16="http://schemas.microsoft.com/office/drawing/2014/main" id="{60EB9FFD-587A-ACBF-354B-C9582971083A}"/>
+            </a:ext>
+          </a:extLst>
+        </p:cNvPr>
+        <p:cNvGrpSpPr/>
+        <p:nvPr/>
+      </p:nvGrpSpPr>
+      <p:grpSpPr>
+        <a:xfrm>
+          <a:off x="0" y="0"/>
+          <a:ext cx="0" cy="0"/>
+          <a:chOff x="0" y="0"/>
+          <a:chExt cx="0" cy="0"/>
+        </a:xfrm>
+      </p:grpSpPr>
+      <p:sp>
+        <p:nvSpPr>
+          <p:cNvPr id="2" name="Title 1">
+            <a:extLst>
+              <a:ext uri="{FF2B5EF4-FFF2-40B4-BE49-F238E27FC236}">
+                <a16:creationId xmlns:a16="http://schemas.microsoft.com/office/drawing/2014/main" id="{819C2356-EBD5-ABC0-8DFC-49D0EB50A9E7}"/>
+              </a:ext>
+            </a:extLst>
+          </p:cNvPr>
+          <p:cNvSpPr>
+            <a:spLocks noGrp="1"/>
+          </p:cNvSpPr>
+          <p:nvPr>
+            <p:ph type="title"/>
+          </p:nvPr>
+        </p:nvSpPr>
+        <p:spPr/>
+        <p:txBody>
+          <a:bodyPr/>
+          <a:lstStyle/>
+          <a:p>
+            <a:r>
+              <a:rPr lang="en-US" dirty="0" err="1"/>
+              <a:t>Definindo</a:t>
+            </a:r>
+            <a:r>
+              <a:rPr lang="en-US" dirty="0"/>
+              <a:t> </a:t>
+            </a:r>
+            <a:r>
+              <a:rPr lang="en-US" dirty="0" err="1"/>
+              <a:t>declividade</a:t>
+            </a:r>
+            <a:endParaRPr lang="en-US" dirty="0"/>
+          </a:p>
+        </p:txBody>
+      </p:sp>
+      <p:pic>
+        <p:nvPicPr>
+          <p:cNvPr id="13" name="Imagem 12">
+            <a:extLst>
+              <a:ext uri="{FF2B5EF4-FFF2-40B4-BE49-F238E27FC236}">
+                <a16:creationId xmlns:a16="http://schemas.microsoft.com/office/drawing/2014/main" id="{842531E7-A623-A71A-0D1F-87CD5454E8E2}"/>
+              </a:ext>
+            </a:extLst>
+          </p:cNvPr>
+          <p:cNvPicPr>
+            <a:picLocks noChangeAspect="1"/>
+          </p:cNvPicPr>
+          <p:nvPr/>
+        </p:nvPicPr>
+        <p:blipFill>
+          <a:blip r:embed="rId2"/>
+          <a:stretch>
+            <a:fillRect/>
+          </a:stretch>
+        </p:blipFill>
+        <p:spPr>
+          <a:xfrm rot="16200000">
+            <a:off x="925766" y="1793717"/>
+            <a:ext cx="2131977" cy="2390399"/>
+          </a:xfrm>
+          <a:prstGeom prst="rect">
+            <a:avLst/>
+          </a:prstGeom>
+        </p:spPr>
+      </p:pic>
+      <p:sp>
+        <p:nvSpPr>
+          <p:cNvPr id="16" name="Espaço Reservado para Conteúdo 5">
+            <a:extLst>
+              <a:ext uri="{FF2B5EF4-FFF2-40B4-BE49-F238E27FC236}">
+                <a16:creationId xmlns:a16="http://schemas.microsoft.com/office/drawing/2014/main" id="{90F1BA68-49C5-77D4-29BE-591ADE3F15B9}"/>
+              </a:ext>
+            </a:extLst>
+          </p:cNvPr>
+          <p:cNvSpPr txBox="1">
+            <a:spLocks/>
+          </p:cNvSpPr>
+          <p:nvPr/>
+        </p:nvSpPr>
+        <p:spPr>
+          <a:xfrm>
+            <a:off x="5016500" y="1825625"/>
+            <a:ext cx="6337300" cy="4351338"/>
+          </a:xfrm>
+          <a:prstGeom prst="rect">
+            <a:avLst/>
+          </a:prstGeom>
+        </p:spPr>
+        <p:txBody>
+          <a:bodyPr vert="horz" lIns="91440" tIns="45720" rIns="91440" bIns="45720" rtlCol="0">
+            <a:normAutofit/>
+          </a:bodyPr>
+          <a:lstStyle>
+            <a:lvl1pPr marL="228600" indent="-228600" algn="l" defTabSz="914400" rtl="0" eaLnBrk="1" latinLnBrk="0" hangingPunct="1">
+              <a:lnSpc>
+                <a:spcPct val="90000"/>
+              </a:lnSpc>
+              <a:spcBef>
+                <a:spcPts val="1000"/>
+              </a:spcBef>
+              <a:buFont typeface="Arial" panose="020B0604020202020204" pitchFamily="34" charset="0"/>
+              <a:buChar char="•"/>
+              <a:defRPr sz="2800" kern="1200">
+                <a:solidFill>
+                  <a:schemeClr val="tx1"/>
+                </a:solidFill>
+                <a:latin typeface="+mn-lt"/>
+                <a:ea typeface="+mn-ea"/>
+                <a:cs typeface="+mn-cs"/>
+              </a:defRPr>
+            </a:lvl1pPr>
+            <a:lvl2pPr marL="685800" indent="-228600" algn="l" defTabSz="914400" rtl="0" eaLnBrk="1" latinLnBrk="0" hangingPunct="1">
+              <a:lnSpc>
+                <a:spcPct val="90000"/>
+              </a:lnSpc>
+              <a:spcBef>
+                <a:spcPts val="500"/>
+              </a:spcBef>
+              <a:buFont typeface="Arial" panose="020B0604020202020204" pitchFamily="34" charset="0"/>
+              <a:buChar char="•"/>
+              <a:defRPr sz="2400" kern="1200">
+                <a:solidFill>
+                  <a:schemeClr val="tx1"/>
+                </a:solidFill>
+                <a:latin typeface="+mn-lt"/>
+                <a:ea typeface="+mn-ea"/>
+                <a:cs typeface="+mn-cs"/>
+              </a:defRPr>
+            </a:lvl2pPr>
+            <a:lvl3pPr marL="1143000" indent="-228600" algn="l" defTabSz="914400" rtl="0" eaLnBrk="1" latinLnBrk="0" hangingPunct="1">
+              <a:lnSpc>
+                <a:spcPct val="90000"/>
+              </a:lnSpc>
+              <a:spcBef>
+                <a:spcPts val="500"/>
+              </a:spcBef>
+              <a:buFont typeface="Arial" panose="020B0604020202020204" pitchFamily="34" charset="0"/>
+              <a:buChar char="•"/>
+              <a:defRPr sz="2000" kern="1200">
+                <a:solidFill>
+                  <a:schemeClr val="tx1"/>
+                </a:solidFill>
+                <a:latin typeface="+mn-lt"/>
+                <a:ea typeface="+mn-ea"/>
+                <a:cs typeface="+mn-cs"/>
+              </a:defRPr>
+            </a:lvl3pPr>
+            <a:lvl4pPr marL="1600200" indent="-228600" algn="l" defTabSz="914400" rtl="0" eaLnBrk="1" latinLnBrk="0" hangingPunct="1">
+              <a:lnSpc>
+                <a:spcPct val="90000"/>
+              </a:lnSpc>
+              <a:spcBef>
+                <a:spcPts val="500"/>
+              </a:spcBef>
+              <a:buFont typeface="Arial" panose="020B0604020202020204" pitchFamily="34" charset="0"/>
+              <a:buChar char="•"/>
+              <a:defRPr sz="1800" kern="1200">
+                <a:solidFill>
+                  <a:schemeClr val="tx1"/>
+                </a:solidFill>
+                <a:latin typeface="+mn-lt"/>
+                <a:ea typeface="+mn-ea"/>
+                <a:cs typeface="+mn-cs"/>
+              </a:defRPr>
+            </a:lvl4pPr>
+            <a:lvl5pPr marL="2057400" indent="-228600" algn="l" defTabSz="914400" rtl="0" eaLnBrk="1" latinLnBrk="0" hangingPunct="1">
+              <a:lnSpc>
+                <a:spcPct val="90000"/>
+              </a:lnSpc>
+              <a:spcBef>
+                <a:spcPts val="500"/>
+              </a:spcBef>
+              <a:buFont typeface="Arial" panose="020B0604020202020204" pitchFamily="34" charset="0"/>
+              <a:buChar char="•"/>
+              <a:defRPr sz="1800" kern="1200">
+                <a:solidFill>
+                  <a:schemeClr val="tx1"/>
+                </a:solidFill>
+                <a:latin typeface="+mn-lt"/>
+                <a:ea typeface="+mn-ea"/>
+                <a:cs typeface="+mn-cs"/>
+              </a:defRPr>
+            </a:lvl5pPr>
+            <a:lvl6pPr marL="2514600" indent="-228600" algn="l" defTabSz="914400" rtl="0" eaLnBrk="1" latinLnBrk="0" hangingPunct="1">
+              <a:lnSpc>
+                <a:spcPct val="90000"/>
+              </a:lnSpc>
+              <a:spcBef>
+                <a:spcPts val="500"/>
+              </a:spcBef>
+              <a:buFont typeface="Arial" panose="020B0604020202020204" pitchFamily="34" charset="0"/>
+              <a:buChar char="•"/>
+              <a:defRPr sz="1800" kern="1200">
+                <a:solidFill>
+                  <a:schemeClr val="tx1"/>
+                </a:solidFill>
+                <a:latin typeface="+mn-lt"/>
+                <a:ea typeface="+mn-ea"/>
+                <a:cs typeface="+mn-cs"/>
+              </a:defRPr>
+            </a:lvl6pPr>
+            <a:lvl7pPr marL="2971800" indent="-228600" algn="l" defTabSz="914400" rtl="0" eaLnBrk="1" latinLnBrk="0" hangingPunct="1">
+              <a:lnSpc>
+                <a:spcPct val="90000"/>
+              </a:lnSpc>
+              <a:spcBef>
+                <a:spcPts val="500"/>
+              </a:spcBef>
+              <a:buFont typeface="Arial" panose="020B0604020202020204" pitchFamily="34" charset="0"/>
+              <a:buChar char="•"/>
+              <a:defRPr sz="1800" kern="1200">
+                <a:solidFill>
+                  <a:schemeClr val="tx1"/>
+                </a:solidFill>
+                <a:latin typeface="+mn-lt"/>
+                <a:ea typeface="+mn-ea"/>
+                <a:cs typeface="+mn-cs"/>
+              </a:defRPr>
+            </a:lvl7pPr>
+            <a:lvl8pPr marL="3429000" indent="-228600" algn="l" defTabSz="914400" rtl="0" eaLnBrk="1" latinLnBrk="0" hangingPunct="1">
+              <a:lnSpc>
+                <a:spcPct val="90000"/>
+              </a:lnSpc>
+              <a:spcBef>
+                <a:spcPts val="500"/>
+              </a:spcBef>
+              <a:buFont typeface="Arial" panose="020B0604020202020204" pitchFamily="34" charset="0"/>
+              <a:buChar char="•"/>
+              <a:defRPr sz="1800" kern="1200">
+                <a:solidFill>
+                  <a:schemeClr val="tx1"/>
+                </a:solidFill>
+                <a:latin typeface="+mn-lt"/>
+                <a:ea typeface="+mn-ea"/>
+                <a:cs typeface="+mn-cs"/>
+              </a:defRPr>
+            </a:lvl8pPr>
+            <a:lvl9pPr marL="3886200" indent="-228600" algn="l" defTabSz="914400" rtl="0" eaLnBrk="1" latinLnBrk="0" hangingPunct="1">
+              <a:lnSpc>
+                <a:spcPct val="90000"/>
+              </a:lnSpc>
+              <a:spcBef>
+                <a:spcPts val="500"/>
+              </a:spcBef>
+              <a:buFont typeface="Arial" panose="020B0604020202020204" pitchFamily="34" charset="0"/>
+              <a:buChar char="•"/>
+              <a:defRPr sz="1800" kern="1200">
+                <a:solidFill>
+                  <a:schemeClr val="tx1"/>
+                </a:solidFill>
+                <a:latin typeface="+mn-lt"/>
+                <a:ea typeface="+mn-ea"/>
+                <a:cs typeface="+mn-cs"/>
+              </a:defRPr>
+            </a:lvl9pPr>
+          </a:lstStyle>
+          <a:p>
+            <a:pPr marL="0" indent="0" algn="just">
+              <a:buFont typeface="Arial" panose="020B0604020202020204" pitchFamily="34" charset="0"/>
+              <a:buNone/>
+            </a:pPr>
+            <a:r>
+              <a:rPr lang="pt-BR" dirty="0"/>
+              <a:t>7) Ao sobrepor o traçado dos rios a camada de ruído, as intersecções entre os traçados e os pontos camada são marcados e armazenados no rio como transições de declive, que uma hierarquia, com as transições mais próximas ao delta vindo no topo da hierarquia e as mais próximas a nascente mais abaixo </a:t>
+            </a:r>
+            <a:endParaRPr lang="pt-BR" dirty="0">
+              <a:solidFill>
+                <a:schemeClr val="accent4">
+                  <a:lumMod val="60000"/>
+                  <a:lumOff val="40000"/>
+                </a:schemeClr>
+              </a:solidFill>
+            </a:endParaRPr>
+          </a:p>
+        </p:txBody>
+      </p:sp>
+      <p:pic>
+        <p:nvPicPr>
+          <p:cNvPr id="18" name="Imagem 17">
+            <a:extLst>
+              <a:ext uri="{FF2B5EF4-FFF2-40B4-BE49-F238E27FC236}">
+                <a16:creationId xmlns:a16="http://schemas.microsoft.com/office/drawing/2014/main" id="{2A0EE682-F846-B2C7-E9A6-73AE6BE89921}"/>
+              </a:ext>
+            </a:extLst>
+          </p:cNvPr>
+          <p:cNvPicPr>
+            <a:picLocks noChangeAspect="1"/>
+          </p:cNvPicPr>
+          <p:nvPr/>
+        </p:nvPicPr>
+        <p:blipFill>
+          <a:blip r:embed="rId3"/>
+          <a:stretch>
+            <a:fillRect/>
+          </a:stretch>
+        </p:blipFill>
+        <p:spPr>
+          <a:xfrm rot="16200000">
+            <a:off x="925766" y="4157933"/>
+            <a:ext cx="2131978" cy="2390400"/>
+          </a:xfrm>
+          <a:prstGeom prst="rect">
+            <a:avLst/>
+          </a:prstGeom>
+        </p:spPr>
+      </p:pic>
+    </p:spTree>
+    <p:extLst>
+      <p:ext uri="{BB962C8B-B14F-4D97-AF65-F5344CB8AC3E}">
+        <p14:creationId xmlns:p14="http://schemas.microsoft.com/office/powerpoint/2010/main" val="711424619"/>
       </p:ext>
     </p:extLst>
   </p:cSld>
